--- a/Artırılmış ve Sanal Gerçeklik.pptx
+++ b/Artırılmış ve Sanal Gerçeklik.pptx
@@ -10,12 +10,17 @@
     <p:sldId id="258" r:id="rId4"/>
     <p:sldId id="259" r:id="rId5"/>
     <p:sldId id="260" r:id="rId6"/>
-    <p:sldId id="261" r:id="rId7"/>
-    <p:sldId id="262" r:id="rId8"/>
-    <p:sldId id="263" r:id="rId9"/>
-    <p:sldId id="264" r:id="rId10"/>
-    <p:sldId id="266" r:id="rId11"/>
-    <p:sldId id="267" r:id="rId12"/>
+    <p:sldId id="272" r:id="rId7"/>
+    <p:sldId id="270" r:id="rId8"/>
+    <p:sldId id="271" r:id="rId9"/>
+    <p:sldId id="261" r:id="rId10"/>
+    <p:sldId id="262" r:id="rId11"/>
+    <p:sldId id="263" r:id="rId12"/>
+    <p:sldId id="268" r:id="rId13"/>
+    <p:sldId id="264" r:id="rId14"/>
+    <p:sldId id="269" r:id="rId15"/>
+    <p:sldId id="266" r:id="rId16"/>
+    <p:sldId id="267" r:id="rId17"/>
   </p:sldIdLst>
   <p:sldSz cx="12192000" cy="6858000"/>
   <p:notesSz cx="6858000" cy="9144000"/>
@@ -881,6 +886,753 @@
 </dgm:colorsDef>
 </file>
 
+<file path=ppt/diagrams/colors2.xml><?xml version="1.0" encoding="utf-8"?>
+<dgm:colorsDef xmlns:dgm="http://schemas.openxmlformats.org/drawingml/2006/diagram" xmlns:a="http://schemas.openxmlformats.org/drawingml/2006/main" uniqueId="urn:microsoft.com/office/officeart/2005/8/colors/accent1_2">
+  <dgm:title val=""/>
+  <dgm:desc val=""/>
+  <dgm:catLst>
+    <dgm:cat type="accent1" pri="11200"/>
+  </dgm:catLst>
+  <dgm:styleLbl name="node0">
+    <dgm:fillClrLst meth="repeat">
+      <a:schemeClr val="accent1"/>
+    </dgm:fillClrLst>
+    <dgm:linClrLst meth="repeat">
+      <a:schemeClr val="lt1"/>
+    </dgm:linClrLst>
+    <dgm:effectClrLst/>
+    <dgm:txLinClrLst/>
+    <dgm:txFillClrLst/>
+    <dgm:txEffectClrLst/>
+  </dgm:styleLbl>
+  <dgm:styleLbl name="alignNode1">
+    <dgm:fillClrLst meth="repeat">
+      <a:schemeClr val="accent1"/>
+    </dgm:fillClrLst>
+    <dgm:linClrLst meth="repeat">
+      <a:schemeClr val="accent1"/>
+    </dgm:linClrLst>
+    <dgm:effectClrLst/>
+    <dgm:txLinClrLst/>
+    <dgm:txFillClrLst/>
+    <dgm:txEffectClrLst/>
+  </dgm:styleLbl>
+  <dgm:styleLbl name="node1">
+    <dgm:fillClrLst meth="repeat">
+      <a:schemeClr val="accent1"/>
+    </dgm:fillClrLst>
+    <dgm:linClrLst meth="repeat">
+      <a:schemeClr val="lt1"/>
+    </dgm:linClrLst>
+    <dgm:effectClrLst/>
+    <dgm:txLinClrLst/>
+    <dgm:txFillClrLst/>
+    <dgm:txEffectClrLst/>
+  </dgm:styleLbl>
+  <dgm:styleLbl name="lnNode1">
+    <dgm:fillClrLst meth="repeat">
+      <a:schemeClr val="accent1"/>
+    </dgm:fillClrLst>
+    <dgm:linClrLst meth="repeat">
+      <a:schemeClr val="lt1"/>
+    </dgm:linClrLst>
+    <dgm:effectClrLst/>
+    <dgm:txLinClrLst/>
+    <dgm:txFillClrLst/>
+    <dgm:txEffectClrLst/>
+  </dgm:styleLbl>
+  <dgm:styleLbl name="vennNode1">
+    <dgm:fillClrLst meth="repeat">
+      <a:schemeClr val="accent1">
+        <a:alpha val="50000"/>
+      </a:schemeClr>
+    </dgm:fillClrLst>
+    <dgm:linClrLst meth="repeat">
+      <a:schemeClr val="lt1"/>
+    </dgm:linClrLst>
+    <dgm:effectClrLst/>
+    <dgm:txLinClrLst/>
+    <dgm:txFillClrLst/>
+    <dgm:txEffectClrLst/>
+  </dgm:styleLbl>
+  <dgm:styleLbl name="node2">
+    <dgm:fillClrLst meth="repeat">
+      <a:schemeClr val="accent1"/>
+    </dgm:fillClrLst>
+    <dgm:linClrLst meth="repeat">
+      <a:schemeClr val="lt1"/>
+    </dgm:linClrLst>
+    <dgm:effectClrLst/>
+    <dgm:txLinClrLst/>
+    <dgm:txFillClrLst/>
+    <dgm:txEffectClrLst/>
+  </dgm:styleLbl>
+  <dgm:styleLbl name="node3">
+    <dgm:fillClrLst meth="repeat">
+      <a:schemeClr val="accent1"/>
+    </dgm:fillClrLst>
+    <dgm:linClrLst meth="repeat">
+      <a:schemeClr val="lt1"/>
+    </dgm:linClrLst>
+    <dgm:effectClrLst/>
+    <dgm:txLinClrLst/>
+    <dgm:txFillClrLst/>
+    <dgm:txEffectClrLst/>
+  </dgm:styleLbl>
+  <dgm:styleLbl name="node4">
+    <dgm:fillClrLst meth="repeat">
+      <a:schemeClr val="accent1"/>
+    </dgm:fillClrLst>
+    <dgm:linClrLst meth="repeat">
+      <a:schemeClr val="lt1"/>
+    </dgm:linClrLst>
+    <dgm:effectClrLst/>
+    <dgm:txLinClrLst/>
+    <dgm:txFillClrLst/>
+    <dgm:txEffectClrLst/>
+  </dgm:styleLbl>
+  <dgm:styleLbl name="fgImgPlace1">
+    <dgm:fillClrLst meth="repeat">
+      <a:schemeClr val="accent1">
+        <a:tint val="50000"/>
+      </a:schemeClr>
+    </dgm:fillClrLst>
+    <dgm:linClrLst meth="repeat">
+      <a:schemeClr val="lt1"/>
+    </dgm:linClrLst>
+    <dgm:effectClrLst/>
+    <dgm:txLinClrLst/>
+    <dgm:txFillClrLst meth="repeat">
+      <a:schemeClr val="lt1"/>
+    </dgm:txFillClrLst>
+    <dgm:txEffectClrLst/>
+  </dgm:styleLbl>
+  <dgm:styleLbl name="alignImgPlace1">
+    <dgm:fillClrLst meth="repeat">
+      <a:schemeClr val="accent1">
+        <a:tint val="50000"/>
+      </a:schemeClr>
+    </dgm:fillClrLst>
+    <dgm:linClrLst meth="repeat">
+      <a:schemeClr val="lt1"/>
+    </dgm:linClrLst>
+    <dgm:effectClrLst/>
+    <dgm:txLinClrLst/>
+    <dgm:txFillClrLst meth="repeat">
+      <a:schemeClr val="lt1"/>
+    </dgm:txFillClrLst>
+    <dgm:txEffectClrLst/>
+  </dgm:styleLbl>
+  <dgm:styleLbl name="bgImgPlace1">
+    <dgm:fillClrLst meth="repeat">
+      <a:schemeClr val="accent1">
+        <a:tint val="50000"/>
+      </a:schemeClr>
+    </dgm:fillClrLst>
+    <dgm:linClrLst meth="repeat">
+      <a:schemeClr val="lt1"/>
+    </dgm:linClrLst>
+    <dgm:effectClrLst/>
+    <dgm:txLinClrLst/>
+    <dgm:txFillClrLst meth="repeat">
+      <a:schemeClr val="lt1"/>
+    </dgm:txFillClrLst>
+    <dgm:txEffectClrLst/>
+  </dgm:styleLbl>
+  <dgm:styleLbl name="sibTrans2D1">
+    <dgm:fillClrLst meth="repeat">
+      <a:schemeClr val="accent1">
+        <a:tint val="60000"/>
+      </a:schemeClr>
+    </dgm:fillClrLst>
+    <dgm:linClrLst meth="repeat">
+      <a:schemeClr val="accent1">
+        <a:tint val="60000"/>
+      </a:schemeClr>
+    </dgm:linClrLst>
+    <dgm:effectClrLst/>
+    <dgm:txLinClrLst/>
+    <dgm:txFillClrLst/>
+    <dgm:txEffectClrLst/>
+  </dgm:styleLbl>
+  <dgm:styleLbl name="fgSibTrans2D1">
+    <dgm:fillClrLst meth="repeat">
+      <a:schemeClr val="accent1">
+        <a:tint val="60000"/>
+      </a:schemeClr>
+    </dgm:fillClrLst>
+    <dgm:linClrLst meth="repeat">
+      <a:schemeClr val="accent1">
+        <a:tint val="60000"/>
+      </a:schemeClr>
+    </dgm:linClrLst>
+    <dgm:effectClrLst/>
+    <dgm:txLinClrLst/>
+    <dgm:txFillClrLst/>
+    <dgm:txEffectClrLst/>
+  </dgm:styleLbl>
+  <dgm:styleLbl name="bgSibTrans2D1">
+    <dgm:fillClrLst meth="repeat">
+      <a:schemeClr val="accent1">
+        <a:tint val="60000"/>
+      </a:schemeClr>
+    </dgm:fillClrLst>
+    <dgm:linClrLst meth="repeat">
+      <a:schemeClr val="accent1">
+        <a:tint val="60000"/>
+      </a:schemeClr>
+    </dgm:linClrLst>
+    <dgm:effectClrLst/>
+    <dgm:txLinClrLst/>
+    <dgm:txFillClrLst/>
+    <dgm:txEffectClrLst/>
+  </dgm:styleLbl>
+  <dgm:styleLbl name="sibTrans1D1">
+    <dgm:fillClrLst meth="repeat">
+      <a:schemeClr val="accent1"/>
+    </dgm:fillClrLst>
+    <dgm:linClrLst meth="repeat">
+      <a:schemeClr val="accent1"/>
+    </dgm:linClrLst>
+    <dgm:effectClrLst/>
+    <dgm:txLinClrLst/>
+    <dgm:txFillClrLst meth="repeat">
+      <a:schemeClr val="tx1"/>
+    </dgm:txFillClrLst>
+    <dgm:txEffectClrLst/>
+  </dgm:styleLbl>
+  <dgm:styleLbl name="callout">
+    <dgm:fillClrLst meth="repeat">
+      <a:schemeClr val="accent1"/>
+    </dgm:fillClrLst>
+    <dgm:linClrLst meth="repeat">
+      <a:schemeClr val="accent1">
+        <a:tint val="50000"/>
+      </a:schemeClr>
+    </dgm:linClrLst>
+    <dgm:effectClrLst/>
+    <dgm:txLinClrLst/>
+    <dgm:txFillClrLst meth="repeat">
+      <a:schemeClr val="tx1"/>
+    </dgm:txFillClrLst>
+    <dgm:txEffectClrLst/>
+  </dgm:styleLbl>
+  <dgm:styleLbl name="asst0">
+    <dgm:fillClrLst meth="repeat">
+      <a:schemeClr val="accent1"/>
+    </dgm:fillClrLst>
+    <dgm:linClrLst meth="repeat">
+      <a:schemeClr val="lt1"/>
+    </dgm:linClrLst>
+    <dgm:effectClrLst/>
+    <dgm:txLinClrLst/>
+    <dgm:txFillClrLst/>
+    <dgm:txEffectClrLst/>
+  </dgm:styleLbl>
+  <dgm:styleLbl name="asst1">
+    <dgm:fillClrLst meth="repeat">
+      <a:schemeClr val="accent1"/>
+    </dgm:fillClrLst>
+    <dgm:linClrLst meth="repeat">
+      <a:schemeClr val="lt1"/>
+    </dgm:linClrLst>
+    <dgm:effectClrLst/>
+    <dgm:txLinClrLst/>
+    <dgm:txFillClrLst/>
+    <dgm:txEffectClrLst/>
+  </dgm:styleLbl>
+  <dgm:styleLbl name="asst2">
+    <dgm:fillClrLst meth="repeat">
+      <a:schemeClr val="accent1"/>
+    </dgm:fillClrLst>
+    <dgm:linClrLst meth="repeat">
+      <a:schemeClr val="lt1"/>
+    </dgm:linClrLst>
+    <dgm:effectClrLst/>
+    <dgm:txLinClrLst/>
+    <dgm:txFillClrLst/>
+    <dgm:txEffectClrLst/>
+  </dgm:styleLbl>
+  <dgm:styleLbl name="asst3">
+    <dgm:fillClrLst meth="repeat">
+      <a:schemeClr val="accent1"/>
+    </dgm:fillClrLst>
+    <dgm:linClrLst meth="repeat">
+      <a:schemeClr val="lt1"/>
+    </dgm:linClrLst>
+    <dgm:effectClrLst/>
+    <dgm:txLinClrLst/>
+    <dgm:txFillClrLst/>
+    <dgm:txEffectClrLst/>
+  </dgm:styleLbl>
+  <dgm:styleLbl name="asst4">
+    <dgm:fillClrLst meth="repeat">
+      <a:schemeClr val="accent1"/>
+    </dgm:fillClrLst>
+    <dgm:linClrLst meth="repeat">
+      <a:schemeClr val="lt1"/>
+    </dgm:linClrLst>
+    <dgm:effectClrLst/>
+    <dgm:txLinClrLst/>
+    <dgm:txFillClrLst/>
+    <dgm:txEffectClrLst/>
+  </dgm:styleLbl>
+  <dgm:styleLbl name="parChTrans2D1">
+    <dgm:fillClrLst meth="repeat">
+      <a:schemeClr val="accent1">
+        <a:tint val="60000"/>
+      </a:schemeClr>
+    </dgm:fillClrLst>
+    <dgm:linClrLst meth="repeat">
+      <a:schemeClr val="accent1">
+        <a:tint val="60000"/>
+      </a:schemeClr>
+    </dgm:linClrLst>
+    <dgm:effectClrLst/>
+    <dgm:txLinClrLst/>
+    <dgm:txFillClrLst meth="repeat">
+      <a:schemeClr val="lt1"/>
+    </dgm:txFillClrLst>
+    <dgm:txEffectClrLst/>
+  </dgm:styleLbl>
+  <dgm:styleLbl name="parChTrans2D2">
+    <dgm:fillClrLst meth="repeat">
+      <a:schemeClr val="accent1"/>
+    </dgm:fillClrLst>
+    <dgm:linClrLst meth="repeat">
+      <a:schemeClr val="accent1"/>
+    </dgm:linClrLst>
+    <dgm:effectClrLst/>
+    <dgm:txLinClrLst/>
+    <dgm:txFillClrLst meth="repeat">
+      <a:schemeClr val="lt1"/>
+    </dgm:txFillClrLst>
+    <dgm:txEffectClrLst/>
+  </dgm:styleLbl>
+  <dgm:styleLbl name="parChTrans2D3">
+    <dgm:fillClrLst meth="repeat">
+      <a:schemeClr val="accent1"/>
+    </dgm:fillClrLst>
+    <dgm:linClrLst meth="repeat">
+      <a:schemeClr val="accent1"/>
+    </dgm:linClrLst>
+    <dgm:effectClrLst/>
+    <dgm:txLinClrLst/>
+    <dgm:txFillClrLst meth="repeat">
+      <a:schemeClr val="lt1"/>
+    </dgm:txFillClrLst>
+    <dgm:txEffectClrLst/>
+  </dgm:styleLbl>
+  <dgm:styleLbl name="parChTrans2D4">
+    <dgm:fillClrLst meth="repeat">
+      <a:schemeClr val="accent1"/>
+    </dgm:fillClrLst>
+    <dgm:linClrLst meth="repeat">
+      <a:schemeClr val="accent1"/>
+    </dgm:linClrLst>
+    <dgm:effectClrLst/>
+    <dgm:txLinClrLst/>
+    <dgm:txFillClrLst meth="repeat">
+      <a:schemeClr val="lt1"/>
+    </dgm:txFillClrLst>
+    <dgm:txEffectClrLst/>
+  </dgm:styleLbl>
+  <dgm:styleLbl name="parChTrans1D1">
+    <dgm:fillClrLst meth="repeat">
+      <a:schemeClr val="accent1"/>
+    </dgm:fillClrLst>
+    <dgm:linClrLst meth="repeat">
+      <a:schemeClr val="accent1">
+        <a:shade val="60000"/>
+      </a:schemeClr>
+    </dgm:linClrLst>
+    <dgm:effectClrLst/>
+    <dgm:txLinClrLst/>
+    <dgm:txFillClrLst meth="repeat">
+      <a:schemeClr val="tx1"/>
+    </dgm:txFillClrLst>
+    <dgm:txEffectClrLst/>
+  </dgm:styleLbl>
+  <dgm:styleLbl name="parChTrans1D2">
+    <dgm:fillClrLst meth="repeat">
+      <a:schemeClr val="accent1"/>
+    </dgm:fillClrLst>
+    <dgm:linClrLst meth="repeat">
+      <a:schemeClr val="accent1">
+        <a:shade val="60000"/>
+      </a:schemeClr>
+    </dgm:linClrLst>
+    <dgm:effectClrLst/>
+    <dgm:txLinClrLst/>
+    <dgm:txFillClrLst meth="repeat">
+      <a:schemeClr val="tx1"/>
+    </dgm:txFillClrLst>
+    <dgm:txEffectClrLst/>
+  </dgm:styleLbl>
+  <dgm:styleLbl name="parChTrans1D3">
+    <dgm:fillClrLst meth="repeat">
+      <a:schemeClr val="accent1"/>
+    </dgm:fillClrLst>
+    <dgm:linClrLst meth="repeat">
+      <a:schemeClr val="accent1">
+        <a:shade val="80000"/>
+      </a:schemeClr>
+    </dgm:linClrLst>
+    <dgm:effectClrLst/>
+    <dgm:txLinClrLst/>
+    <dgm:txFillClrLst meth="repeat">
+      <a:schemeClr val="tx1"/>
+    </dgm:txFillClrLst>
+    <dgm:txEffectClrLst/>
+  </dgm:styleLbl>
+  <dgm:styleLbl name="parChTrans1D4">
+    <dgm:fillClrLst meth="repeat">
+      <a:schemeClr val="accent1"/>
+    </dgm:fillClrLst>
+    <dgm:linClrLst meth="repeat">
+      <a:schemeClr val="accent1">
+        <a:shade val="80000"/>
+      </a:schemeClr>
+    </dgm:linClrLst>
+    <dgm:effectClrLst/>
+    <dgm:txLinClrLst/>
+    <dgm:txFillClrLst meth="repeat">
+      <a:schemeClr val="tx1"/>
+    </dgm:txFillClrLst>
+    <dgm:txEffectClrLst/>
+  </dgm:styleLbl>
+  <dgm:styleLbl name="fgAcc1">
+    <dgm:fillClrLst meth="repeat">
+      <a:schemeClr val="lt1">
+        <a:alpha val="90000"/>
+      </a:schemeClr>
+    </dgm:fillClrLst>
+    <dgm:linClrLst meth="repeat">
+      <a:schemeClr val="accent1"/>
+    </dgm:linClrLst>
+    <dgm:effectClrLst/>
+    <dgm:txLinClrLst/>
+    <dgm:txFillClrLst meth="repeat">
+      <a:schemeClr val="dk1"/>
+    </dgm:txFillClrLst>
+    <dgm:txEffectClrLst/>
+  </dgm:styleLbl>
+  <dgm:styleLbl name="conFgAcc1">
+    <dgm:fillClrLst meth="repeat">
+      <a:schemeClr val="lt1">
+        <a:alpha val="90000"/>
+      </a:schemeClr>
+    </dgm:fillClrLst>
+    <dgm:linClrLst meth="repeat">
+      <a:schemeClr val="accent1"/>
+    </dgm:linClrLst>
+    <dgm:effectClrLst/>
+    <dgm:txLinClrLst/>
+    <dgm:txFillClrLst meth="repeat">
+      <a:schemeClr val="dk1"/>
+    </dgm:txFillClrLst>
+    <dgm:txEffectClrLst/>
+  </dgm:styleLbl>
+  <dgm:styleLbl name="alignAcc1">
+    <dgm:fillClrLst meth="repeat">
+      <a:schemeClr val="lt1">
+        <a:alpha val="90000"/>
+      </a:schemeClr>
+    </dgm:fillClrLst>
+    <dgm:linClrLst meth="repeat">
+      <a:schemeClr val="accent1"/>
+    </dgm:linClrLst>
+    <dgm:effectClrLst/>
+    <dgm:txLinClrLst/>
+    <dgm:txFillClrLst meth="repeat">
+      <a:schemeClr val="dk1"/>
+    </dgm:txFillClrLst>
+    <dgm:txEffectClrLst/>
+  </dgm:styleLbl>
+  <dgm:styleLbl name="trAlignAcc1">
+    <dgm:fillClrLst meth="repeat">
+      <a:schemeClr val="lt1">
+        <a:alpha val="40000"/>
+      </a:schemeClr>
+    </dgm:fillClrLst>
+    <dgm:linClrLst meth="repeat">
+      <a:schemeClr val="accent1"/>
+    </dgm:linClrLst>
+    <dgm:effectClrLst/>
+    <dgm:txLinClrLst/>
+    <dgm:txFillClrLst meth="repeat">
+      <a:schemeClr val="dk1"/>
+    </dgm:txFillClrLst>
+    <dgm:txEffectClrLst/>
+  </dgm:styleLbl>
+  <dgm:styleLbl name="bgAcc1">
+    <dgm:fillClrLst meth="repeat">
+      <a:schemeClr val="lt1">
+        <a:alpha val="90000"/>
+      </a:schemeClr>
+    </dgm:fillClrLst>
+    <dgm:linClrLst meth="repeat">
+      <a:schemeClr val="accent1"/>
+    </dgm:linClrLst>
+    <dgm:effectClrLst/>
+    <dgm:txLinClrLst/>
+    <dgm:txFillClrLst meth="repeat">
+      <a:schemeClr val="dk1"/>
+    </dgm:txFillClrLst>
+    <dgm:txEffectClrLst/>
+  </dgm:styleLbl>
+  <dgm:styleLbl name="solidFgAcc1">
+    <dgm:fillClrLst meth="repeat">
+      <a:schemeClr val="lt1"/>
+    </dgm:fillClrLst>
+    <dgm:linClrLst meth="repeat">
+      <a:schemeClr val="accent1"/>
+    </dgm:linClrLst>
+    <dgm:effectClrLst/>
+    <dgm:txLinClrLst/>
+    <dgm:txFillClrLst meth="repeat">
+      <a:schemeClr val="dk1"/>
+    </dgm:txFillClrLst>
+    <dgm:txEffectClrLst/>
+  </dgm:styleLbl>
+  <dgm:styleLbl name="solidAlignAcc1">
+    <dgm:fillClrLst meth="repeat">
+      <a:schemeClr val="lt1"/>
+    </dgm:fillClrLst>
+    <dgm:linClrLst meth="repeat">
+      <a:schemeClr val="accent1"/>
+    </dgm:linClrLst>
+    <dgm:effectClrLst/>
+    <dgm:txLinClrLst/>
+    <dgm:txFillClrLst meth="repeat">
+      <a:schemeClr val="dk1"/>
+    </dgm:txFillClrLst>
+    <dgm:txEffectClrLst/>
+  </dgm:styleLbl>
+  <dgm:styleLbl name="solidBgAcc1">
+    <dgm:fillClrLst meth="repeat">
+      <a:schemeClr val="lt1"/>
+    </dgm:fillClrLst>
+    <dgm:linClrLst meth="repeat">
+      <a:schemeClr val="accent1"/>
+    </dgm:linClrLst>
+    <dgm:effectClrLst/>
+    <dgm:txLinClrLst/>
+    <dgm:txFillClrLst meth="repeat">
+      <a:schemeClr val="dk1"/>
+    </dgm:txFillClrLst>
+    <dgm:txEffectClrLst/>
+  </dgm:styleLbl>
+  <dgm:styleLbl name="fgAccFollowNode1">
+    <dgm:fillClrLst meth="repeat">
+      <a:schemeClr val="accent1">
+        <a:alpha val="90000"/>
+        <a:tint val="40000"/>
+      </a:schemeClr>
+    </dgm:fillClrLst>
+    <dgm:linClrLst meth="repeat">
+      <a:schemeClr val="accent1">
+        <a:alpha val="90000"/>
+        <a:tint val="40000"/>
+      </a:schemeClr>
+    </dgm:linClrLst>
+    <dgm:effectClrLst/>
+    <dgm:txLinClrLst/>
+    <dgm:txFillClrLst meth="repeat">
+      <a:schemeClr val="dk1"/>
+    </dgm:txFillClrLst>
+    <dgm:txEffectClrLst/>
+  </dgm:styleLbl>
+  <dgm:styleLbl name="alignAccFollowNode1">
+    <dgm:fillClrLst meth="repeat">
+      <a:schemeClr val="accent1">
+        <a:alpha val="90000"/>
+        <a:tint val="40000"/>
+      </a:schemeClr>
+    </dgm:fillClrLst>
+    <dgm:linClrLst meth="repeat">
+      <a:schemeClr val="accent1">
+        <a:alpha val="90000"/>
+        <a:tint val="40000"/>
+      </a:schemeClr>
+    </dgm:linClrLst>
+    <dgm:effectClrLst/>
+    <dgm:txLinClrLst/>
+    <dgm:txFillClrLst meth="repeat">
+      <a:schemeClr val="dk1"/>
+    </dgm:txFillClrLst>
+    <dgm:txEffectClrLst/>
+  </dgm:styleLbl>
+  <dgm:styleLbl name="bgAccFollowNode1">
+    <dgm:fillClrLst meth="repeat">
+      <a:schemeClr val="accent1">
+        <a:alpha val="90000"/>
+        <a:tint val="40000"/>
+      </a:schemeClr>
+    </dgm:fillClrLst>
+    <dgm:linClrLst meth="repeat">
+      <a:schemeClr val="accent1">
+        <a:alpha val="90000"/>
+        <a:tint val="40000"/>
+      </a:schemeClr>
+    </dgm:linClrLst>
+    <dgm:effectClrLst/>
+    <dgm:txLinClrLst/>
+    <dgm:txFillClrLst meth="repeat">
+      <a:schemeClr val="dk1"/>
+    </dgm:txFillClrLst>
+    <dgm:txEffectClrLst/>
+  </dgm:styleLbl>
+  <dgm:styleLbl name="fgAcc0">
+    <dgm:fillClrLst meth="repeat">
+      <a:schemeClr val="lt1">
+        <a:alpha val="90000"/>
+      </a:schemeClr>
+    </dgm:fillClrLst>
+    <dgm:linClrLst meth="repeat">
+      <a:schemeClr val="accent1"/>
+    </dgm:linClrLst>
+    <dgm:effectClrLst/>
+    <dgm:txLinClrLst/>
+    <dgm:txFillClrLst meth="repeat">
+      <a:schemeClr val="dk1"/>
+    </dgm:txFillClrLst>
+    <dgm:txEffectClrLst/>
+  </dgm:styleLbl>
+  <dgm:styleLbl name="fgAcc2">
+    <dgm:fillClrLst meth="repeat">
+      <a:schemeClr val="lt1">
+        <a:alpha val="90000"/>
+      </a:schemeClr>
+    </dgm:fillClrLst>
+    <dgm:linClrLst meth="repeat">
+      <a:schemeClr val="accent1"/>
+    </dgm:linClrLst>
+    <dgm:effectClrLst/>
+    <dgm:txLinClrLst/>
+    <dgm:txFillClrLst meth="repeat">
+      <a:schemeClr val="dk1"/>
+    </dgm:txFillClrLst>
+    <dgm:txEffectClrLst/>
+  </dgm:styleLbl>
+  <dgm:styleLbl name="fgAcc3">
+    <dgm:fillClrLst meth="repeat">
+      <a:schemeClr val="lt1">
+        <a:alpha val="90000"/>
+      </a:schemeClr>
+    </dgm:fillClrLst>
+    <dgm:linClrLst meth="repeat">
+      <a:schemeClr val="accent1"/>
+    </dgm:linClrLst>
+    <dgm:effectClrLst/>
+    <dgm:txLinClrLst/>
+    <dgm:txFillClrLst meth="repeat">
+      <a:schemeClr val="dk1"/>
+    </dgm:txFillClrLst>
+    <dgm:txEffectClrLst/>
+  </dgm:styleLbl>
+  <dgm:styleLbl name="fgAcc4">
+    <dgm:fillClrLst meth="repeat">
+      <a:schemeClr val="lt1">
+        <a:alpha val="90000"/>
+      </a:schemeClr>
+    </dgm:fillClrLst>
+    <dgm:linClrLst meth="repeat">
+      <a:schemeClr val="accent1"/>
+    </dgm:linClrLst>
+    <dgm:effectClrLst/>
+    <dgm:txLinClrLst/>
+    <dgm:txFillClrLst meth="repeat">
+      <a:schemeClr val="dk1"/>
+    </dgm:txFillClrLst>
+    <dgm:txEffectClrLst/>
+  </dgm:styleLbl>
+  <dgm:styleLbl name="bgShp">
+    <dgm:fillClrLst meth="repeat">
+      <a:schemeClr val="accent1">
+        <a:tint val="40000"/>
+      </a:schemeClr>
+    </dgm:fillClrLst>
+    <dgm:linClrLst meth="repeat">
+      <a:schemeClr val="accent1"/>
+    </dgm:linClrLst>
+    <dgm:effectClrLst/>
+    <dgm:txLinClrLst/>
+    <dgm:txFillClrLst meth="repeat">
+      <a:schemeClr val="dk1"/>
+    </dgm:txFillClrLst>
+    <dgm:txEffectClrLst/>
+  </dgm:styleLbl>
+  <dgm:styleLbl name="dkBgShp">
+    <dgm:fillClrLst meth="repeat">
+      <a:schemeClr val="accent1">
+        <a:shade val="80000"/>
+      </a:schemeClr>
+    </dgm:fillClrLst>
+    <dgm:linClrLst meth="repeat">
+      <a:schemeClr val="accent1"/>
+    </dgm:linClrLst>
+    <dgm:effectClrLst/>
+    <dgm:txLinClrLst/>
+    <dgm:txFillClrLst meth="repeat">
+      <a:schemeClr val="lt1"/>
+    </dgm:txFillClrLst>
+    <dgm:txEffectClrLst/>
+  </dgm:styleLbl>
+  <dgm:styleLbl name="trBgShp">
+    <dgm:fillClrLst meth="repeat">
+      <a:schemeClr val="accent1">
+        <a:tint val="50000"/>
+        <a:alpha val="40000"/>
+      </a:schemeClr>
+    </dgm:fillClrLst>
+    <dgm:linClrLst meth="repeat">
+      <a:schemeClr val="accent1"/>
+    </dgm:linClrLst>
+    <dgm:effectClrLst/>
+    <dgm:txLinClrLst/>
+    <dgm:txFillClrLst meth="repeat">
+      <a:schemeClr val="lt1"/>
+    </dgm:txFillClrLst>
+    <dgm:txEffectClrLst/>
+  </dgm:styleLbl>
+  <dgm:styleLbl name="fgShp">
+    <dgm:fillClrLst meth="repeat">
+      <a:schemeClr val="accent1">
+        <a:tint val="60000"/>
+      </a:schemeClr>
+    </dgm:fillClrLst>
+    <dgm:linClrLst meth="repeat">
+      <a:schemeClr val="lt1"/>
+    </dgm:linClrLst>
+    <dgm:effectClrLst/>
+    <dgm:txLinClrLst/>
+    <dgm:txFillClrLst meth="repeat">
+      <a:schemeClr val="dk1"/>
+    </dgm:txFillClrLst>
+    <dgm:txEffectClrLst/>
+  </dgm:styleLbl>
+  <dgm:styleLbl name="revTx">
+    <dgm:fillClrLst meth="repeat">
+      <a:schemeClr val="lt1">
+        <a:alpha val="0"/>
+      </a:schemeClr>
+    </dgm:fillClrLst>
+    <dgm:linClrLst meth="repeat">
+      <a:schemeClr val="dk1">
+        <a:alpha val="0"/>
+      </a:schemeClr>
+    </dgm:linClrLst>
+    <dgm:effectClrLst/>
+    <dgm:txLinClrLst/>
+    <dgm:txFillClrLst meth="repeat">
+      <a:schemeClr val="tx1"/>
+    </dgm:txFillClrLst>
+    <dgm:txEffectClrLst/>
+  </dgm:styleLbl>
+</dgm:colorsDef>
+</file>
+
 <file path=ppt/diagrams/data1.xml><?xml version="1.0" encoding="utf-8"?>
 <dgm:dataModel xmlns:dgm="http://schemas.openxmlformats.org/drawingml/2006/diagram" xmlns:a="http://schemas.openxmlformats.org/drawingml/2006/main">
   <dgm:ptLst>
@@ -896,15 +1648,15 @@
       </dgm:t>
     </dgm:pt>
     <dgm:pt modelId="{0485AE0C-9A7F-4A6F-9CA8-AB8E738C5332}">
-      <dgm:prSet/>
+      <dgm:prSet custT="1"/>
       <dgm:spPr/>
       <dgm:t>
         <a:bodyPr/>
         <a:lstStyle/>
         <a:p>
           <a:r>
-            <a:rPr lang="tr-TR" b="1" dirty="0"/>
-            <a:t>GİRİŞ</a:t>
+            <a:rPr lang="tr-TR" sz="1000" b="1" dirty="0"/>
+            <a:t>BAŞLANGIÇ - VİDEO İÇERİĞİ</a:t>
           </a:r>
         </a:p>
       </dgm:t>
@@ -932,21 +1684,23 @@
       </dgm:t>
     </dgm:pt>
     <dgm:pt modelId="{035B2A1D-3E87-48DE-8AEB-A5A2ACBAE1D7}">
-      <dgm:prSet/>
+      <dgm:prSet custT="1"/>
       <dgm:spPr/>
       <dgm:t>
         <a:bodyPr/>
         <a:lstStyle/>
         <a:p>
           <a:r>
-            <a:rPr lang="tr-TR" b="1" dirty="0"/>
-            <a:t>GERÇEKLİK UYGULAMALARI, ARTIRILMIŞ GERÇEKLİK [AR]</a:t>
+            <a:rPr lang="tr-TR" sz="1000" b="1" dirty="0"/>
+            <a:t>GERÇEKLİK UYGULAMALARI, ARTIRILMIŞ GERÇEKLİK [AR], ARTIRILMIŞ GERÇEKLİK İÇERİĞİ</a:t>
           </a:r>
+        </a:p>
+        <a:p>
           <a:br>
-            <a:rPr lang="tr-TR" b="1" dirty="0"/>
+            <a:rPr lang="tr-TR" sz="1000" b="1" dirty="0"/>
           </a:br>
           <a:r>
-            <a:rPr lang="tr-TR" dirty="0"/>
+            <a:rPr lang="tr-TR" sz="1000" dirty="0"/>
             <a:t>MUSTAFA ALİ BÜSTAN</a:t>
           </a:r>
         </a:p>
@@ -975,21 +1729,23 @@
       </dgm:t>
     </dgm:pt>
     <dgm:pt modelId="{189D2AF3-584C-4162-8B69-E6726F4B0DD9}">
-      <dgm:prSet/>
+      <dgm:prSet custT="1"/>
       <dgm:spPr/>
       <dgm:t>
         <a:bodyPr/>
         <a:lstStyle/>
         <a:p>
           <a:r>
-            <a:rPr lang="tr-TR" b="1" dirty="0"/>
-            <a:t>OPTİK TEMELLİ GERÇEKLİK, VİDEO TEMELLİ GERÇEKLİK</a:t>
+            <a:rPr lang="tr-TR" sz="1000" b="1" dirty="0"/>
+            <a:t>ARTIRILMIŞ GERÇEKLİK SİSTEMLERİ, UZAMSAL TİP ÖRNEKLERİ, OPTİK TEMELLİ GERÇEKLİK, VİDEO TEMELLİ GERÇEKLİK</a:t>
           </a:r>
+        </a:p>
+        <a:p>
           <a:br>
-            <a:rPr lang="tr-TR" dirty="0"/>
+            <a:rPr lang="tr-TR" sz="1000" dirty="0"/>
           </a:br>
           <a:r>
-            <a:rPr lang="tr-TR" dirty="0"/>
+            <a:rPr lang="tr-TR" sz="1000" dirty="0"/>
             <a:t>GÜRBÜZ YUSUF ÖZORHAN</a:t>
           </a:r>
         </a:p>
@@ -1018,21 +1774,23 @@
       </dgm:t>
     </dgm:pt>
     <dgm:pt modelId="{5D4622CD-36CA-414D-96A5-24408172D758}">
-      <dgm:prSet/>
+      <dgm:prSet custT="1"/>
       <dgm:spPr/>
       <dgm:t>
         <a:bodyPr/>
         <a:lstStyle/>
         <a:p>
           <a:r>
-            <a:rPr lang="tr-TR" b="1" dirty="0"/>
-            <a:t>SANAL GERÇEKLİK [VR], ARTIRILMIŞ VE SANAL GERÇEKLİK KARŞILAŞTIRMASI</a:t>
+            <a:rPr lang="tr-TR" sz="1000" b="1" dirty="0"/>
+            <a:t>SANAL GERÇEKLİK [VR], METAVERSE KAVRAMI,  ARTIRILMIŞ VE SANAL GERÇEKLİK KARŞILAŞTIRMASI, ARTIRILMIŞ GERÇEKLİK VE SANAL GERÇEKLİĞİ ANLAYALIM</a:t>
           </a:r>
+        </a:p>
+        <a:p>
           <a:br>
-            <a:rPr lang="tr-TR" dirty="0"/>
+            <a:rPr lang="tr-TR" sz="1000" dirty="0"/>
           </a:br>
           <a:r>
-            <a:rPr lang="tr-TR" dirty="0"/>
+            <a:rPr lang="tr-TR" sz="1000" dirty="0"/>
             <a:t>İBRAHİM ÖZTEPE</a:t>
           </a:r>
         </a:p>
@@ -1061,15 +1819,15 @@
       </dgm:t>
     </dgm:pt>
     <dgm:pt modelId="{BE3DF8F1-F2A6-4F7D-9BB8-00910E0A4FB8}">
-      <dgm:prSet/>
+      <dgm:prSet custT="1"/>
       <dgm:spPr/>
       <dgm:t>
         <a:bodyPr/>
         <a:lstStyle/>
         <a:p>
           <a:r>
-            <a:rPr lang="tr-TR" b="1" dirty="0"/>
-            <a:t>ETKİNLİK &amp; VİDEO İÇERİĞİ</a:t>
+            <a:rPr lang="tr-TR" sz="1000" b="1" dirty="0"/>
+            <a:t>KONU İLE İLGİLİ ETKİNLİK</a:t>
           </a:r>
         </a:p>
       </dgm:t>
@@ -1097,14 +1855,14 @@
       </dgm:t>
     </dgm:pt>
     <dgm:pt modelId="{AE7F7C22-9B6C-47C3-8682-E5698E652ABE}">
-      <dgm:prSet/>
+      <dgm:prSet custT="1"/>
       <dgm:spPr/>
       <dgm:t>
         <a:bodyPr/>
         <a:lstStyle/>
         <a:p>
           <a:r>
-            <a:rPr lang="tr-TR" b="1" dirty="0"/>
+            <a:rPr lang="tr-TR" sz="1000" b="1" dirty="0"/>
             <a:t>BİTİŞ</a:t>
           </a:r>
         </a:p>
@@ -1132,6 +1890,42 @@
         </a:p>
       </dgm:t>
     </dgm:pt>
+    <dgm:pt modelId="{6C652E35-4C73-41AD-8EC6-35F6AA260797}">
+      <dgm:prSet custT="1"/>
+      <dgm:spPr/>
+      <dgm:t>
+        <a:bodyPr/>
+        <a:lstStyle/>
+        <a:p>
+          <a:r>
+            <a:rPr lang="tr-TR" sz="1000" b="1" dirty="0"/>
+            <a:t>GİRİŞ</a:t>
+          </a:r>
+        </a:p>
+      </dgm:t>
+    </dgm:pt>
+    <dgm:pt modelId="{D797674E-35C2-4725-9C4B-6ECAEABB2D5C}" type="parTrans" cxnId="{ED8830AC-0C24-4B79-BFA9-CE6D4EB507B7}">
+      <dgm:prSet/>
+      <dgm:spPr/>
+      <dgm:t>
+        <a:bodyPr/>
+        <a:lstStyle/>
+        <a:p>
+          <a:endParaRPr lang="tr-TR"/>
+        </a:p>
+      </dgm:t>
+    </dgm:pt>
+    <dgm:pt modelId="{17383D0A-E085-4E96-AE4D-4D514AAFCDBA}" type="sibTrans" cxnId="{ED8830AC-0C24-4B79-BFA9-CE6D4EB507B7}">
+      <dgm:prSet/>
+      <dgm:spPr/>
+      <dgm:t>
+        <a:bodyPr/>
+        <a:lstStyle/>
+        <a:p>
+          <a:endParaRPr lang="tr-TR"/>
+        </a:p>
+      </dgm:t>
+    </dgm:pt>
     <dgm:pt modelId="{10213D37-7C7E-4ABE-AA81-B9D74CFD6518}" type="pres">
       <dgm:prSet presAssocID="{6918A8BA-BCD2-4323-9B30-59785C16A431}" presName="Name0" presStyleCnt="0">
         <dgm:presLayoutVars>
@@ -1149,192 +1943,576 @@
       <dgm:prSet presAssocID="{6918A8BA-BCD2-4323-9B30-59785C16A431}" presName="points" presStyleCnt="0"/>
       <dgm:spPr/>
     </dgm:pt>
-    <dgm:pt modelId="{C5AA40CF-0375-49C6-853F-536E38551CAC}" type="pres">
-      <dgm:prSet presAssocID="{0485AE0C-9A7F-4A6F-9CA8-AB8E738C5332}" presName="compositeA" presStyleCnt="0"/>
+    <dgm:pt modelId="{3ADE845E-E33A-47C6-816E-5F7749E31CF7}" type="pres">
+      <dgm:prSet presAssocID="{6C652E35-4C73-41AD-8EC6-35F6AA260797}" presName="compositeA" presStyleCnt="0"/>
       <dgm:spPr/>
     </dgm:pt>
-    <dgm:pt modelId="{D42A3814-B120-4F21-AE35-4518C35AEC74}" type="pres">
-      <dgm:prSet presAssocID="{0485AE0C-9A7F-4A6F-9CA8-AB8E738C5332}" presName="textA" presStyleLbl="revTx" presStyleIdx="0" presStyleCnt="6">
+    <dgm:pt modelId="{794AD924-8312-47D6-8617-6357BEDE239D}" type="pres">
+      <dgm:prSet presAssocID="{6C652E35-4C73-41AD-8EC6-35F6AA260797}" presName="textA" presStyleLbl="revTx" presStyleIdx="0" presStyleCnt="7">
         <dgm:presLayoutVars>
           <dgm:bulletEnabled val="1"/>
         </dgm:presLayoutVars>
       </dgm:prSet>
       <dgm:spPr/>
     </dgm:pt>
-    <dgm:pt modelId="{E9AF5172-AA26-4C89-8DDE-DE3B622F6BE6}" type="pres">
-      <dgm:prSet presAssocID="{0485AE0C-9A7F-4A6F-9CA8-AB8E738C5332}" presName="circleA" presStyleLbl="node1" presStyleIdx="0" presStyleCnt="6"/>
+    <dgm:pt modelId="{07F19CDE-552F-4F1E-9A94-59E08EE237A5}" type="pres">
+      <dgm:prSet presAssocID="{6C652E35-4C73-41AD-8EC6-35F6AA260797}" presName="circleA" presStyleLbl="node1" presStyleIdx="0" presStyleCnt="7"/>
       <dgm:spPr/>
     </dgm:pt>
-    <dgm:pt modelId="{1E33273C-2428-4ED8-99C9-564144432176}" type="pres">
-      <dgm:prSet presAssocID="{0485AE0C-9A7F-4A6F-9CA8-AB8E738C5332}" presName="spaceA" presStyleCnt="0"/>
+    <dgm:pt modelId="{539863EF-1D3C-44C9-99C1-B88B91BBBB4C}" type="pres">
+      <dgm:prSet presAssocID="{6C652E35-4C73-41AD-8EC6-35F6AA260797}" presName="spaceA" presStyleCnt="0"/>
+      <dgm:spPr/>
+    </dgm:pt>
+    <dgm:pt modelId="{DCD2E920-FD92-476B-850D-0BE52494721F}" type="pres">
+      <dgm:prSet presAssocID="{17383D0A-E085-4E96-AE4D-4D514AAFCDBA}" presName="space" presStyleCnt="0"/>
+      <dgm:spPr/>
+    </dgm:pt>
+    <dgm:pt modelId="{474EE0EA-254E-42FF-89D5-C1D96C3EDC09}" type="pres">
+      <dgm:prSet presAssocID="{0485AE0C-9A7F-4A6F-9CA8-AB8E738C5332}" presName="compositeB" presStyleCnt="0"/>
+      <dgm:spPr/>
+    </dgm:pt>
+    <dgm:pt modelId="{9C530D45-A372-4F0A-9AEB-19830F98A4BC}" type="pres">
+      <dgm:prSet presAssocID="{0485AE0C-9A7F-4A6F-9CA8-AB8E738C5332}" presName="textB" presStyleLbl="revTx" presStyleIdx="1" presStyleCnt="7">
+        <dgm:presLayoutVars>
+          <dgm:bulletEnabled val="1"/>
+        </dgm:presLayoutVars>
+      </dgm:prSet>
+      <dgm:spPr/>
+    </dgm:pt>
+    <dgm:pt modelId="{8031EA3A-64C0-4C54-B668-BE51D23EC858}" type="pres">
+      <dgm:prSet presAssocID="{0485AE0C-9A7F-4A6F-9CA8-AB8E738C5332}" presName="circleB" presStyleLbl="node1" presStyleIdx="1" presStyleCnt="7"/>
+      <dgm:spPr/>
+    </dgm:pt>
+    <dgm:pt modelId="{EF314E09-88B4-4EE9-969A-BD5A6078AFAA}" type="pres">
+      <dgm:prSet presAssocID="{0485AE0C-9A7F-4A6F-9CA8-AB8E738C5332}" presName="spaceB" presStyleCnt="0"/>
       <dgm:spPr/>
     </dgm:pt>
     <dgm:pt modelId="{B1DA5FC3-D28B-4A13-8C20-18CB7B4D56DF}" type="pres">
       <dgm:prSet presAssocID="{D0F57000-E6B1-4E2C-BDBA-F0732CA3E432}" presName="space" presStyleCnt="0"/>
       <dgm:spPr/>
     </dgm:pt>
-    <dgm:pt modelId="{1282B75E-151C-4598-BFB8-07991DF5626D}" type="pres">
-      <dgm:prSet presAssocID="{035B2A1D-3E87-48DE-8AEB-A5A2ACBAE1D7}" presName="compositeB" presStyleCnt="0"/>
+    <dgm:pt modelId="{E7093D17-3001-48EA-810E-1753ACB9586E}" type="pres">
+      <dgm:prSet presAssocID="{035B2A1D-3E87-48DE-8AEB-A5A2ACBAE1D7}" presName="compositeA" presStyleCnt="0"/>
       <dgm:spPr/>
     </dgm:pt>
-    <dgm:pt modelId="{FF06A962-9072-49C0-98E7-13A9CE39E870}" type="pres">
-      <dgm:prSet presAssocID="{035B2A1D-3E87-48DE-8AEB-A5A2ACBAE1D7}" presName="textB" presStyleLbl="revTx" presStyleIdx="1" presStyleCnt="6">
+    <dgm:pt modelId="{E7760564-43E2-4300-9173-E04A6C1D5478}" type="pres">
+      <dgm:prSet presAssocID="{035B2A1D-3E87-48DE-8AEB-A5A2ACBAE1D7}" presName="textA" presStyleLbl="revTx" presStyleIdx="2" presStyleCnt="7">
         <dgm:presLayoutVars>
           <dgm:bulletEnabled val="1"/>
         </dgm:presLayoutVars>
       </dgm:prSet>
       <dgm:spPr/>
     </dgm:pt>
-    <dgm:pt modelId="{698B9211-01C5-4554-850E-F4969267B877}" type="pres">
-      <dgm:prSet presAssocID="{035B2A1D-3E87-48DE-8AEB-A5A2ACBAE1D7}" presName="circleB" presStyleLbl="node1" presStyleIdx="1" presStyleCnt="6"/>
+    <dgm:pt modelId="{0474F2EF-FB3F-47FC-B168-020809F0C321}" type="pres">
+      <dgm:prSet presAssocID="{035B2A1D-3E87-48DE-8AEB-A5A2ACBAE1D7}" presName="circleA" presStyleLbl="node1" presStyleIdx="2" presStyleCnt="7"/>
       <dgm:spPr/>
     </dgm:pt>
-    <dgm:pt modelId="{DD55DEC2-259E-4601-9324-720F04A0EC7E}" type="pres">
-      <dgm:prSet presAssocID="{035B2A1D-3E87-48DE-8AEB-A5A2ACBAE1D7}" presName="spaceB" presStyleCnt="0"/>
+    <dgm:pt modelId="{B17BFCCE-F495-45FD-B20E-67CED45D5044}" type="pres">
+      <dgm:prSet presAssocID="{035B2A1D-3E87-48DE-8AEB-A5A2ACBAE1D7}" presName="spaceA" presStyleCnt="0"/>
       <dgm:spPr/>
     </dgm:pt>
     <dgm:pt modelId="{CCDE44AD-D623-4F7A-A954-2A1B551C630F}" type="pres">
       <dgm:prSet presAssocID="{E1C3A2C8-C370-409D-9DEE-490B5C755660}" presName="space" presStyleCnt="0"/>
       <dgm:spPr/>
     </dgm:pt>
-    <dgm:pt modelId="{B6FA60C0-A23E-488F-A099-E1BB8F83105C}" type="pres">
-      <dgm:prSet presAssocID="{189D2AF3-584C-4162-8B69-E6726F4B0DD9}" presName="compositeA" presStyleCnt="0"/>
+    <dgm:pt modelId="{8D320E3E-580B-4012-83A5-736680F7340D}" type="pres">
+      <dgm:prSet presAssocID="{189D2AF3-584C-4162-8B69-E6726F4B0DD9}" presName="compositeB" presStyleCnt="0"/>
       <dgm:spPr/>
     </dgm:pt>
-    <dgm:pt modelId="{321FA900-9899-44E4-9540-A00C2C0D3EE5}" type="pres">
-      <dgm:prSet presAssocID="{189D2AF3-584C-4162-8B69-E6726F4B0DD9}" presName="textA" presStyleLbl="revTx" presStyleIdx="2" presStyleCnt="6">
+    <dgm:pt modelId="{FB580EDD-12CE-4C09-8B2B-894221EA24F6}" type="pres">
+      <dgm:prSet presAssocID="{189D2AF3-584C-4162-8B69-E6726F4B0DD9}" presName="textB" presStyleLbl="revTx" presStyleIdx="3" presStyleCnt="7">
         <dgm:presLayoutVars>
           <dgm:bulletEnabled val="1"/>
         </dgm:presLayoutVars>
       </dgm:prSet>
       <dgm:spPr/>
     </dgm:pt>
-    <dgm:pt modelId="{C0D38D21-26B6-4618-A235-844EBC0DFEC3}" type="pres">
-      <dgm:prSet presAssocID="{189D2AF3-584C-4162-8B69-E6726F4B0DD9}" presName="circleA" presStyleLbl="node1" presStyleIdx="2" presStyleCnt="6"/>
+    <dgm:pt modelId="{131E6619-CF1C-494C-84BE-E6F430175D72}" type="pres">
+      <dgm:prSet presAssocID="{189D2AF3-584C-4162-8B69-E6726F4B0DD9}" presName="circleB" presStyleLbl="node1" presStyleIdx="3" presStyleCnt="7"/>
       <dgm:spPr/>
     </dgm:pt>
-    <dgm:pt modelId="{177D584E-7C22-4109-95C5-60F0F4782889}" type="pres">
-      <dgm:prSet presAssocID="{189D2AF3-584C-4162-8B69-E6726F4B0DD9}" presName="spaceA" presStyleCnt="0"/>
+    <dgm:pt modelId="{197FE5C9-6561-48C6-A81B-B50C8A0A82C1}" type="pres">
+      <dgm:prSet presAssocID="{189D2AF3-584C-4162-8B69-E6726F4B0DD9}" presName="spaceB" presStyleCnt="0"/>
       <dgm:spPr/>
     </dgm:pt>
     <dgm:pt modelId="{7D6C0F4A-0CE9-4432-A2EE-C5CC1F991CA7}" type="pres">
       <dgm:prSet presAssocID="{7181189D-97B1-48FF-9C13-0F1C0F7BF9BB}" presName="space" presStyleCnt="0"/>
       <dgm:spPr/>
     </dgm:pt>
-    <dgm:pt modelId="{17E7E581-F35B-4E9E-817C-BE0D676BE53F}" type="pres">
-      <dgm:prSet presAssocID="{5D4622CD-36CA-414D-96A5-24408172D758}" presName="compositeB" presStyleCnt="0"/>
+    <dgm:pt modelId="{6B78EAA7-23BB-4FFF-8C1C-14FA216E4A6D}" type="pres">
+      <dgm:prSet presAssocID="{5D4622CD-36CA-414D-96A5-24408172D758}" presName="compositeA" presStyleCnt="0"/>
       <dgm:spPr/>
     </dgm:pt>
-    <dgm:pt modelId="{964ACCCC-0C4E-4130-9EEB-1FA842CFF911}" type="pres">
-      <dgm:prSet presAssocID="{5D4622CD-36CA-414D-96A5-24408172D758}" presName="textB" presStyleLbl="revTx" presStyleIdx="3" presStyleCnt="6">
+    <dgm:pt modelId="{D87307D0-7188-448B-9156-783E5FBC7017}" type="pres">
+      <dgm:prSet presAssocID="{5D4622CD-36CA-414D-96A5-24408172D758}" presName="textA" presStyleLbl="revTx" presStyleIdx="4" presStyleCnt="7">
         <dgm:presLayoutVars>
           <dgm:bulletEnabled val="1"/>
         </dgm:presLayoutVars>
       </dgm:prSet>
       <dgm:spPr/>
     </dgm:pt>
-    <dgm:pt modelId="{1DDC5609-5502-415B-8D43-E470D8313D48}" type="pres">
-      <dgm:prSet presAssocID="{5D4622CD-36CA-414D-96A5-24408172D758}" presName="circleB" presStyleLbl="node1" presStyleIdx="3" presStyleCnt="6"/>
+    <dgm:pt modelId="{9CBF19F9-0428-4F9F-B523-3F670971ED31}" type="pres">
+      <dgm:prSet presAssocID="{5D4622CD-36CA-414D-96A5-24408172D758}" presName="circleA" presStyleLbl="node1" presStyleIdx="4" presStyleCnt="7"/>
       <dgm:spPr/>
     </dgm:pt>
-    <dgm:pt modelId="{DAE0732E-75C3-4E84-858C-AF6939928FBE}" type="pres">
-      <dgm:prSet presAssocID="{5D4622CD-36CA-414D-96A5-24408172D758}" presName="spaceB" presStyleCnt="0"/>
+    <dgm:pt modelId="{94E01361-BF77-4A80-BDCB-2BB889A242EB}" type="pres">
+      <dgm:prSet presAssocID="{5D4622CD-36CA-414D-96A5-24408172D758}" presName="spaceA" presStyleCnt="0"/>
       <dgm:spPr/>
     </dgm:pt>
     <dgm:pt modelId="{F6384B0F-B306-47D5-9E60-86F725FB8CD8}" type="pres">
       <dgm:prSet presAssocID="{4CF79F8E-FD34-43BB-B985-643AB608D5CB}" presName="space" presStyleCnt="0"/>
       <dgm:spPr/>
     </dgm:pt>
-    <dgm:pt modelId="{4ED5DE91-D915-456C-8696-EADC13F4112E}" type="pres">
-      <dgm:prSet presAssocID="{BE3DF8F1-F2A6-4F7D-9BB8-00910E0A4FB8}" presName="compositeA" presStyleCnt="0"/>
+    <dgm:pt modelId="{1A6BC37B-4D3F-4440-A78D-E11DD7B14428}" type="pres">
+      <dgm:prSet presAssocID="{BE3DF8F1-F2A6-4F7D-9BB8-00910E0A4FB8}" presName="compositeB" presStyleCnt="0"/>
       <dgm:spPr/>
     </dgm:pt>
-    <dgm:pt modelId="{8985376C-2D71-4F44-90EE-2F5B3CA3CBE5}" type="pres">
-      <dgm:prSet presAssocID="{BE3DF8F1-F2A6-4F7D-9BB8-00910E0A4FB8}" presName="textA" presStyleLbl="revTx" presStyleIdx="4" presStyleCnt="6">
+    <dgm:pt modelId="{A254C62D-5748-468F-939F-ACB671165AB3}" type="pres">
+      <dgm:prSet presAssocID="{BE3DF8F1-F2A6-4F7D-9BB8-00910E0A4FB8}" presName="textB" presStyleLbl="revTx" presStyleIdx="5" presStyleCnt="7">
         <dgm:presLayoutVars>
           <dgm:bulletEnabled val="1"/>
         </dgm:presLayoutVars>
       </dgm:prSet>
       <dgm:spPr/>
     </dgm:pt>
-    <dgm:pt modelId="{D27304E9-073F-495B-9702-2EF2DBA30702}" type="pres">
-      <dgm:prSet presAssocID="{BE3DF8F1-F2A6-4F7D-9BB8-00910E0A4FB8}" presName="circleA" presStyleLbl="node1" presStyleIdx="4" presStyleCnt="6"/>
+    <dgm:pt modelId="{826B70E7-B62C-4D1B-905F-4920D75B682C}" type="pres">
+      <dgm:prSet presAssocID="{BE3DF8F1-F2A6-4F7D-9BB8-00910E0A4FB8}" presName="circleB" presStyleLbl="node1" presStyleIdx="5" presStyleCnt="7"/>
       <dgm:spPr/>
     </dgm:pt>
-    <dgm:pt modelId="{C1361EFD-B4FE-424D-9B9F-12ABF539A7CA}" type="pres">
-      <dgm:prSet presAssocID="{BE3DF8F1-F2A6-4F7D-9BB8-00910E0A4FB8}" presName="spaceA" presStyleCnt="0"/>
+    <dgm:pt modelId="{0F9F1C9B-6190-4798-ABCD-71CCE7F090D0}" type="pres">
+      <dgm:prSet presAssocID="{BE3DF8F1-F2A6-4F7D-9BB8-00910E0A4FB8}" presName="spaceB" presStyleCnt="0"/>
       <dgm:spPr/>
     </dgm:pt>
     <dgm:pt modelId="{EB1ED392-DF8B-4899-882D-D069ED4E51A1}" type="pres">
       <dgm:prSet presAssocID="{54B2CB06-72E7-4C11-B746-1D89B373F39A}" presName="space" presStyleCnt="0"/>
       <dgm:spPr/>
     </dgm:pt>
-    <dgm:pt modelId="{E8C44630-5EED-4EAE-9004-C369CB32B8D6}" type="pres">
-      <dgm:prSet presAssocID="{AE7F7C22-9B6C-47C3-8682-E5698E652ABE}" presName="compositeB" presStyleCnt="0"/>
+    <dgm:pt modelId="{7D5DECAD-1E1E-488A-AEBB-841DE44ED7F2}" type="pres">
+      <dgm:prSet presAssocID="{AE7F7C22-9B6C-47C3-8682-E5698E652ABE}" presName="compositeA" presStyleCnt="0"/>
       <dgm:spPr/>
     </dgm:pt>
-    <dgm:pt modelId="{54A0F389-1E2A-4158-BDC9-15E8055CB1A4}" type="pres">
-      <dgm:prSet presAssocID="{AE7F7C22-9B6C-47C3-8682-E5698E652ABE}" presName="textB" presStyleLbl="revTx" presStyleIdx="5" presStyleCnt="6">
+    <dgm:pt modelId="{09FD50EA-8632-42DD-B9F1-D6EB084AF6BD}" type="pres">
+      <dgm:prSet presAssocID="{AE7F7C22-9B6C-47C3-8682-E5698E652ABE}" presName="textA" presStyleLbl="revTx" presStyleIdx="6" presStyleCnt="7">
         <dgm:presLayoutVars>
           <dgm:bulletEnabled val="1"/>
         </dgm:presLayoutVars>
       </dgm:prSet>
       <dgm:spPr/>
     </dgm:pt>
-    <dgm:pt modelId="{A83C5226-592D-4221-BAB0-5E591ADA0857}" type="pres">
-      <dgm:prSet presAssocID="{AE7F7C22-9B6C-47C3-8682-E5698E652ABE}" presName="circleB" presStyleLbl="node1" presStyleIdx="5" presStyleCnt="6"/>
+    <dgm:pt modelId="{A85A0308-1034-462C-80F9-38F63298FE49}" type="pres">
+      <dgm:prSet presAssocID="{AE7F7C22-9B6C-47C3-8682-E5698E652ABE}" presName="circleA" presStyleLbl="node1" presStyleIdx="6" presStyleCnt="7"/>
       <dgm:spPr/>
     </dgm:pt>
-    <dgm:pt modelId="{F2326F5E-4B5F-49F6-A6DE-ED2501B6C604}" type="pres">
-      <dgm:prSet presAssocID="{AE7F7C22-9B6C-47C3-8682-E5698E652ABE}" presName="spaceB" presStyleCnt="0"/>
+    <dgm:pt modelId="{999B11E4-E764-41D4-8591-890EA21BF402}" type="pres">
+      <dgm:prSet presAssocID="{AE7F7C22-9B6C-47C3-8682-E5698E652ABE}" presName="spaceA" presStyleCnt="0"/>
       <dgm:spPr/>
     </dgm:pt>
   </dgm:ptLst>
   <dgm:cxnLst>
-    <dgm:cxn modelId="{CCB25804-42A4-4476-93B8-F93E1EEEA77B}" srcId="{6918A8BA-BCD2-4323-9B30-59785C16A431}" destId="{035B2A1D-3E87-48DE-8AEB-A5A2ACBAE1D7}" srcOrd="1" destOrd="0" parTransId="{1974079F-8F1B-4525-8269-525B8A850D16}" sibTransId="{E1C3A2C8-C370-409D-9DEE-490B5C755660}"/>
-    <dgm:cxn modelId="{C3137429-0768-44D5-B189-230C02255C03}" type="presOf" srcId="{035B2A1D-3E87-48DE-8AEB-A5A2ACBAE1D7}" destId="{FF06A962-9072-49C0-98E7-13A9CE39E870}" srcOrd="0" destOrd="0" presId="urn:microsoft.com/office/officeart/2005/8/layout/hProcess11"/>
-    <dgm:cxn modelId="{DFC6C949-ABAE-4642-B82C-E6A20F4C412D}" srcId="{6918A8BA-BCD2-4323-9B30-59785C16A431}" destId="{189D2AF3-584C-4162-8B69-E6726F4B0DD9}" srcOrd="2" destOrd="0" parTransId="{9C5C403D-B2F3-4AE8-A0BF-0CB2313FCBCE}" sibTransId="{7181189D-97B1-48FF-9C13-0F1C0F7BF9BB}"/>
-    <dgm:cxn modelId="{BF9D7976-AA41-4593-8987-5B69AA6C3BC8}" srcId="{6918A8BA-BCD2-4323-9B30-59785C16A431}" destId="{BE3DF8F1-F2A6-4F7D-9BB8-00910E0A4FB8}" srcOrd="4" destOrd="0" parTransId="{B98E90E7-FD2B-4005-B6C2-BEED334D2CDA}" sibTransId="{54B2CB06-72E7-4C11-B746-1D89B373F39A}"/>
-    <dgm:cxn modelId="{9EA3AA82-D326-4572-B938-F265750E6568}" srcId="{6918A8BA-BCD2-4323-9B30-59785C16A431}" destId="{AE7F7C22-9B6C-47C3-8682-E5698E652ABE}" srcOrd="5" destOrd="0" parTransId="{014CD434-96A8-431D-BC51-58EFF2E2645A}" sibTransId="{02F930C9-D98C-4825-AF11-A8370522E50C}"/>
-    <dgm:cxn modelId="{3E486099-34FB-48D8-967E-853E261DC62E}" srcId="{6918A8BA-BCD2-4323-9B30-59785C16A431}" destId="{0485AE0C-9A7F-4A6F-9CA8-AB8E738C5332}" srcOrd="0" destOrd="0" parTransId="{8E083DF3-15F5-461A-91DB-E923CD7869C5}" sibTransId="{D0F57000-E6B1-4E2C-BDBA-F0732CA3E432}"/>
-    <dgm:cxn modelId="{15566F9C-A8EA-475A-ACF4-54B4EF62E856}" type="presOf" srcId="{0485AE0C-9A7F-4A6F-9CA8-AB8E738C5332}" destId="{D42A3814-B120-4F21-AE35-4518C35AEC74}" srcOrd="0" destOrd="0" presId="urn:microsoft.com/office/officeart/2005/8/layout/hProcess11"/>
-    <dgm:cxn modelId="{7BE62BA5-2B4E-4650-A5BF-B147289BD630}" type="presOf" srcId="{AE7F7C22-9B6C-47C3-8682-E5698E652ABE}" destId="{54A0F389-1E2A-4158-BDC9-15E8055CB1A4}" srcOrd="0" destOrd="0" presId="urn:microsoft.com/office/officeart/2005/8/layout/hProcess11"/>
+    <dgm:cxn modelId="{CCB25804-42A4-4476-93B8-F93E1EEEA77B}" srcId="{6918A8BA-BCD2-4323-9B30-59785C16A431}" destId="{035B2A1D-3E87-48DE-8AEB-A5A2ACBAE1D7}" srcOrd="2" destOrd="0" parTransId="{1974079F-8F1B-4525-8269-525B8A850D16}" sibTransId="{E1C3A2C8-C370-409D-9DEE-490B5C755660}"/>
+    <dgm:cxn modelId="{CDE1FF0A-730C-445B-A08D-3386E5B6B3EA}" type="presOf" srcId="{AE7F7C22-9B6C-47C3-8682-E5698E652ABE}" destId="{09FD50EA-8632-42DD-B9F1-D6EB084AF6BD}" srcOrd="0" destOrd="0" presId="urn:microsoft.com/office/officeart/2005/8/layout/hProcess11"/>
+    <dgm:cxn modelId="{2C9DD214-1153-44D0-A958-A21E214560E8}" type="presOf" srcId="{BE3DF8F1-F2A6-4F7D-9BB8-00910E0A4FB8}" destId="{A254C62D-5748-468F-939F-ACB671165AB3}" srcOrd="0" destOrd="0" presId="urn:microsoft.com/office/officeart/2005/8/layout/hProcess11"/>
+    <dgm:cxn modelId="{C9543566-1B76-4344-8556-E9A111A9CDE7}" type="presOf" srcId="{035B2A1D-3E87-48DE-8AEB-A5A2ACBAE1D7}" destId="{E7760564-43E2-4300-9173-E04A6C1D5478}" srcOrd="0" destOrd="0" presId="urn:microsoft.com/office/officeart/2005/8/layout/hProcess11"/>
+    <dgm:cxn modelId="{DFC6C949-ABAE-4642-B82C-E6A20F4C412D}" srcId="{6918A8BA-BCD2-4323-9B30-59785C16A431}" destId="{189D2AF3-584C-4162-8B69-E6726F4B0DD9}" srcOrd="3" destOrd="0" parTransId="{9C5C403D-B2F3-4AE8-A0BF-0CB2313FCBCE}" sibTransId="{7181189D-97B1-48FF-9C13-0F1C0F7BF9BB}"/>
+    <dgm:cxn modelId="{355A9174-9F7A-452A-A373-031D652DB898}" type="presOf" srcId="{0485AE0C-9A7F-4A6F-9CA8-AB8E738C5332}" destId="{9C530D45-A372-4F0A-9AEB-19830F98A4BC}" srcOrd="0" destOrd="0" presId="urn:microsoft.com/office/officeart/2005/8/layout/hProcess11"/>
+    <dgm:cxn modelId="{BF9D7976-AA41-4593-8987-5B69AA6C3BC8}" srcId="{6918A8BA-BCD2-4323-9B30-59785C16A431}" destId="{BE3DF8F1-F2A6-4F7D-9BB8-00910E0A4FB8}" srcOrd="5" destOrd="0" parTransId="{B98E90E7-FD2B-4005-B6C2-BEED334D2CDA}" sibTransId="{54B2CB06-72E7-4C11-B746-1D89B373F39A}"/>
+    <dgm:cxn modelId="{9EA3AA82-D326-4572-B938-F265750E6568}" srcId="{6918A8BA-BCD2-4323-9B30-59785C16A431}" destId="{AE7F7C22-9B6C-47C3-8682-E5698E652ABE}" srcOrd="6" destOrd="0" parTransId="{014CD434-96A8-431D-BC51-58EFF2E2645A}" sibTransId="{02F930C9-D98C-4825-AF11-A8370522E50C}"/>
+    <dgm:cxn modelId="{1D7A0A8F-DE97-4FC1-8930-298072CBBCBE}" type="presOf" srcId="{5D4622CD-36CA-414D-96A5-24408172D758}" destId="{D87307D0-7188-448B-9156-783E5FBC7017}" srcOrd="0" destOrd="0" presId="urn:microsoft.com/office/officeart/2005/8/layout/hProcess11"/>
+    <dgm:cxn modelId="{3E486099-34FB-48D8-967E-853E261DC62E}" srcId="{6918A8BA-BCD2-4323-9B30-59785C16A431}" destId="{0485AE0C-9A7F-4A6F-9CA8-AB8E738C5332}" srcOrd="1" destOrd="0" parTransId="{8E083DF3-15F5-461A-91DB-E923CD7869C5}" sibTransId="{D0F57000-E6B1-4E2C-BDBA-F0732CA3E432}"/>
+    <dgm:cxn modelId="{ED8830AC-0C24-4B79-BFA9-CE6D4EB507B7}" srcId="{6918A8BA-BCD2-4323-9B30-59785C16A431}" destId="{6C652E35-4C73-41AD-8EC6-35F6AA260797}" srcOrd="0" destOrd="0" parTransId="{D797674E-35C2-4725-9C4B-6ECAEABB2D5C}" sibTransId="{17383D0A-E085-4E96-AE4D-4D514AAFCDBA}"/>
     <dgm:cxn modelId="{1A44F2C0-95F6-463A-B74F-9746C15B00FB}" type="presOf" srcId="{6918A8BA-BCD2-4323-9B30-59785C16A431}" destId="{10213D37-7C7E-4ABE-AA81-B9D74CFD6518}" srcOrd="0" destOrd="0" presId="urn:microsoft.com/office/officeart/2005/8/layout/hProcess11"/>
-    <dgm:cxn modelId="{BDCDC7DB-B47F-468C-A090-1C68BD6E92B2}" type="presOf" srcId="{BE3DF8F1-F2A6-4F7D-9BB8-00910E0A4FB8}" destId="{8985376C-2D71-4F44-90EE-2F5B3CA3CBE5}" srcOrd="0" destOrd="0" presId="urn:microsoft.com/office/officeart/2005/8/layout/hProcess11"/>
-    <dgm:cxn modelId="{A37FCAEC-8EFF-459A-BF4C-B9A881E21460}" type="presOf" srcId="{5D4622CD-36CA-414D-96A5-24408172D758}" destId="{964ACCCC-0C4E-4130-9EEB-1FA842CFF911}" srcOrd="0" destOrd="0" presId="urn:microsoft.com/office/officeart/2005/8/layout/hProcess11"/>
-    <dgm:cxn modelId="{5F49BAFD-F1DD-467E-B889-D39A2925DDC2}" srcId="{6918A8BA-BCD2-4323-9B30-59785C16A431}" destId="{5D4622CD-36CA-414D-96A5-24408172D758}" srcOrd="3" destOrd="0" parTransId="{993DA46F-C940-41A1-BEB8-8706BA2536A7}" sibTransId="{4CF79F8E-FD34-43BB-B985-643AB608D5CB}"/>
-    <dgm:cxn modelId="{86F9F2FF-712E-45E0-B8B1-6ECF17645638}" type="presOf" srcId="{189D2AF3-584C-4162-8B69-E6726F4B0DD9}" destId="{321FA900-9899-44E4-9540-A00C2C0D3EE5}" srcOrd="0" destOrd="0" presId="urn:microsoft.com/office/officeart/2005/8/layout/hProcess11"/>
+    <dgm:cxn modelId="{446DB5D9-E49F-4FEC-B648-645BE819A98C}" type="presOf" srcId="{6C652E35-4C73-41AD-8EC6-35F6AA260797}" destId="{794AD924-8312-47D6-8617-6357BEDE239D}" srcOrd="0" destOrd="0" presId="urn:microsoft.com/office/officeart/2005/8/layout/hProcess11"/>
+    <dgm:cxn modelId="{F3FBB9F7-7611-41D9-A6AC-7C112271DC28}" type="presOf" srcId="{189D2AF3-584C-4162-8B69-E6726F4B0DD9}" destId="{FB580EDD-12CE-4C09-8B2B-894221EA24F6}" srcOrd="0" destOrd="0" presId="urn:microsoft.com/office/officeart/2005/8/layout/hProcess11"/>
+    <dgm:cxn modelId="{5F49BAFD-F1DD-467E-B889-D39A2925DDC2}" srcId="{6918A8BA-BCD2-4323-9B30-59785C16A431}" destId="{5D4622CD-36CA-414D-96A5-24408172D758}" srcOrd="4" destOrd="0" parTransId="{993DA46F-C940-41A1-BEB8-8706BA2536A7}" sibTransId="{4CF79F8E-FD34-43BB-B985-643AB608D5CB}"/>
     <dgm:cxn modelId="{4DCF25D1-EDB7-46C6-8FC8-8726C8F730B6}" type="presParOf" srcId="{10213D37-7C7E-4ABE-AA81-B9D74CFD6518}" destId="{6C6B4CBC-3347-4577-9E49-85C65402CE34}" srcOrd="0" destOrd="0" presId="urn:microsoft.com/office/officeart/2005/8/layout/hProcess11"/>
     <dgm:cxn modelId="{8AF0B90C-F6E5-4354-AC70-214AC70BE638}" type="presParOf" srcId="{10213D37-7C7E-4ABE-AA81-B9D74CFD6518}" destId="{1CBC0E0F-459E-4C03-B7D7-88A75D102B0F}" srcOrd="1" destOrd="0" presId="urn:microsoft.com/office/officeart/2005/8/layout/hProcess11"/>
-    <dgm:cxn modelId="{B51384CC-4F46-40AE-8BC2-E5E304F6DC71}" type="presParOf" srcId="{1CBC0E0F-459E-4C03-B7D7-88A75D102B0F}" destId="{C5AA40CF-0375-49C6-853F-536E38551CAC}" srcOrd="0" destOrd="0" presId="urn:microsoft.com/office/officeart/2005/8/layout/hProcess11"/>
-    <dgm:cxn modelId="{54BA77F9-DF3B-42F8-96FB-EA259CF89D9F}" type="presParOf" srcId="{C5AA40CF-0375-49C6-853F-536E38551CAC}" destId="{D42A3814-B120-4F21-AE35-4518C35AEC74}" srcOrd="0" destOrd="0" presId="urn:microsoft.com/office/officeart/2005/8/layout/hProcess11"/>
-    <dgm:cxn modelId="{9A766D4A-A59D-42A1-81B6-85A77BE991B4}" type="presParOf" srcId="{C5AA40CF-0375-49C6-853F-536E38551CAC}" destId="{E9AF5172-AA26-4C89-8DDE-DE3B622F6BE6}" srcOrd="1" destOrd="0" presId="urn:microsoft.com/office/officeart/2005/8/layout/hProcess11"/>
-    <dgm:cxn modelId="{17A7B5CA-1574-447E-9D57-ACB9E09CA98D}" type="presParOf" srcId="{C5AA40CF-0375-49C6-853F-536E38551CAC}" destId="{1E33273C-2428-4ED8-99C9-564144432176}" srcOrd="2" destOrd="0" presId="urn:microsoft.com/office/officeart/2005/8/layout/hProcess11"/>
-    <dgm:cxn modelId="{730D44DD-D3CA-4DF2-B301-74A30F0BB2AB}" type="presParOf" srcId="{1CBC0E0F-459E-4C03-B7D7-88A75D102B0F}" destId="{B1DA5FC3-D28B-4A13-8C20-18CB7B4D56DF}" srcOrd="1" destOrd="0" presId="urn:microsoft.com/office/officeart/2005/8/layout/hProcess11"/>
-    <dgm:cxn modelId="{7884BA1F-7777-4473-AEE8-C5243C0E23BD}" type="presParOf" srcId="{1CBC0E0F-459E-4C03-B7D7-88A75D102B0F}" destId="{1282B75E-151C-4598-BFB8-07991DF5626D}" srcOrd="2" destOrd="0" presId="urn:microsoft.com/office/officeart/2005/8/layout/hProcess11"/>
-    <dgm:cxn modelId="{06FC5A70-22D6-4964-93F2-B385991F5CD4}" type="presParOf" srcId="{1282B75E-151C-4598-BFB8-07991DF5626D}" destId="{FF06A962-9072-49C0-98E7-13A9CE39E870}" srcOrd="0" destOrd="0" presId="urn:microsoft.com/office/officeart/2005/8/layout/hProcess11"/>
-    <dgm:cxn modelId="{EE1E4122-9B5E-4DC7-BDFB-F404683B2056}" type="presParOf" srcId="{1282B75E-151C-4598-BFB8-07991DF5626D}" destId="{698B9211-01C5-4554-850E-F4969267B877}" srcOrd="1" destOrd="0" presId="urn:microsoft.com/office/officeart/2005/8/layout/hProcess11"/>
-    <dgm:cxn modelId="{C465F874-7E12-4D3A-9A9E-CDCE8CCE5820}" type="presParOf" srcId="{1282B75E-151C-4598-BFB8-07991DF5626D}" destId="{DD55DEC2-259E-4601-9324-720F04A0EC7E}" srcOrd="2" destOrd="0" presId="urn:microsoft.com/office/officeart/2005/8/layout/hProcess11"/>
-    <dgm:cxn modelId="{23D18704-ECAA-4CCD-B203-B7B19F45A4BF}" type="presParOf" srcId="{1CBC0E0F-459E-4C03-B7D7-88A75D102B0F}" destId="{CCDE44AD-D623-4F7A-A954-2A1B551C630F}" srcOrd="3" destOrd="0" presId="urn:microsoft.com/office/officeart/2005/8/layout/hProcess11"/>
-    <dgm:cxn modelId="{49314F0D-38BA-41EB-954D-123B45038B77}" type="presParOf" srcId="{1CBC0E0F-459E-4C03-B7D7-88A75D102B0F}" destId="{B6FA60C0-A23E-488F-A099-E1BB8F83105C}" srcOrd="4" destOrd="0" presId="urn:microsoft.com/office/officeart/2005/8/layout/hProcess11"/>
-    <dgm:cxn modelId="{487600F8-6817-49FC-A66F-FF054DA9C85D}" type="presParOf" srcId="{B6FA60C0-A23E-488F-A099-E1BB8F83105C}" destId="{321FA900-9899-44E4-9540-A00C2C0D3EE5}" srcOrd="0" destOrd="0" presId="urn:microsoft.com/office/officeart/2005/8/layout/hProcess11"/>
-    <dgm:cxn modelId="{9E3EC71A-D9E2-4489-870D-B0BC4ED6913E}" type="presParOf" srcId="{B6FA60C0-A23E-488F-A099-E1BB8F83105C}" destId="{C0D38D21-26B6-4618-A235-844EBC0DFEC3}" srcOrd="1" destOrd="0" presId="urn:microsoft.com/office/officeart/2005/8/layout/hProcess11"/>
-    <dgm:cxn modelId="{80FC5D71-D6CA-449B-BBD3-C7074DBBB554}" type="presParOf" srcId="{B6FA60C0-A23E-488F-A099-E1BB8F83105C}" destId="{177D584E-7C22-4109-95C5-60F0F4782889}" srcOrd="2" destOrd="0" presId="urn:microsoft.com/office/officeart/2005/8/layout/hProcess11"/>
-    <dgm:cxn modelId="{0C5B1014-ED97-46FC-92EB-29CD3188A198}" type="presParOf" srcId="{1CBC0E0F-459E-4C03-B7D7-88A75D102B0F}" destId="{7D6C0F4A-0CE9-4432-A2EE-C5CC1F991CA7}" srcOrd="5" destOrd="0" presId="urn:microsoft.com/office/officeart/2005/8/layout/hProcess11"/>
-    <dgm:cxn modelId="{7443D89B-2AEB-4DF7-B810-2F6C28D8DEB1}" type="presParOf" srcId="{1CBC0E0F-459E-4C03-B7D7-88A75D102B0F}" destId="{17E7E581-F35B-4E9E-817C-BE0D676BE53F}" srcOrd="6" destOrd="0" presId="urn:microsoft.com/office/officeart/2005/8/layout/hProcess11"/>
-    <dgm:cxn modelId="{D70C8A45-346A-42DE-9392-23A0F9A1D77B}" type="presParOf" srcId="{17E7E581-F35B-4E9E-817C-BE0D676BE53F}" destId="{964ACCCC-0C4E-4130-9EEB-1FA842CFF911}" srcOrd="0" destOrd="0" presId="urn:microsoft.com/office/officeart/2005/8/layout/hProcess11"/>
-    <dgm:cxn modelId="{EC2C71EE-6294-4EA1-8103-FB76B11B88C0}" type="presParOf" srcId="{17E7E581-F35B-4E9E-817C-BE0D676BE53F}" destId="{1DDC5609-5502-415B-8D43-E470D8313D48}" srcOrd="1" destOrd="0" presId="urn:microsoft.com/office/officeart/2005/8/layout/hProcess11"/>
-    <dgm:cxn modelId="{048385E1-4251-4763-BDAB-14E698BAF96A}" type="presParOf" srcId="{17E7E581-F35B-4E9E-817C-BE0D676BE53F}" destId="{DAE0732E-75C3-4E84-858C-AF6939928FBE}" srcOrd="2" destOrd="0" presId="urn:microsoft.com/office/officeart/2005/8/layout/hProcess11"/>
-    <dgm:cxn modelId="{173DA3AA-119B-4317-9E96-6FCC376385F1}" type="presParOf" srcId="{1CBC0E0F-459E-4C03-B7D7-88A75D102B0F}" destId="{F6384B0F-B306-47D5-9E60-86F725FB8CD8}" srcOrd="7" destOrd="0" presId="urn:microsoft.com/office/officeart/2005/8/layout/hProcess11"/>
-    <dgm:cxn modelId="{9372A5A0-6EA7-4DD5-AF9B-AF7C8830DD0F}" type="presParOf" srcId="{1CBC0E0F-459E-4C03-B7D7-88A75D102B0F}" destId="{4ED5DE91-D915-456C-8696-EADC13F4112E}" srcOrd="8" destOrd="0" presId="urn:microsoft.com/office/officeart/2005/8/layout/hProcess11"/>
-    <dgm:cxn modelId="{DE02517F-A01B-4790-A533-5C19D061BF73}" type="presParOf" srcId="{4ED5DE91-D915-456C-8696-EADC13F4112E}" destId="{8985376C-2D71-4F44-90EE-2F5B3CA3CBE5}" srcOrd="0" destOrd="0" presId="urn:microsoft.com/office/officeart/2005/8/layout/hProcess11"/>
-    <dgm:cxn modelId="{50B424EC-E2EA-4F20-9AC4-E6FAB796E95F}" type="presParOf" srcId="{4ED5DE91-D915-456C-8696-EADC13F4112E}" destId="{D27304E9-073F-495B-9702-2EF2DBA30702}" srcOrd="1" destOrd="0" presId="urn:microsoft.com/office/officeart/2005/8/layout/hProcess11"/>
-    <dgm:cxn modelId="{D6D6F8E9-E5DB-4AB4-B9A4-4258F833D02D}" type="presParOf" srcId="{4ED5DE91-D915-456C-8696-EADC13F4112E}" destId="{C1361EFD-B4FE-424D-9B9F-12ABF539A7CA}" srcOrd="2" destOrd="0" presId="urn:microsoft.com/office/officeart/2005/8/layout/hProcess11"/>
-    <dgm:cxn modelId="{E0E37848-4A70-4F30-BEA9-A9E79F9781A2}" type="presParOf" srcId="{1CBC0E0F-459E-4C03-B7D7-88A75D102B0F}" destId="{EB1ED392-DF8B-4899-882D-D069ED4E51A1}" srcOrd="9" destOrd="0" presId="urn:microsoft.com/office/officeart/2005/8/layout/hProcess11"/>
-    <dgm:cxn modelId="{57CD331C-C6F5-4961-8959-1A5DC48069C6}" type="presParOf" srcId="{1CBC0E0F-459E-4C03-B7D7-88A75D102B0F}" destId="{E8C44630-5EED-4EAE-9004-C369CB32B8D6}" srcOrd="10" destOrd="0" presId="urn:microsoft.com/office/officeart/2005/8/layout/hProcess11"/>
-    <dgm:cxn modelId="{7653C3ED-8B8C-4F35-BC79-6BA7D725F3F5}" type="presParOf" srcId="{E8C44630-5EED-4EAE-9004-C369CB32B8D6}" destId="{54A0F389-1E2A-4158-BDC9-15E8055CB1A4}" srcOrd="0" destOrd="0" presId="urn:microsoft.com/office/officeart/2005/8/layout/hProcess11"/>
-    <dgm:cxn modelId="{747CC222-19FE-4D6A-B6EC-E6336C77E561}" type="presParOf" srcId="{E8C44630-5EED-4EAE-9004-C369CB32B8D6}" destId="{A83C5226-592D-4221-BAB0-5E591ADA0857}" srcOrd="1" destOrd="0" presId="urn:microsoft.com/office/officeart/2005/8/layout/hProcess11"/>
-    <dgm:cxn modelId="{A83A4D4A-3D65-41CA-A11F-4B51721D4F66}" type="presParOf" srcId="{E8C44630-5EED-4EAE-9004-C369CB32B8D6}" destId="{F2326F5E-4B5F-49F6-A6DE-ED2501B6C604}" srcOrd="2" destOrd="0" presId="urn:microsoft.com/office/officeart/2005/8/layout/hProcess11"/>
+    <dgm:cxn modelId="{31DCB468-94F7-4929-A027-AFE9C90A80FD}" type="presParOf" srcId="{1CBC0E0F-459E-4C03-B7D7-88A75D102B0F}" destId="{3ADE845E-E33A-47C6-816E-5F7749E31CF7}" srcOrd="0" destOrd="0" presId="urn:microsoft.com/office/officeart/2005/8/layout/hProcess11"/>
+    <dgm:cxn modelId="{1F12ED2E-403F-47E0-B834-F794B7B6904D}" type="presParOf" srcId="{3ADE845E-E33A-47C6-816E-5F7749E31CF7}" destId="{794AD924-8312-47D6-8617-6357BEDE239D}" srcOrd="0" destOrd="0" presId="urn:microsoft.com/office/officeart/2005/8/layout/hProcess11"/>
+    <dgm:cxn modelId="{30B54904-EA06-4950-947B-4EA021DF3618}" type="presParOf" srcId="{3ADE845E-E33A-47C6-816E-5F7749E31CF7}" destId="{07F19CDE-552F-4F1E-9A94-59E08EE237A5}" srcOrd="1" destOrd="0" presId="urn:microsoft.com/office/officeart/2005/8/layout/hProcess11"/>
+    <dgm:cxn modelId="{261033DF-31FA-4214-A0E2-487B916AAED2}" type="presParOf" srcId="{3ADE845E-E33A-47C6-816E-5F7749E31CF7}" destId="{539863EF-1D3C-44C9-99C1-B88B91BBBB4C}" srcOrd="2" destOrd="0" presId="urn:microsoft.com/office/officeart/2005/8/layout/hProcess11"/>
+    <dgm:cxn modelId="{9C33FB49-19FB-43FD-9313-2E578C386468}" type="presParOf" srcId="{1CBC0E0F-459E-4C03-B7D7-88A75D102B0F}" destId="{DCD2E920-FD92-476B-850D-0BE52494721F}" srcOrd="1" destOrd="0" presId="urn:microsoft.com/office/officeart/2005/8/layout/hProcess11"/>
+    <dgm:cxn modelId="{9D40491C-0C34-49F4-AA6F-C034253727FD}" type="presParOf" srcId="{1CBC0E0F-459E-4C03-B7D7-88A75D102B0F}" destId="{474EE0EA-254E-42FF-89D5-C1D96C3EDC09}" srcOrd="2" destOrd="0" presId="urn:microsoft.com/office/officeart/2005/8/layout/hProcess11"/>
+    <dgm:cxn modelId="{185CBDF5-9A04-4615-B034-ADFC0BB16598}" type="presParOf" srcId="{474EE0EA-254E-42FF-89D5-C1D96C3EDC09}" destId="{9C530D45-A372-4F0A-9AEB-19830F98A4BC}" srcOrd="0" destOrd="0" presId="urn:microsoft.com/office/officeart/2005/8/layout/hProcess11"/>
+    <dgm:cxn modelId="{54F56CEA-1096-4464-A8D4-7A6E07D28A41}" type="presParOf" srcId="{474EE0EA-254E-42FF-89D5-C1D96C3EDC09}" destId="{8031EA3A-64C0-4C54-B668-BE51D23EC858}" srcOrd="1" destOrd="0" presId="urn:microsoft.com/office/officeart/2005/8/layout/hProcess11"/>
+    <dgm:cxn modelId="{AC6D6002-0DC4-4591-862E-59E329FC63FF}" type="presParOf" srcId="{474EE0EA-254E-42FF-89D5-C1D96C3EDC09}" destId="{EF314E09-88B4-4EE9-969A-BD5A6078AFAA}" srcOrd="2" destOrd="0" presId="urn:microsoft.com/office/officeart/2005/8/layout/hProcess11"/>
+    <dgm:cxn modelId="{730D44DD-D3CA-4DF2-B301-74A30F0BB2AB}" type="presParOf" srcId="{1CBC0E0F-459E-4C03-B7D7-88A75D102B0F}" destId="{B1DA5FC3-D28B-4A13-8C20-18CB7B4D56DF}" srcOrd="3" destOrd="0" presId="urn:microsoft.com/office/officeart/2005/8/layout/hProcess11"/>
+    <dgm:cxn modelId="{9CF5BC28-12EF-441E-9C6F-ED53E37BFE3B}" type="presParOf" srcId="{1CBC0E0F-459E-4C03-B7D7-88A75D102B0F}" destId="{E7093D17-3001-48EA-810E-1753ACB9586E}" srcOrd="4" destOrd="0" presId="urn:microsoft.com/office/officeart/2005/8/layout/hProcess11"/>
+    <dgm:cxn modelId="{8AFAE1C0-592D-4551-AD6B-944A6720498A}" type="presParOf" srcId="{E7093D17-3001-48EA-810E-1753ACB9586E}" destId="{E7760564-43E2-4300-9173-E04A6C1D5478}" srcOrd="0" destOrd="0" presId="urn:microsoft.com/office/officeart/2005/8/layout/hProcess11"/>
+    <dgm:cxn modelId="{A7C6690D-1410-4570-A5F2-F5428277B65C}" type="presParOf" srcId="{E7093D17-3001-48EA-810E-1753ACB9586E}" destId="{0474F2EF-FB3F-47FC-B168-020809F0C321}" srcOrd="1" destOrd="0" presId="urn:microsoft.com/office/officeart/2005/8/layout/hProcess11"/>
+    <dgm:cxn modelId="{FC0009F8-2E6C-4448-8AC1-E710B9172E59}" type="presParOf" srcId="{E7093D17-3001-48EA-810E-1753ACB9586E}" destId="{B17BFCCE-F495-45FD-B20E-67CED45D5044}" srcOrd="2" destOrd="0" presId="urn:microsoft.com/office/officeart/2005/8/layout/hProcess11"/>
+    <dgm:cxn modelId="{23D18704-ECAA-4CCD-B203-B7B19F45A4BF}" type="presParOf" srcId="{1CBC0E0F-459E-4C03-B7D7-88A75D102B0F}" destId="{CCDE44AD-D623-4F7A-A954-2A1B551C630F}" srcOrd="5" destOrd="0" presId="urn:microsoft.com/office/officeart/2005/8/layout/hProcess11"/>
+    <dgm:cxn modelId="{9975A56A-3C78-4833-AF06-A91C3C8A8298}" type="presParOf" srcId="{1CBC0E0F-459E-4C03-B7D7-88A75D102B0F}" destId="{8D320E3E-580B-4012-83A5-736680F7340D}" srcOrd="6" destOrd="0" presId="urn:microsoft.com/office/officeart/2005/8/layout/hProcess11"/>
+    <dgm:cxn modelId="{8FE96561-73DE-4422-8589-DFA586CCE984}" type="presParOf" srcId="{8D320E3E-580B-4012-83A5-736680F7340D}" destId="{FB580EDD-12CE-4C09-8B2B-894221EA24F6}" srcOrd="0" destOrd="0" presId="urn:microsoft.com/office/officeart/2005/8/layout/hProcess11"/>
+    <dgm:cxn modelId="{1A1B4C41-8444-49C8-A3B6-32F1E85AC8C2}" type="presParOf" srcId="{8D320E3E-580B-4012-83A5-736680F7340D}" destId="{131E6619-CF1C-494C-84BE-E6F430175D72}" srcOrd="1" destOrd="0" presId="urn:microsoft.com/office/officeart/2005/8/layout/hProcess11"/>
+    <dgm:cxn modelId="{E6760B5B-339C-4739-BBAF-DC0E335BAC72}" type="presParOf" srcId="{8D320E3E-580B-4012-83A5-736680F7340D}" destId="{197FE5C9-6561-48C6-A81B-B50C8A0A82C1}" srcOrd="2" destOrd="0" presId="urn:microsoft.com/office/officeart/2005/8/layout/hProcess11"/>
+    <dgm:cxn modelId="{0C5B1014-ED97-46FC-92EB-29CD3188A198}" type="presParOf" srcId="{1CBC0E0F-459E-4C03-B7D7-88A75D102B0F}" destId="{7D6C0F4A-0CE9-4432-A2EE-C5CC1F991CA7}" srcOrd="7" destOrd="0" presId="urn:microsoft.com/office/officeart/2005/8/layout/hProcess11"/>
+    <dgm:cxn modelId="{87CA1BC7-59FB-4405-B20F-5DEDCD0013B4}" type="presParOf" srcId="{1CBC0E0F-459E-4C03-B7D7-88A75D102B0F}" destId="{6B78EAA7-23BB-4FFF-8C1C-14FA216E4A6D}" srcOrd="8" destOrd="0" presId="urn:microsoft.com/office/officeart/2005/8/layout/hProcess11"/>
+    <dgm:cxn modelId="{D1719D8F-824E-4B34-A206-386E11C67B6A}" type="presParOf" srcId="{6B78EAA7-23BB-4FFF-8C1C-14FA216E4A6D}" destId="{D87307D0-7188-448B-9156-783E5FBC7017}" srcOrd="0" destOrd="0" presId="urn:microsoft.com/office/officeart/2005/8/layout/hProcess11"/>
+    <dgm:cxn modelId="{A3EA65AD-5476-4396-829B-382E166081E8}" type="presParOf" srcId="{6B78EAA7-23BB-4FFF-8C1C-14FA216E4A6D}" destId="{9CBF19F9-0428-4F9F-B523-3F670971ED31}" srcOrd="1" destOrd="0" presId="urn:microsoft.com/office/officeart/2005/8/layout/hProcess11"/>
+    <dgm:cxn modelId="{093C04C1-1C16-4CC6-9CDF-02B706835255}" type="presParOf" srcId="{6B78EAA7-23BB-4FFF-8C1C-14FA216E4A6D}" destId="{94E01361-BF77-4A80-BDCB-2BB889A242EB}" srcOrd="2" destOrd="0" presId="urn:microsoft.com/office/officeart/2005/8/layout/hProcess11"/>
+    <dgm:cxn modelId="{173DA3AA-119B-4317-9E96-6FCC376385F1}" type="presParOf" srcId="{1CBC0E0F-459E-4C03-B7D7-88A75D102B0F}" destId="{F6384B0F-B306-47D5-9E60-86F725FB8CD8}" srcOrd="9" destOrd="0" presId="urn:microsoft.com/office/officeart/2005/8/layout/hProcess11"/>
+    <dgm:cxn modelId="{83E207A1-4385-47F0-B1D3-537FA604D256}" type="presParOf" srcId="{1CBC0E0F-459E-4C03-B7D7-88A75D102B0F}" destId="{1A6BC37B-4D3F-4440-A78D-E11DD7B14428}" srcOrd="10" destOrd="0" presId="urn:microsoft.com/office/officeart/2005/8/layout/hProcess11"/>
+    <dgm:cxn modelId="{C5BA2844-5888-454C-9982-3754B264F333}" type="presParOf" srcId="{1A6BC37B-4D3F-4440-A78D-E11DD7B14428}" destId="{A254C62D-5748-468F-939F-ACB671165AB3}" srcOrd="0" destOrd="0" presId="urn:microsoft.com/office/officeart/2005/8/layout/hProcess11"/>
+    <dgm:cxn modelId="{A4612283-FA5D-4106-991B-0BCF16069249}" type="presParOf" srcId="{1A6BC37B-4D3F-4440-A78D-E11DD7B14428}" destId="{826B70E7-B62C-4D1B-905F-4920D75B682C}" srcOrd="1" destOrd="0" presId="urn:microsoft.com/office/officeart/2005/8/layout/hProcess11"/>
+    <dgm:cxn modelId="{9453500B-4F88-49C6-BFFB-3E83B1996C75}" type="presParOf" srcId="{1A6BC37B-4D3F-4440-A78D-E11DD7B14428}" destId="{0F9F1C9B-6190-4798-ABCD-71CCE7F090D0}" srcOrd="2" destOrd="0" presId="urn:microsoft.com/office/officeart/2005/8/layout/hProcess11"/>
+    <dgm:cxn modelId="{E0E37848-4A70-4F30-BEA9-A9E79F9781A2}" type="presParOf" srcId="{1CBC0E0F-459E-4C03-B7D7-88A75D102B0F}" destId="{EB1ED392-DF8B-4899-882D-D069ED4E51A1}" srcOrd="11" destOrd="0" presId="urn:microsoft.com/office/officeart/2005/8/layout/hProcess11"/>
+    <dgm:cxn modelId="{A0C0C4CE-107C-430C-A693-3BDF24C10291}" type="presParOf" srcId="{1CBC0E0F-459E-4C03-B7D7-88A75D102B0F}" destId="{7D5DECAD-1E1E-488A-AEBB-841DE44ED7F2}" srcOrd="12" destOrd="0" presId="urn:microsoft.com/office/officeart/2005/8/layout/hProcess11"/>
+    <dgm:cxn modelId="{EDDB8CD2-821C-431D-8ED4-651C57452732}" type="presParOf" srcId="{7D5DECAD-1E1E-488A-AEBB-841DE44ED7F2}" destId="{09FD50EA-8632-42DD-B9F1-D6EB084AF6BD}" srcOrd="0" destOrd="0" presId="urn:microsoft.com/office/officeart/2005/8/layout/hProcess11"/>
+    <dgm:cxn modelId="{A5712F14-93D2-4DA0-B289-2383C226EAA1}" type="presParOf" srcId="{7D5DECAD-1E1E-488A-AEBB-841DE44ED7F2}" destId="{A85A0308-1034-462C-80F9-38F63298FE49}" srcOrd="1" destOrd="0" presId="urn:microsoft.com/office/officeart/2005/8/layout/hProcess11"/>
+    <dgm:cxn modelId="{7BA6E726-586E-451F-AB51-95C83979C782}" type="presParOf" srcId="{7D5DECAD-1E1E-488A-AEBB-841DE44ED7F2}" destId="{999B11E4-E764-41D4-8591-890EA21BF402}" srcOrd="2" destOrd="0" presId="urn:microsoft.com/office/officeart/2005/8/layout/hProcess11"/>
+  </dgm:cxnLst>
+  <dgm:bg/>
+  <dgm:whole/>
+  <dgm:extLst>
+    <a:ext uri="http://schemas.microsoft.com/office/drawing/2008/diagram">
+      <dsp:dataModelExt xmlns:dsp="http://schemas.microsoft.com/office/drawing/2008/diagram" relId="rId6" minVer="http://schemas.openxmlformats.org/drawingml/2006/diagram"/>
+    </a:ext>
+  </dgm:extLst>
+</dgm:dataModel>
+</file>
+
+<file path=ppt/diagrams/data2.xml><?xml version="1.0" encoding="utf-8"?>
+<dgm:dataModel xmlns:dgm="http://schemas.openxmlformats.org/drawingml/2006/diagram" xmlns:a="http://schemas.openxmlformats.org/drawingml/2006/main">
+  <dgm:ptLst>
+    <dgm:pt modelId="{E86CA9D4-20A6-4B1C-B699-0FB190ADBFC8}" type="doc">
+      <dgm:prSet loTypeId="urn:microsoft.com/office/officeart/2005/8/layout/vList5" loCatId="list" qsTypeId="urn:microsoft.com/office/officeart/2005/8/quickstyle/simple1" qsCatId="simple" csTypeId="urn:microsoft.com/office/officeart/2005/8/colors/accent1_2" csCatId="accent1" phldr="1"/>
+      <dgm:spPr/>
+      <dgm:t>
+        <a:bodyPr/>
+        <a:lstStyle/>
+        <a:p>
+          <a:endParaRPr lang="tr-TR"/>
+        </a:p>
+      </dgm:t>
+    </dgm:pt>
+    <dgm:pt modelId="{4807C38A-222F-42D0-A412-821DFF910757}">
+      <dgm:prSet phldrT="[Metin]"/>
+      <dgm:spPr/>
+      <dgm:t>
+        <a:bodyPr/>
+        <a:lstStyle/>
+        <a:p>
+          <a:r>
+            <a:rPr lang="it-IT" b="0" i="0" dirty="0"/>
+            <a:t>Baş Tipi (Başa monte edilen)</a:t>
+          </a:r>
+          <a:endParaRPr lang="tr-TR" dirty="0"/>
+        </a:p>
+      </dgm:t>
+    </dgm:pt>
+    <dgm:pt modelId="{8F92ACB2-88A8-4EC1-85A1-3AE388524AAD}" type="parTrans" cxnId="{335E320E-727C-4CA4-9A15-F515DB41E2DD}">
+      <dgm:prSet/>
+      <dgm:spPr/>
+      <dgm:t>
+        <a:bodyPr/>
+        <a:lstStyle/>
+        <a:p>
+          <a:endParaRPr lang="tr-TR"/>
+        </a:p>
+      </dgm:t>
+    </dgm:pt>
+    <dgm:pt modelId="{29CE7AD9-166E-4947-B5E7-AC40D0834C17}" type="sibTrans" cxnId="{335E320E-727C-4CA4-9A15-F515DB41E2DD}">
+      <dgm:prSet/>
+      <dgm:spPr/>
+      <dgm:t>
+        <a:bodyPr/>
+        <a:lstStyle/>
+        <a:p>
+          <a:endParaRPr lang="tr-TR"/>
+        </a:p>
+      </dgm:t>
+    </dgm:pt>
+    <dgm:pt modelId="{39D8B5E7-FC09-4A83-9174-0DE82C4275EF}">
+      <dgm:prSet phldrT="[Metin]"/>
+      <dgm:spPr/>
+      <dgm:t>
+        <a:bodyPr/>
+        <a:lstStyle/>
+        <a:p>
+          <a:r>
+            <a:rPr lang="tr-TR" b="0" i="0" dirty="0"/>
+            <a:t>Başa monte edilen Artırılmış Gerçeklik görüntüleyiciler doğrudan gerçek ortam ile bağlantı kurulmasını sağlar. Bu tip sistemler geçmişten günümüze yapılan geliştirmelerle daha kullanışlı hale gelmişlerdir. Geliştirilen baş tipi görüntüleyici modellerinden bazıları ekranda görülmektedir.</a:t>
+          </a:r>
+          <a:endParaRPr lang="tr-TR" dirty="0"/>
+        </a:p>
+      </dgm:t>
+    </dgm:pt>
+    <dgm:pt modelId="{B45171D8-F59C-4308-8AE5-0599FE8CBB9B}" type="parTrans" cxnId="{A8870E3B-DA6D-4DDD-9819-2A1B876E6CFD}">
+      <dgm:prSet/>
+      <dgm:spPr/>
+      <dgm:t>
+        <a:bodyPr/>
+        <a:lstStyle/>
+        <a:p>
+          <a:endParaRPr lang="tr-TR"/>
+        </a:p>
+      </dgm:t>
+    </dgm:pt>
+    <dgm:pt modelId="{7C44EAB2-3FBD-45CB-9808-D22777DB89FB}" type="sibTrans" cxnId="{A8870E3B-DA6D-4DDD-9819-2A1B876E6CFD}">
+      <dgm:prSet/>
+      <dgm:spPr/>
+      <dgm:t>
+        <a:bodyPr/>
+        <a:lstStyle/>
+        <a:p>
+          <a:endParaRPr lang="tr-TR"/>
+        </a:p>
+      </dgm:t>
+    </dgm:pt>
+    <dgm:pt modelId="{DFA414BF-A88A-465F-AB37-E339EE804851}">
+      <dgm:prSet phldrT="[Metin]"/>
+      <dgm:spPr/>
+      <dgm:t>
+        <a:bodyPr/>
+        <a:lstStyle/>
+        <a:p>
+          <a:r>
+            <a:rPr lang="tr-TR" b="0" i="0" dirty="0"/>
+            <a:t>El Tipi (Taşınabilir)</a:t>
+          </a:r>
+          <a:endParaRPr lang="tr-TR" dirty="0"/>
+        </a:p>
+      </dgm:t>
+    </dgm:pt>
+    <dgm:pt modelId="{8DCDA98C-678C-4258-811C-4154953BC6EC}" type="parTrans" cxnId="{A626B32F-EEA1-423B-BB49-DE627F2656DA}">
+      <dgm:prSet/>
+      <dgm:spPr/>
+      <dgm:t>
+        <a:bodyPr/>
+        <a:lstStyle/>
+        <a:p>
+          <a:endParaRPr lang="tr-TR"/>
+        </a:p>
+      </dgm:t>
+    </dgm:pt>
+    <dgm:pt modelId="{0C7F2F9A-C23D-4B92-BCA6-CCEA5A263641}" type="sibTrans" cxnId="{A626B32F-EEA1-423B-BB49-DE627F2656DA}">
+      <dgm:prSet/>
+      <dgm:spPr/>
+      <dgm:t>
+        <a:bodyPr/>
+        <a:lstStyle/>
+        <a:p>
+          <a:endParaRPr lang="tr-TR"/>
+        </a:p>
+      </dgm:t>
+    </dgm:pt>
+    <dgm:pt modelId="{62024387-4761-482C-8E3D-86BBADA49CF1}">
+      <dgm:prSet phldrT="[Metin]"/>
+      <dgm:spPr/>
+      <dgm:t>
+        <a:bodyPr/>
+        <a:lstStyle/>
+        <a:p>
+          <a:r>
+            <a:rPr lang="tr-TR" b="0" i="0" dirty="0"/>
+            <a:t>Elde taşınan görüntüleyici tiplerinin video, optik ve projektör görüntüleyiciler şeklinde üç türü bulunmaktadır. Bu tip görüntüleyicilerin son zamanlarda Artırılmış Gerçekliğin günlük yaşamda kullanımında oldukça büyük bir etkisi olmuştur.</a:t>
+          </a:r>
+          <a:endParaRPr lang="tr-TR" dirty="0"/>
+        </a:p>
+      </dgm:t>
+    </dgm:pt>
+    <dgm:pt modelId="{1BBC2EE6-E2FA-4E18-BD8E-2124A153A429}" type="parTrans" cxnId="{A2F4C643-67AA-4AC4-9E06-DB90A59BA16F}">
+      <dgm:prSet/>
+      <dgm:spPr/>
+      <dgm:t>
+        <a:bodyPr/>
+        <a:lstStyle/>
+        <a:p>
+          <a:endParaRPr lang="tr-TR"/>
+        </a:p>
+      </dgm:t>
+    </dgm:pt>
+    <dgm:pt modelId="{0D6EE86C-8F49-415C-83C3-B0AD0C654AEF}" type="sibTrans" cxnId="{A2F4C643-67AA-4AC4-9E06-DB90A59BA16F}">
+      <dgm:prSet/>
+      <dgm:spPr/>
+      <dgm:t>
+        <a:bodyPr/>
+        <a:lstStyle/>
+        <a:p>
+          <a:endParaRPr lang="tr-TR"/>
+        </a:p>
+      </dgm:t>
+    </dgm:pt>
+    <dgm:pt modelId="{8794232E-49CE-4C4D-BE42-630ECC19DA00}">
+      <dgm:prSet phldrT="[Metin]"/>
+      <dgm:spPr/>
+      <dgm:t>
+        <a:bodyPr/>
+        <a:lstStyle/>
+        <a:p>
+          <a:r>
+            <a:rPr lang="tr-TR" b="0" i="0" dirty="0"/>
+            <a:t>Uzamsal Tip</a:t>
+          </a:r>
+          <a:endParaRPr lang="tr-TR" dirty="0"/>
+        </a:p>
+      </dgm:t>
+    </dgm:pt>
+    <dgm:pt modelId="{5027B956-997C-4367-BE62-FEB9707B6476}" type="parTrans" cxnId="{0B92A51A-FCAD-4682-9BE1-953743DABA24}">
+      <dgm:prSet/>
+      <dgm:spPr/>
+      <dgm:t>
+        <a:bodyPr/>
+        <a:lstStyle/>
+        <a:p>
+          <a:endParaRPr lang="tr-TR"/>
+        </a:p>
+      </dgm:t>
+    </dgm:pt>
+    <dgm:pt modelId="{3DED9606-4AAA-433A-A8A1-0CD50015B267}" type="sibTrans" cxnId="{0B92A51A-FCAD-4682-9BE1-953743DABA24}">
+      <dgm:prSet/>
+      <dgm:spPr/>
+      <dgm:t>
+        <a:bodyPr/>
+        <a:lstStyle/>
+        <a:p>
+          <a:endParaRPr lang="tr-TR"/>
+        </a:p>
+      </dgm:t>
+    </dgm:pt>
+    <dgm:pt modelId="{910B8235-13A4-46A5-B515-5DC84C3519EF}">
+      <dgm:prSet phldrT="[Metin]"/>
+      <dgm:spPr/>
+      <dgm:t>
+        <a:bodyPr/>
+        <a:lstStyle/>
+        <a:p>
+          <a:r>
+            <a:rPr lang="tr-TR" dirty="0"/>
+            <a:t>Genellikle eğitimde kullanılan artırılmış gerçeklik türüdür. </a:t>
+          </a:r>
+        </a:p>
+      </dgm:t>
+    </dgm:pt>
+    <dgm:pt modelId="{CBCAAEC9-EA14-4782-8EB9-5C7F48ED8F23}" type="parTrans" cxnId="{ECD4E736-E1ED-4AE6-8929-8F746FF31B04}">
+      <dgm:prSet/>
+      <dgm:spPr/>
+      <dgm:t>
+        <a:bodyPr/>
+        <a:lstStyle/>
+        <a:p>
+          <a:endParaRPr lang="tr-TR"/>
+        </a:p>
+      </dgm:t>
+    </dgm:pt>
+    <dgm:pt modelId="{6C3D65C6-C8C2-4B6D-BA2C-6ED1B96F7DDD}" type="sibTrans" cxnId="{ECD4E736-E1ED-4AE6-8929-8F746FF31B04}">
+      <dgm:prSet/>
+      <dgm:spPr/>
+      <dgm:t>
+        <a:bodyPr/>
+        <a:lstStyle/>
+        <a:p>
+          <a:endParaRPr lang="tr-TR"/>
+        </a:p>
+      </dgm:t>
+    </dgm:pt>
+    <dgm:pt modelId="{3CF5D4CF-8F73-4E50-A7C0-1A626E5F29DB}" type="pres">
+      <dgm:prSet presAssocID="{E86CA9D4-20A6-4B1C-B699-0FB190ADBFC8}" presName="Name0" presStyleCnt="0">
+        <dgm:presLayoutVars>
+          <dgm:dir/>
+          <dgm:animLvl val="lvl"/>
+          <dgm:resizeHandles val="exact"/>
+        </dgm:presLayoutVars>
+      </dgm:prSet>
+      <dgm:spPr/>
+    </dgm:pt>
+    <dgm:pt modelId="{93391DA5-602F-4B2C-9BCD-FF8703D76EC9}" type="pres">
+      <dgm:prSet presAssocID="{4807C38A-222F-42D0-A412-821DFF910757}" presName="linNode" presStyleCnt="0"/>
+      <dgm:spPr/>
+    </dgm:pt>
+    <dgm:pt modelId="{8A26FEFF-2895-4A97-8076-6BF88EE7F089}" type="pres">
+      <dgm:prSet presAssocID="{4807C38A-222F-42D0-A412-821DFF910757}" presName="parentText" presStyleLbl="node1" presStyleIdx="0" presStyleCnt="3">
+        <dgm:presLayoutVars>
+          <dgm:chMax val="1"/>
+          <dgm:bulletEnabled val="1"/>
+        </dgm:presLayoutVars>
+      </dgm:prSet>
+      <dgm:spPr/>
+    </dgm:pt>
+    <dgm:pt modelId="{78E47064-3C8E-400D-8806-5F4C38DA8DE2}" type="pres">
+      <dgm:prSet presAssocID="{4807C38A-222F-42D0-A412-821DFF910757}" presName="descendantText" presStyleLbl="alignAccFollowNode1" presStyleIdx="0" presStyleCnt="3">
+        <dgm:presLayoutVars>
+          <dgm:bulletEnabled val="1"/>
+        </dgm:presLayoutVars>
+      </dgm:prSet>
+      <dgm:spPr/>
+    </dgm:pt>
+    <dgm:pt modelId="{40D4F542-FBF4-4C0D-B53D-0B93C0BE10F5}" type="pres">
+      <dgm:prSet presAssocID="{29CE7AD9-166E-4947-B5E7-AC40D0834C17}" presName="sp" presStyleCnt="0"/>
+      <dgm:spPr/>
+    </dgm:pt>
+    <dgm:pt modelId="{2205F3A2-C02A-4542-AEED-AEC6D180F805}" type="pres">
+      <dgm:prSet presAssocID="{DFA414BF-A88A-465F-AB37-E339EE804851}" presName="linNode" presStyleCnt="0"/>
+      <dgm:spPr/>
+    </dgm:pt>
+    <dgm:pt modelId="{9CABC217-3E03-45AF-BE5E-41563827003E}" type="pres">
+      <dgm:prSet presAssocID="{DFA414BF-A88A-465F-AB37-E339EE804851}" presName="parentText" presStyleLbl="node1" presStyleIdx="1" presStyleCnt="3">
+        <dgm:presLayoutVars>
+          <dgm:chMax val="1"/>
+          <dgm:bulletEnabled val="1"/>
+        </dgm:presLayoutVars>
+      </dgm:prSet>
+      <dgm:spPr/>
+    </dgm:pt>
+    <dgm:pt modelId="{35F351CF-6C97-4403-B59C-BBE9F86222A2}" type="pres">
+      <dgm:prSet presAssocID="{DFA414BF-A88A-465F-AB37-E339EE804851}" presName="descendantText" presStyleLbl="alignAccFollowNode1" presStyleIdx="1" presStyleCnt="3">
+        <dgm:presLayoutVars>
+          <dgm:bulletEnabled val="1"/>
+        </dgm:presLayoutVars>
+      </dgm:prSet>
+      <dgm:spPr/>
+    </dgm:pt>
+    <dgm:pt modelId="{BA8AA57E-9561-4675-854D-06FF3D16B606}" type="pres">
+      <dgm:prSet presAssocID="{0C7F2F9A-C23D-4B92-BCA6-CCEA5A263641}" presName="sp" presStyleCnt="0"/>
+      <dgm:spPr/>
+    </dgm:pt>
+    <dgm:pt modelId="{F735B754-1E18-4B44-BB10-0FC42D4F8C05}" type="pres">
+      <dgm:prSet presAssocID="{8794232E-49CE-4C4D-BE42-630ECC19DA00}" presName="linNode" presStyleCnt="0"/>
+      <dgm:spPr/>
+    </dgm:pt>
+    <dgm:pt modelId="{62FC8B3C-7838-4407-AE4A-CBC6EB0CEF15}" type="pres">
+      <dgm:prSet presAssocID="{8794232E-49CE-4C4D-BE42-630ECC19DA00}" presName="parentText" presStyleLbl="node1" presStyleIdx="2" presStyleCnt="3">
+        <dgm:presLayoutVars>
+          <dgm:chMax val="1"/>
+          <dgm:bulletEnabled val="1"/>
+        </dgm:presLayoutVars>
+      </dgm:prSet>
+      <dgm:spPr/>
+    </dgm:pt>
+    <dgm:pt modelId="{C2D7ECA8-F34B-49F9-846C-65C645725903}" type="pres">
+      <dgm:prSet presAssocID="{8794232E-49CE-4C4D-BE42-630ECC19DA00}" presName="descendantText" presStyleLbl="alignAccFollowNode1" presStyleIdx="2" presStyleCnt="3" custScaleX="99631">
+        <dgm:presLayoutVars>
+          <dgm:bulletEnabled val="1"/>
+        </dgm:presLayoutVars>
+      </dgm:prSet>
+      <dgm:spPr/>
+    </dgm:pt>
+  </dgm:ptLst>
+  <dgm:cxnLst>
+    <dgm:cxn modelId="{335E320E-727C-4CA4-9A15-F515DB41E2DD}" srcId="{E86CA9D4-20A6-4B1C-B699-0FB190ADBFC8}" destId="{4807C38A-222F-42D0-A412-821DFF910757}" srcOrd="0" destOrd="0" parTransId="{8F92ACB2-88A8-4EC1-85A1-3AE388524AAD}" sibTransId="{29CE7AD9-166E-4947-B5E7-AC40D0834C17}"/>
+    <dgm:cxn modelId="{0B92A51A-FCAD-4682-9BE1-953743DABA24}" srcId="{E86CA9D4-20A6-4B1C-B699-0FB190ADBFC8}" destId="{8794232E-49CE-4C4D-BE42-630ECC19DA00}" srcOrd="2" destOrd="0" parTransId="{5027B956-997C-4367-BE62-FEB9707B6476}" sibTransId="{3DED9606-4AAA-433A-A8A1-0CD50015B267}"/>
+    <dgm:cxn modelId="{9573CE1C-8017-4C97-B2B6-24A64AE3FDF0}" type="presOf" srcId="{8794232E-49CE-4C4D-BE42-630ECC19DA00}" destId="{62FC8B3C-7838-4407-AE4A-CBC6EB0CEF15}" srcOrd="0" destOrd="0" presId="urn:microsoft.com/office/officeart/2005/8/layout/vList5"/>
+    <dgm:cxn modelId="{A626B32F-EEA1-423B-BB49-DE627F2656DA}" srcId="{E86CA9D4-20A6-4B1C-B699-0FB190ADBFC8}" destId="{DFA414BF-A88A-465F-AB37-E339EE804851}" srcOrd="1" destOrd="0" parTransId="{8DCDA98C-678C-4258-811C-4154953BC6EC}" sibTransId="{0C7F2F9A-C23D-4B92-BCA6-CCEA5A263641}"/>
+    <dgm:cxn modelId="{ECD4E736-E1ED-4AE6-8929-8F746FF31B04}" srcId="{8794232E-49CE-4C4D-BE42-630ECC19DA00}" destId="{910B8235-13A4-46A5-B515-5DC84C3519EF}" srcOrd="0" destOrd="0" parTransId="{CBCAAEC9-EA14-4782-8EB9-5C7F48ED8F23}" sibTransId="{6C3D65C6-C8C2-4B6D-BA2C-6ED1B96F7DDD}"/>
+    <dgm:cxn modelId="{A8870E3B-DA6D-4DDD-9819-2A1B876E6CFD}" srcId="{4807C38A-222F-42D0-A412-821DFF910757}" destId="{39D8B5E7-FC09-4A83-9174-0DE82C4275EF}" srcOrd="0" destOrd="0" parTransId="{B45171D8-F59C-4308-8AE5-0599FE8CBB9B}" sibTransId="{7C44EAB2-3FBD-45CB-9808-D22777DB89FB}"/>
+    <dgm:cxn modelId="{E5B4983E-8088-4CB1-B13B-6002FC640812}" type="presOf" srcId="{DFA414BF-A88A-465F-AB37-E339EE804851}" destId="{9CABC217-3E03-45AF-BE5E-41563827003E}" srcOrd="0" destOrd="0" presId="urn:microsoft.com/office/officeart/2005/8/layout/vList5"/>
+    <dgm:cxn modelId="{A2F4C643-67AA-4AC4-9E06-DB90A59BA16F}" srcId="{DFA414BF-A88A-465F-AB37-E339EE804851}" destId="{62024387-4761-482C-8E3D-86BBADA49CF1}" srcOrd="0" destOrd="0" parTransId="{1BBC2EE6-E2FA-4E18-BD8E-2124A153A429}" sibTransId="{0D6EE86C-8F49-415C-83C3-B0AD0C654AEF}"/>
+    <dgm:cxn modelId="{652BC54B-6416-428F-ABB6-329CAAFB8DC8}" type="presOf" srcId="{62024387-4761-482C-8E3D-86BBADA49CF1}" destId="{35F351CF-6C97-4403-B59C-BBE9F86222A2}" srcOrd="0" destOrd="0" presId="urn:microsoft.com/office/officeart/2005/8/layout/vList5"/>
+    <dgm:cxn modelId="{B73CD654-B55B-49D4-8987-5E2777C7F7C1}" type="presOf" srcId="{910B8235-13A4-46A5-B515-5DC84C3519EF}" destId="{C2D7ECA8-F34B-49F9-846C-65C645725903}" srcOrd="0" destOrd="0" presId="urn:microsoft.com/office/officeart/2005/8/layout/vList5"/>
+    <dgm:cxn modelId="{6032FF92-D43E-4F4F-825A-7F82D57D0ED9}" type="presOf" srcId="{39D8B5E7-FC09-4A83-9174-0DE82C4275EF}" destId="{78E47064-3C8E-400D-8806-5F4C38DA8DE2}" srcOrd="0" destOrd="0" presId="urn:microsoft.com/office/officeart/2005/8/layout/vList5"/>
+    <dgm:cxn modelId="{02504FD0-1923-431F-97F2-F3C7C6F1332B}" type="presOf" srcId="{E86CA9D4-20A6-4B1C-B699-0FB190ADBFC8}" destId="{3CF5D4CF-8F73-4E50-A7C0-1A626E5F29DB}" srcOrd="0" destOrd="0" presId="urn:microsoft.com/office/officeart/2005/8/layout/vList5"/>
+    <dgm:cxn modelId="{ED14EAF9-D6B8-4B78-8057-257E97E1A3C0}" type="presOf" srcId="{4807C38A-222F-42D0-A412-821DFF910757}" destId="{8A26FEFF-2895-4A97-8076-6BF88EE7F089}" srcOrd="0" destOrd="0" presId="urn:microsoft.com/office/officeart/2005/8/layout/vList5"/>
+    <dgm:cxn modelId="{1C00F5DF-8E28-43F8-AF94-F122CD6125E1}" type="presParOf" srcId="{3CF5D4CF-8F73-4E50-A7C0-1A626E5F29DB}" destId="{93391DA5-602F-4B2C-9BCD-FF8703D76EC9}" srcOrd="0" destOrd="0" presId="urn:microsoft.com/office/officeart/2005/8/layout/vList5"/>
+    <dgm:cxn modelId="{E6D8874E-E163-4437-9369-B8C46449AE7B}" type="presParOf" srcId="{93391DA5-602F-4B2C-9BCD-FF8703D76EC9}" destId="{8A26FEFF-2895-4A97-8076-6BF88EE7F089}" srcOrd="0" destOrd="0" presId="urn:microsoft.com/office/officeart/2005/8/layout/vList5"/>
+    <dgm:cxn modelId="{50E3C209-DF80-483E-B67A-4D8582110A25}" type="presParOf" srcId="{93391DA5-602F-4B2C-9BCD-FF8703D76EC9}" destId="{78E47064-3C8E-400D-8806-5F4C38DA8DE2}" srcOrd="1" destOrd="0" presId="urn:microsoft.com/office/officeart/2005/8/layout/vList5"/>
+    <dgm:cxn modelId="{86B1930C-E74C-499B-9775-599F7CB1B9BE}" type="presParOf" srcId="{3CF5D4CF-8F73-4E50-A7C0-1A626E5F29DB}" destId="{40D4F542-FBF4-4C0D-B53D-0B93C0BE10F5}" srcOrd="1" destOrd="0" presId="urn:microsoft.com/office/officeart/2005/8/layout/vList5"/>
+    <dgm:cxn modelId="{E96EB543-A8B3-45B8-9D19-F4822EDD4716}" type="presParOf" srcId="{3CF5D4CF-8F73-4E50-A7C0-1A626E5F29DB}" destId="{2205F3A2-C02A-4542-AEED-AEC6D180F805}" srcOrd="2" destOrd="0" presId="urn:microsoft.com/office/officeart/2005/8/layout/vList5"/>
+    <dgm:cxn modelId="{BD02E528-7081-40C0-A786-CDFEE531C9F8}" type="presParOf" srcId="{2205F3A2-C02A-4542-AEED-AEC6D180F805}" destId="{9CABC217-3E03-45AF-BE5E-41563827003E}" srcOrd="0" destOrd="0" presId="urn:microsoft.com/office/officeart/2005/8/layout/vList5"/>
+    <dgm:cxn modelId="{5C1A3550-7375-4C75-919A-313CC583A818}" type="presParOf" srcId="{2205F3A2-C02A-4542-AEED-AEC6D180F805}" destId="{35F351CF-6C97-4403-B59C-BBE9F86222A2}" srcOrd="1" destOrd="0" presId="urn:microsoft.com/office/officeart/2005/8/layout/vList5"/>
+    <dgm:cxn modelId="{626697BD-C193-442B-91E1-AEABC1D1DC77}" type="presParOf" srcId="{3CF5D4CF-8F73-4E50-A7C0-1A626E5F29DB}" destId="{BA8AA57E-9561-4675-854D-06FF3D16B606}" srcOrd="3" destOrd="0" presId="urn:microsoft.com/office/officeart/2005/8/layout/vList5"/>
+    <dgm:cxn modelId="{6E206C42-A30C-44B7-8F4D-4583E08BD853}" type="presParOf" srcId="{3CF5D4CF-8F73-4E50-A7C0-1A626E5F29DB}" destId="{F735B754-1E18-4B44-BB10-0FC42D4F8C05}" srcOrd="4" destOrd="0" presId="urn:microsoft.com/office/officeart/2005/8/layout/vList5"/>
+    <dgm:cxn modelId="{564BDC9A-B79A-4EA0-80EA-101C45415D7B}" type="presParOf" srcId="{F735B754-1E18-4B44-BB10-0FC42D4F8C05}" destId="{62FC8B3C-7838-4407-AE4A-CBC6EB0CEF15}" srcOrd="0" destOrd="0" presId="urn:microsoft.com/office/officeart/2005/8/layout/vList5"/>
+    <dgm:cxn modelId="{95C3C191-8659-4B98-93F3-6228B818A296}" type="presParOf" srcId="{F735B754-1E18-4B44-BB10-0FC42D4F8C05}" destId="{C2D7ECA8-F34B-49F9-846C-65C645725903}" srcOrd="1" destOrd="0" presId="urn:microsoft.com/office/officeart/2005/8/layout/vList5"/>
   </dgm:cxnLst>
   <dgm:bg/>
   <dgm:whole/>
@@ -1361,8 +2539,8 @@
       </dsp:nvSpPr>
       <dsp:spPr>
         <a:xfrm>
-          <a:off x="0" y="1094739"/>
-          <a:ext cx="10131425" cy="1459653"/>
+          <a:off x="0" y="1192486"/>
+          <a:ext cx="10812516" cy="1589981"/>
         </a:xfrm>
         <a:prstGeom prst="notchedRightArrow">
           <a:avLst/>
@@ -1402,15 +2580,15 @@
         <a:fontRef idx="minor"/>
       </dsp:style>
     </dsp:sp>
-    <dsp:sp modelId="{D42A3814-B120-4F21-AE35-4518C35AEC74}">
+    <dsp:sp modelId="{794AD924-8312-47D6-8617-6357BEDE239D}">
       <dsp:nvSpPr>
         <dsp:cNvPr id="0" name=""/>
         <dsp:cNvSpPr/>
       </dsp:nvSpPr>
       <dsp:spPr>
         <a:xfrm>
-          <a:off x="2504" y="0"/>
-          <a:ext cx="1458123" cy="1459653"/>
+          <a:off x="831" y="0"/>
+          <a:ext cx="1332822" cy="1589981"/>
         </a:xfrm>
         <a:prstGeom prst="rect">
           <a:avLst/>
@@ -1434,12 +2612,12 @@
         <a:fontRef idx="minor"/>
       </dsp:style>
       <dsp:txBody>
-        <a:bodyPr spcFirstLastPara="0" vert="horz" wrap="square" lIns="92456" tIns="92456" rIns="92456" bIns="92456" numCol="1" spcCol="1270" anchor="b" anchorCtr="0">
+        <a:bodyPr spcFirstLastPara="0" vert="horz" wrap="square" lIns="71120" tIns="71120" rIns="71120" bIns="71120" numCol="1" spcCol="1270" anchor="b" anchorCtr="0">
           <a:noAutofit/>
         </a:bodyPr>
         <a:lstStyle/>
         <a:p>
-          <a:pPr marL="0" lvl="0" indent="0" algn="ctr" defTabSz="577850">
+          <a:pPr marL="0" lvl="0" indent="0" algn="ctr" defTabSz="444500">
             <a:lnSpc>
               <a:spcPct val="90000"/>
             </a:lnSpc>
@@ -1452,25 +2630,25 @@
             <a:buNone/>
           </a:pPr>
           <a:r>
-            <a:rPr lang="tr-TR" sz="1300" b="1" kern="1200" dirty="0"/>
+            <a:rPr lang="tr-TR" sz="1000" b="1" kern="1200" dirty="0"/>
             <a:t>GİRİŞ</a:t>
           </a:r>
         </a:p>
       </dsp:txBody>
       <dsp:txXfrm>
-        <a:off x="2504" y="0"/>
-        <a:ext cx="1458123" cy="1459653"/>
+        <a:off x="831" y="0"/>
+        <a:ext cx="1332822" cy="1589981"/>
       </dsp:txXfrm>
     </dsp:sp>
-    <dsp:sp modelId="{E9AF5172-AA26-4C89-8DDE-DE3B622F6BE6}">
+    <dsp:sp modelId="{07F19CDE-552F-4F1E-9A94-59E08EE237A5}">
       <dsp:nvSpPr>
         <dsp:cNvPr id="0" name=""/>
         <dsp:cNvSpPr/>
       </dsp:nvSpPr>
       <dsp:spPr>
         <a:xfrm>
-          <a:off x="549109" y="1642109"/>
-          <a:ext cx="364913" cy="364913"/>
+          <a:off x="468494" y="1788729"/>
+          <a:ext cx="397495" cy="397495"/>
         </a:xfrm>
         <a:prstGeom prst="ellipse">
           <a:avLst/>
@@ -1510,15 +2688,15 @@
         </a:fontRef>
       </dsp:style>
     </dsp:sp>
-    <dsp:sp modelId="{FF06A962-9072-49C0-98E7-13A9CE39E870}">
+    <dsp:sp modelId="{9C530D45-A372-4F0A-9AEB-19830F98A4BC}">
       <dsp:nvSpPr>
         <dsp:cNvPr id="0" name=""/>
         <dsp:cNvSpPr/>
       </dsp:nvSpPr>
       <dsp:spPr>
         <a:xfrm>
-          <a:off x="1533534" y="2189479"/>
-          <a:ext cx="1458123" cy="1459653"/>
+          <a:off x="1400294" y="2384972"/>
+          <a:ext cx="1332822" cy="1589981"/>
         </a:xfrm>
         <a:prstGeom prst="rect">
           <a:avLst/>
@@ -1542,12 +2720,12 @@
         <a:fontRef idx="minor"/>
       </dsp:style>
       <dsp:txBody>
-        <a:bodyPr spcFirstLastPara="0" vert="horz" wrap="square" lIns="92456" tIns="92456" rIns="92456" bIns="92456" numCol="1" spcCol="1270" anchor="t" anchorCtr="0">
+        <a:bodyPr spcFirstLastPara="0" vert="horz" wrap="square" lIns="71120" tIns="71120" rIns="71120" bIns="71120" numCol="1" spcCol="1270" anchor="t" anchorCtr="0">
           <a:noAutofit/>
         </a:bodyPr>
         <a:lstStyle/>
         <a:p>
-          <a:pPr marL="0" lvl="0" indent="0" algn="ctr" defTabSz="577850">
+          <a:pPr marL="0" lvl="0" indent="0" algn="ctr" defTabSz="444500">
             <a:lnSpc>
               <a:spcPct val="90000"/>
             </a:lnSpc>
@@ -1560,32 +2738,25 @@
             <a:buNone/>
           </a:pPr>
           <a:r>
-            <a:rPr lang="tr-TR" sz="1300" b="1" kern="1200" dirty="0"/>
-            <a:t>GERÇEKLİK UYGULAMALARI, ARTIRILMIŞ GERÇEKLİK [AR]</a:t>
-          </a:r>
-          <a:br>
-            <a:rPr lang="tr-TR" sz="1300" b="1" kern="1200" dirty="0"/>
-          </a:br>
-          <a:r>
-            <a:rPr lang="tr-TR" sz="1300" kern="1200" dirty="0"/>
-            <a:t>MUSTAFA ALİ BÜSTAN</a:t>
+            <a:rPr lang="tr-TR" sz="1000" b="1" kern="1200" dirty="0"/>
+            <a:t>BAŞLANGIÇ - VİDEO İÇERİĞİ</a:t>
           </a:r>
         </a:p>
       </dsp:txBody>
       <dsp:txXfrm>
-        <a:off x="1533534" y="2189479"/>
-        <a:ext cx="1458123" cy="1459653"/>
+        <a:off x="1400294" y="2384972"/>
+        <a:ext cx="1332822" cy="1589981"/>
       </dsp:txXfrm>
     </dsp:sp>
-    <dsp:sp modelId="{698B9211-01C5-4554-850E-F4969267B877}">
+    <dsp:sp modelId="{8031EA3A-64C0-4C54-B668-BE51D23EC858}">
       <dsp:nvSpPr>
         <dsp:cNvPr id="0" name=""/>
         <dsp:cNvSpPr/>
       </dsp:nvSpPr>
       <dsp:spPr>
         <a:xfrm>
-          <a:off x="2080139" y="1642109"/>
-          <a:ext cx="364913" cy="364913"/>
+          <a:off x="1867958" y="1788729"/>
+          <a:ext cx="397495" cy="397495"/>
         </a:xfrm>
         <a:prstGeom prst="ellipse">
           <a:avLst/>
@@ -1625,15 +2796,15 @@
         </a:fontRef>
       </dsp:style>
     </dsp:sp>
-    <dsp:sp modelId="{321FA900-9899-44E4-9540-A00C2C0D3EE5}">
+    <dsp:sp modelId="{E7760564-43E2-4300-9173-E04A6C1D5478}">
       <dsp:nvSpPr>
         <dsp:cNvPr id="0" name=""/>
         <dsp:cNvSpPr/>
       </dsp:nvSpPr>
       <dsp:spPr>
         <a:xfrm>
-          <a:off x="3064564" y="0"/>
-          <a:ext cx="1458123" cy="1459653"/>
+          <a:off x="2799757" y="0"/>
+          <a:ext cx="1332822" cy="1589981"/>
         </a:xfrm>
         <a:prstGeom prst="rect">
           <a:avLst/>
@@ -1657,12 +2828,12 @@
         <a:fontRef idx="minor"/>
       </dsp:style>
       <dsp:txBody>
-        <a:bodyPr spcFirstLastPara="0" vert="horz" wrap="square" lIns="92456" tIns="92456" rIns="92456" bIns="92456" numCol="1" spcCol="1270" anchor="b" anchorCtr="0">
+        <a:bodyPr spcFirstLastPara="0" vert="horz" wrap="square" lIns="71120" tIns="71120" rIns="71120" bIns="71120" numCol="1" spcCol="1270" anchor="b" anchorCtr="0">
           <a:noAutofit/>
         </a:bodyPr>
         <a:lstStyle/>
         <a:p>
-          <a:pPr marL="0" lvl="0" indent="0" algn="ctr" defTabSz="577850">
+          <a:pPr marL="0" lvl="0" indent="0" algn="ctr" defTabSz="444500">
             <a:lnSpc>
               <a:spcPct val="90000"/>
             </a:lnSpc>
@@ -1675,32 +2846,46 @@
             <a:buNone/>
           </a:pPr>
           <a:r>
-            <a:rPr lang="tr-TR" sz="1300" b="1" kern="1200" dirty="0"/>
-            <a:t>OPTİK TEMELLİ GERÇEKLİK, VİDEO TEMELLİ GERÇEKLİK</a:t>
+            <a:rPr lang="tr-TR" sz="1000" b="1" kern="1200" dirty="0"/>
+            <a:t>GERÇEKLİK UYGULAMALARI, ARTIRILMIŞ GERÇEKLİK [AR], ARTIRILMIŞ GERÇEKLİK İÇERİĞİ</a:t>
           </a:r>
+        </a:p>
+        <a:p>
+          <a:pPr marL="0" lvl="0" indent="0" algn="ctr" defTabSz="444500">
+            <a:lnSpc>
+              <a:spcPct val="90000"/>
+            </a:lnSpc>
+            <a:spcBef>
+              <a:spcPct val="0"/>
+            </a:spcBef>
+            <a:spcAft>
+              <a:spcPct val="35000"/>
+            </a:spcAft>
+            <a:buNone/>
+          </a:pPr>
           <a:br>
-            <a:rPr lang="tr-TR" sz="1300" kern="1200" dirty="0"/>
+            <a:rPr lang="tr-TR" sz="1000" b="1" kern="1200" dirty="0"/>
           </a:br>
           <a:r>
-            <a:rPr lang="tr-TR" sz="1300" kern="1200" dirty="0"/>
-            <a:t>GÜRBÜZ YUSUF ÖZORHAN</a:t>
+            <a:rPr lang="tr-TR" sz="1000" kern="1200" dirty="0"/>
+            <a:t>MUSTAFA ALİ BÜSTAN</a:t>
           </a:r>
         </a:p>
       </dsp:txBody>
       <dsp:txXfrm>
-        <a:off x="3064564" y="0"/>
-        <a:ext cx="1458123" cy="1459653"/>
+        <a:off x="2799757" y="0"/>
+        <a:ext cx="1332822" cy="1589981"/>
       </dsp:txXfrm>
     </dsp:sp>
-    <dsp:sp modelId="{C0D38D21-26B6-4618-A235-844EBC0DFEC3}">
+    <dsp:sp modelId="{0474F2EF-FB3F-47FC-B168-020809F0C321}">
       <dsp:nvSpPr>
         <dsp:cNvPr id="0" name=""/>
         <dsp:cNvSpPr/>
       </dsp:nvSpPr>
       <dsp:spPr>
         <a:xfrm>
-          <a:off x="3611169" y="1642109"/>
-          <a:ext cx="364913" cy="364913"/>
+          <a:off x="3267421" y="1788729"/>
+          <a:ext cx="397495" cy="397495"/>
         </a:xfrm>
         <a:prstGeom prst="ellipse">
           <a:avLst/>
@@ -1740,15 +2925,15 @@
         </a:fontRef>
       </dsp:style>
     </dsp:sp>
-    <dsp:sp modelId="{964ACCCC-0C4E-4130-9EEB-1FA842CFF911}">
+    <dsp:sp modelId="{FB580EDD-12CE-4C09-8B2B-894221EA24F6}">
       <dsp:nvSpPr>
         <dsp:cNvPr id="0" name=""/>
         <dsp:cNvSpPr/>
       </dsp:nvSpPr>
       <dsp:spPr>
         <a:xfrm>
-          <a:off x="4595594" y="2189479"/>
-          <a:ext cx="1458123" cy="1459653"/>
+          <a:off x="4199221" y="2384972"/>
+          <a:ext cx="1332822" cy="1589981"/>
         </a:xfrm>
         <a:prstGeom prst="rect">
           <a:avLst/>
@@ -1772,12 +2957,12 @@
         <a:fontRef idx="minor"/>
       </dsp:style>
       <dsp:txBody>
-        <a:bodyPr spcFirstLastPara="0" vert="horz" wrap="square" lIns="92456" tIns="92456" rIns="92456" bIns="92456" numCol="1" spcCol="1270" anchor="t" anchorCtr="0">
+        <a:bodyPr spcFirstLastPara="0" vert="horz" wrap="square" lIns="71120" tIns="71120" rIns="71120" bIns="71120" numCol="1" spcCol="1270" anchor="t" anchorCtr="0">
           <a:noAutofit/>
         </a:bodyPr>
         <a:lstStyle/>
         <a:p>
-          <a:pPr marL="0" lvl="0" indent="0" algn="ctr" defTabSz="577850">
+          <a:pPr marL="0" lvl="0" indent="0" algn="ctr" defTabSz="444500">
             <a:lnSpc>
               <a:spcPct val="90000"/>
             </a:lnSpc>
@@ -1790,32 +2975,46 @@
             <a:buNone/>
           </a:pPr>
           <a:r>
-            <a:rPr lang="tr-TR" sz="1300" b="1" kern="1200" dirty="0"/>
-            <a:t>SANAL GERÇEKLİK [VR], ARTIRILMIŞ VE SANAL GERÇEKLİK KARŞILAŞTIRMASI</a:t>
+            <a:rPr lang="tr-TR" sz="1000" b="1" kern="1200" dirty="0"/>
+            <a:t>ARTIRILMIŞ GERÇEKLİK SİSTEMLERİ, UZAMSAL TİP ÖRNEKLERİ, OPTİK TEMELLİ GERÇEKLİK, VİDEO TEMELLİ GERÇEKLİK</a:t>
           </a:r>
+        </a:p>
+        <a:p>
+          <a:pPr marL="0" lvl="0" indent="0" algn="ctr" defTabSz="444500">
+            <a:lnSpc>
+              <a:spcPct val="90000"/>
+            </a:lnSpc>
+            <a:spcBef>
+              <a:spcPct val="0"/>
+            </a:spcBef>
+            <a:spcAft>
+              <a:spcPct val="35000"/>
+            </a:spcAft>
+            <a:buNone/>
+          </a:pPr>
           <a:br>
-            <a:rPr lang="tr-TR" sz="1300" kern="1200" dirty="0"/>
+            <a:rPr lang="tr-TR" sz="1000" kern="1200" dirty="0"/>
           </a:br>
           <a:r>
-            <a:rPr lang="tr-TR" sz="1300" kern="1200" dirty="0"/>
-            <a:t>İBRAHİM ÖZTEPE</a:t>
+            <a:rPr lang="tr-TR" sz="1000" kern="1200" dirty="0"/>
+            <a:t>GÜRBÜZ YUSUF ÖZORHAN</a:t>
           </a:r>
         </a:p>
       </dsp:txBody>
       <dsp:txXfrm>
-        <a:off x="4595594" y="2189479"/>
-        <a:ext cx="1458123" cy="1459653"/>
+        <a:off x="4199221" y="2384972"/>
+        <a:ext cx="1332822" cy="1589981"/>
       </dsp:txXfrm>
     </dsp:sp>
-    <dsp:sp modelId="{1DDC5609-5502-415B-8D43-E470D8313D48}">
+    <dsp:sp modelId="{131E6619-CF1C-494C-84BE-E6F430175D72}">
       <dsp:nvSpPr>
         <dsp:cNvPr id="0" name=""/>
         <dsp:cNvSpPr/>
       </dsp:nvSpPr>
       <dsp:spPr>
         <a:xfrm>
-          <a:off x="5142199" y="1642109"/>
-          <a:ext cx="364913" cy="364913"/>
+          <a:off x="4666884" y="1788729"/>
+          <a:ext cx="397495" cy="397495"/>
         </a:xfrm>
         <a:prstGeom prst="ellipse">
           <a:avLst/>
@@ -1855,15 +3054,15 @@
         </a:fontRef>
       </dsp:style>
     </dsp:sp>
-    <dsp:sp modelId="{8985376C-2D71-4F44-90EE-2F5B3CA3CBE5}">
+    <dsp:sp modelId="{D87307D0-7188-448B-9156-783E5FBC7017}">
       <dsp:nvSpPr>
         <dsp:cNvPr id="0" name=""/>
         <dsp:cNvSpPr/>
       </dsp:nvSpPr>
       <dsp:spPr>
         <a:xfrm>
-          <a:off x="6126624" y="0"/>
-          <a:ext cx="1458123" cy="1459653"/>
+          <a:off x="5598684" y="0"/>
+          <a:ext cx="1332822" cy="1589981"/>
         </a:xfrm>
         <a:prstGeom prst="rect">
           <a:avLst/>
@@ -1887,12 +3086,12 @@
         <a:fontRef idx="minor"/>
       </dsp:style>
       <dsp:txBody>
-        <a:bodyPr spcFirstLastPara="0" vert="horz" wrap="square" lIns="92456" tIns="92456" rIns="92456" bIns="92456" numCol="1" spcCol="1270" anchor="b" anchorCtr="0">
+        <a:bodyPr spcFirstLastPara="0" vert="horz" wrap="square" lIns="71120" tIns="71120" rIns="71120" bIns="71120" numCol="1" spcCol="1270" anchor="b" anchorCtr="0">
           <a:noAutofit/>
         </a:bodyPr>
         <a:lstStyle/>
         <a:p>
-          <a:pPr marL="0" lvl="0" indent="0" algn="ctr" defTabSz="577850">
+          <a:pPr marL="0" lvl="0" indent="0" algn="ctr" defTabSz="444500">
             <a:lnSpc>
               <a:spcPct val="90000"/>
             </a:lnSpc>
@@ -1905,25 +3104,46 @@
             <a:buNone/>
           </a:pPr>
           <a:r>
-            <a:rPr lang="tr-TR" sz="1300" b="1" kern="1200" dirty="0"/>
-            <a:t>ETKİNLİK &amp; VİDEO İÇERİĞİ</a:t>
+            <a:rPr lang="tr-TR" sz="1000" b="1" kern="1200" dirty="0"/>
+            <a:t>SANAL GERÇEKLİK [VR], METAVERSE KAVRAMI,  ARTIRILMIŞ VE SANAL GERÇEKLİK KARŞILAŞTIRMASI, ARTIRILMIŞ GERÇEKLİK VE SANAL GERÇEKLİĞİ ANLAYALIM</a:t>
+          </a:r>
+        </a:p>
+        <a:p>
+          <a:pPr marL="0" lvl="0" indent="0" algn="ctr" defTabSz="444500">
+            <a:lnSpc>
+              <a:spcPct val="90000"/>
+            </a:lnSpc>
+            <a:spcBef>
+              <a:spcPct val="0"/>
+            </a:spcBef>
+            <a:spcAft>
+              <a:spcPct val="35000"/>
+            </a:spcAft>
+            <a:buNone/>
+          </a:pPr>
+          <a:br>
+            <a:rPr lang="tr-TR" sz="1000" kern="1200" dirty="0"/>
+          </a:br>
+          <a:r>
+            <a:rPr lang="tr-TR" sz="1000" kern="1200" dirty="0"/>
+            <a:t>İBRAHİM ÖZTEPE</a:t>
           </a:r>
         </a:p>
       </dsp:txBody>
       <dsp:txXfrm>
-        <a:off x="6126624" y="0"/>
-        <a:ext cx="1458123" cy="1459653"/>
+        <a:off x="5598684" y="0"/>
+        <a:ext cx="1332822" cy="1589981"/>
       </dsp:txXfrm>
     </dsp:sp>
-    <dsp:sp modelId="{D27304E9-073F-495B-9702-2EF2DBA30702}">
+    <dsp:sp modelId="{9CBF19F9-0428-4F9F-B523-3F670971ED31}">
       <dsp:nvSpPr>
         <dsp:cNvPr id="0" name=""/>
         <dsp:cNvSpPr/>
       </dsp:nvSpPr>
       <dsp:spPr>
         <a:xfrm>
-          <a:off x="6673229" y="1642109"/>
-          <a:ext cx="364913" cy="364913"/>
+          <a:off x="6066347" y="1788729"/>
+          <a:ext cx="397495" cy="397495"/>
         </a:xfrm>
         <a:prstGeom prst="ellipse">
           <a:avLst/>
@@ -1963,15 +3183,15 @@
         </a:fontRef>
       </dsp:style>
     </dsp:sp>
-    <dsp:sp modelId="{54A0F389-1E2A-4158-BDC9-15E8055CB1A4}">
+    <dsp:sp modelId="{A254C62D-5748-468F-939F-ACB671165AB3}">
       <dsp:nvSpPr>
         <dsp:cNvPr id="0" name=""/>
         <dsp:cNvSpPr/>
       </dsp:nvSpPr>
       <dsp:spPr>
         <a:xfrm>
-          <a:off x="7657654" y="2189479"/>
-          <a:ext cx="1458123" cy="1459653"/>
+          <a:off x="6998147" y="2384972"/>
+          <a:ext cx="1332822" cy="1589981"/>
         </a:xfrm>
         <a:prstGeom prst="rect">
           <a:avLst/>
@@ -1995,12 +3215,12 @@
         <a:fontRef idx="minor"/>
       </dsp:style>
       <dsp:txBody>
-        <a:bodyPr spcFirstLastPara="0" vert="horz" wrap="square" lIns="92456" tIns="92456" rIns="92456" bIns="92456" numCol="1" spcCol="1270" anchor="t" anchorCtr="0">
+        <a:bodyPr spcFirstLastPara="0" vert="horz" wrap="square" lIns="71120" tIns="71120" rIns="71120" bIns="71120" numCol="1" spcCol="1270" anchor="t" anchorCtr="0">
           <a:noAutofit/>
         </a:bodyPr>
         <a:lstStyle/>
         <a:p>
-          <a:pPr marL="0" lvl="0" indent="0" algn="ctr" defTabSz="577850">
+          <a:pPr marL="0" lvl="0" indent="0" algn="ctr" defTabSz="444500">
             <a:lnSpc>
               <a:spcPct val="90000"/>
             </a:lnSpc>
@@ -2013,25 +3233,25 @@
             <a:buNone/>
           </a:pPr>
           <a:r>
-            <a:rPr lang="tr-TR" sz="1300" b="1" kern="1200" dirty="0"/>
-            <a:t>BİTİŞ</a:t>
+            <a:rPr lang="tr-TR" sz="1000" b="1" kern="1200" dirty="0"/>
+            <a:t>KONU İLE İLGİLİ ETKİNLİK</a:t>
           </a:r>
         </a:p>
       </dsp:txBody>
       <dsp:txXfrm>
-        <a:off x="7657654" y="2189479"/>
-        <a:ext cx="1458123" cy="1459653"/>
+        <a:off x="6998147" y="2384972"/>
+        <a:ext cx="1332822" cy="1589981"/>
       </dsp:txXfrm>
     </dsp:sp>
-    <dsp:sp modelId="{A83C5226-592D-4221-BAB0-5E591ADA0857}">
+    <dsp:sp modelId="{826B70E7-B62C-4D1B-905F-4920D75B682C}">
       <dsp:nvSpPr>
         <dsp:cNvPr id="0" name=""/>
         <dsp:cNvSpPr/>
       </dsp:nvSpPr>
       <dsp:spPr>
         <a:xfrm>
-          <a:off x="8204259" y="1642109"/>
-          <a:ext cx="364913" cy="364913"/>
+          <a:off x="7465810" y="1788729"/>
+          <a:ext cx="397495" cy="397495"/>
         </a:xfrm>
         <a:prstGeom prst="ellipse">
           <a:avLst/>
@@ -2070,6 +3290,599 @@
           <a:schemeClr val="lt1"/>
         </a:fontRef>
       </dsp:style>
+    </dsp:sp>
+    <dsp:sp modelId="{09FD50EA-8632-42DD-B9F1-D6EB084AF6BD}">
+      <dsp:nvSpPr>
+        <dsp:cNvPr id="0" name=""/>
+        <dsp:cNvSpPr/>
+      </dsp:nvSpPr>
+      <dsp:spPr>
+        <a:xfrm>
+          <a:off x="8397610" y="0"/>
+          <a:ext cx="1332822" cy="1589981"/>
+        </a:xfrm>
+        <a:prstGeom prst="rect">
+          <a:avLst/>
+        </a:prstGeom>
+        <a:noFill/>
+        <a:ln>
+          <a:noFill/>
+        </a:ln>
+        <a:effectLst/>
+      </dsp:spPr>
+      <dsp:style>
+        <a:lnRef idx="0">
+          <a:scrgbClr r="0" g="0" b="0"/>
+        </a:lnRef>
+        <a:fillRef idx="0">
+          <a:scrgbClr r="0" g="0" b="0"/>
+        </a:fillRef>
+        <a:effectRef idx="0">
+          <a:scrgbClr r="0" g="0" b="0"/>
+        </a:effectRef>
+        <a:fontRef idx="minor"/>
+      </dsp:style>
+      <dsp:txBody>
+        <a:bodyPr spcFirstLastPara="0" vert="horz" wrap="square" lIns="71120" tIns="71120" rIns="71120" bIns="71120" numCol="1" spcCol="1270" anchor="b" anchorCtr="0">
+          <a:noAutofit/>
+        </a:bodyPr>
+        <a:lstStyle/>
+        <a:p>
+          <a:pPr marL="0" lvl="0" indent="0" algn="ctr" defTabSz="444500">
+            <a:lnSpc>
+              <a:spcPct val="90000"/>
+            </a:lnSpc>
+            <a:spcBef>
+              <a:spcPct val="0"/>
+            </a:spcBef>
+            <a:spcAft>
+              <a:spcPct val="35000"/>
+            </a:spcAft>
+            <a:buNone/>
+          </a:pPr>
+          <a:r>
+            <a:rPr lang="tr-TR" sz="1000" b="1" kern="1200" dirty="0"/>
+            <a:t>BİTİŞ</a:t>
+          </a:r>
+        </a:p>
+      </dsp:txBody>
+      <dsp:txXfrm>
+        <a:off x="8397610" y="0"/>
+        <a:ext cx="1332822" cy="1589981"/>
+      </dsp:txXfrm>
+    </dsp:sp>
+    <dsp:sp modelId="{A85A0308-1034-462C-80F9-38F63298FE49}">
+      <dsp:nvSpPr>
+        <dsp:cNvPr id="0" name=""/>
+        <dsp:cNvSpPr/>
+      </dsp:nvSpPr>
+      <dsp:spPr>
+        <a:xfrm>
+          <a:off x="8865274" y="1788729"/>
+          <a:ext cx="397495" cy="397495"/>
+        </a:xfrm>
+        <a:prstGeom prst="ellipse">
+          <a:avLst/>
+        </a:prstGeom>
+        <a:solidFill>
+          <a:schemeClr val="accent1">
+            <a:hueOff val="0"/>
+            <a:satOff val="0"/>
+            <a:lumOff val="0"/>
+            <a:alphaOff val="0"/>
+          </a:schemeClr>
+        </a:solidFill>
+        <a:ln>
+          <a:noFill/>
+        </a:ln>
+        <a:effectLst/>
+        <a:scene3d>
+          <a:camera prst="orthographicFront"/>
+          <a:lightRig rig="chilly" dir="t"/>
+        </a:scene3d>
+        <a:sp3d prstMaterial="translucentPowder">
+          <a:bevelT w="127000" h="25400" prst="softRound"/>
+        </a:sp3d>
+      </dsp:spPr>
+      <dsp:style>
+        <a:lnRef idx="0">
+          <a:scrgbClr r="0" g="0" b="0"/>
+        </a:lnRef>
+        <a:fillRef idx="1">
+          <a:scrgbClr r="0" g="0" b="0"/>
+        </a:fillRef>
+        <a:effectRef idx="0">
+          <a:scrgbClr r="0" g="0" b="0"/>
+        </a:effectRef>
+        <a:fontRef idx="minor">
+          <a:schemeClr val="lt1"/>
+        </a:fontRef>
+      </dsp:style>
+    </dsp:sp>
+  </dsp:spTree>
+</dsp:drawing>
+</file>
+
+<file path=ppt/diagrams/drawing2.xml><?xml version="1.0" encoding="utf-8"?>
+<dsp:drawing xmlns:dgm="http://schemas.openxmlformats.org/drawingml/2006/diagram" xmlns:dsp="http://schemas.microsoft.com/office/drawing/2008/diagram" xmlns:a="http://schemas.openxmlformats.org/drawingml/2006/main">
+  <dsp:spTree>
+    <dsp:nvGrpSpPr>
+      <dsp:cNvPr id="0" name=""/>
+      <dsp:cNvGrpSpPr/>
+    </dsp:nvGrpSpPr>
+    <dsp:grpSpPr/>
+    <dsp:sp modelId="{78E47064-3C8E-400D-8806-5F4C38DA8DE2}">
+      <dsp:nvSpPr>
+        <dsp:cNvPr id="0" name=""/>
+        <dsp:cNvSpPr/>
+      </dsp:nvSpPr>
+      <dsp:spPr>
+        <a:xfrm rot="5400000">
+          <a:off x="6418972" y="-2652279"/>
+          <a:ext cx="940792" cy="6484112"/>
+        </a:xfrm>
+        <a:prstGeom prst="round2SameRect">
+          <a:avLst/>
+        </a:prstGeom>
+        <a:solidFill>
+          <a:schemeClr val="accent1">
+            <a:alpha val="90000"/>
+            <a:tint val="40000"/>
+            <a:hueOff val="0"/>
+            <a:satOff val="0"/>
+            <a:lumOff val="0"/>
+            <a:alphaOff val="0"/>
+          </a:schemeClr>
+        </a:solidFill>
+        <a:ln w="19050" cap="rnd" cmpd="sng" algn="ctr">
+          <a:solidFill>
+            <a:schemeClr val="accent1">
+              <a:alpha val="90000"/>
+              <a:tint val="40000"/>
+              <a:hueOff val="0"/>
+              <a:satOff val="0"/>
+              <a:lumOff val="0"/>
+              <a:alphaOff val="0"/>
+            </a:schemeClr>
+          </a:solidFill>
+          <a:prstDash val="solid"/>
+        </a:ln>
+        <a:effectLst/>
+      </dsp:spPr>
+      <dsp:style>
+        <a:lnRef idx="2">
+          <a:scrgbClr r="0" g="0" b="0"/>
+        </a:lnRef>
+        <a:fillRef idx="1">
+          <a:scrgbClr r="0" g="0" b="0"/>
+        </a:fillRef>
+        <a:effectRef idx="0">
+          <a:scrgbClr r="0" g="0" b="0"/>
+        </a:effectRef>
+        <a:fontRef idx="minor"/>
+      </dsp:style>
+      <dsp:txBody>
+        <a:bodyPr spcFirstLastPara="0" vert="horz" wrap="square" lIns="53340" tIns="26670" rIns="53340" bIns="26670" numCol="1" spcCol="1270" anchor="ctr" anchorCtr="0">
+          <a:noAutofit/>
+        </a:bodyPr>
+        <a:lstStyle/>
+        <a:p>
+          <a:pPr marL="114300" lvl="1" indent="-114300" algn="l" defTabSz="622300">
+            <a:lnSpc>
+              <a:spcPct val="90000"/>
+            </a:lnSpc>
+            <a:spcBef>
+              <a:spcPct val="0"/>
+            </a:spcBef>
+            <a:spcAft>
+              <a:spcPct val="15000"/>
+            </a:spcAft>
+            <a:buChar char="•"/>
+          </a:pPr>
+          <a:r>
+            <a:rPr lang="tr-TR" sz="1400" b="0" i="0" kern="1200" dirty="0"/>
+            <a:t>Başa monte edilen Artırılmış Gerçeklik görüntüleyiciler doğrudan gerçek ortam ile bağlantı kurulmasını sağlar. Bu tip sistemler geçmişten günümüze yapılan geliştirmelerle daha kullanışlı hale gelmişlerdir. Geliştirilen baş tipi görüntüleyici modellerinden bazıları ekranda görülmektedir.</a:t>
+          </a:r>
+          <a:endParaRPr lang="tr-TR" sz="1400" kern="1200" dirty="0"/>
+        </a:p>
+      </dsp:txBody>
+      <dsp:txXfrm rot="-5400000">
+        <a:off x="3647312" y="165307"/>
+        <a:ext cx="6438186" cy="848940"/>
+      </dsp:txXfrm>
+    </dsp:sp>
+    <dsp:sp modelId="{8A26FEFF-2895-4A97-8076-6BF88EE7F089}">
+      <dsp:nvSpPr>
+        <dsp:cNvPr id="0" name=""/>
+        <dsp:cNvSpPr/>
+      </dsp:nvSpPr>
+      <dsp:spPr>
+        <a:xfrm>
+          <a:off x="0" y="1781"/>
+          <a:ext cx="3647313" cy="1175990"/>
+        </a:xfrm>
+        <a:prstGeom prst="roundRect">
+          <a:avLst/>
+        </a:prstGeom>
+        <a:solidFill>
+          <a:schemeClr val="accent1">
+            <a:hueOff val="0"/>
+            <a:satOff val="0"/>
+            <a:lumOff val="0"/>
+            <a:alphaOff val="0"/>
+          </a:schemeClr>
+        </a:solidFill>
+        <a:ln w="19050" cap="rnd" cmpd="sng" algn="ctr">
+          <a:solidFill>
+            <a:schemeClr val="lt1">
+              <a:hueOff val="0"/>
+              <a:satOff val="0"/>
+              <a:lumOff val="0"/>
+              <a:alphaOff val="0"/>
+            </a:schemeClr>
+          </a:solidFill>
+          <a:prstDash val="solid"/>
+        </a:ln>
+        <a:effectLst/>
+      </dsp:spPr>
+      <dsp:style>
+        <a:lnRef idx="2">
+          <a:scrgbClr r="0" g="0" b="0"/>
+        </a:lnRef>
+        <a:fillRef idx="1">
+          <a:scrgbClr r="0" g="0" b="0"/>
+        </a:fillRef>
+        <a:effectRef idx="0">
+          <a:scrgbClr r="0" g="0" b="0"/>
+        </a:effectRef>
+        <a:fontRef idx="minor">
+          <a:schemeClr val="lt1"/>
+        </a:fontRef>
+      </dsp:style>
+      <dsp:txBody>
+        <a:bodyPr spcFirstLastPara="0" vert="horz" wrap="square" lIns="125730" tIns="62865" rIns="125730" bIns="62865" numCol="1" spcCol="1270" anchor="ctr" anchorCtr="0">
+          <a:noAutofit/>
+        </a:bodyPr>
+        <a:lstStyle/>
+        <a:p>
+          <a:pPr marL="0" lvl="0" indent="0" algn="ctr" defTabSz="1466850">
+            <a:lnSpc>
+              <a:spcPct val="90000"/>
+            </a:lnSpc>
+            <a:spcBef>
+              <a:spcPct val="0"/>
+            </a:spcBef>
+            <a:spcAft>
+              <a:spcPct val="35000"/>
+            </a:spcAft>
+            <a:buNone/>
+          </a:pPr>
+          <a:r>
+            <a:rPr lang="it-IT" sz="3300" b="0" i="0" kern="1200" dirty="0"/>
+            <a:t>Baş Tipi (Başa monte edilen)</a:t>
+          </a:r>
+          <a:endParaRPr lang="tr-TR" sz="3300" kern="1200" dirty="0"/>
+        </a:p>
+      </dsp:txBody>
+      <dsp:txXfrm>
+        <a:off x="57407" y="59188"/>
+        <a:ext cx="3532499" cy="1061176"/>
+      </dsp:txXfrm>
+    </dsp:sp>
+    <dsp:sp modelId="{35F351CF-6C97-4403-B59C-BBE9F86222A2}">
+      <dsp:nvSpPr>
+        <dsp:cNvPr id="0" name=""/>
+        <dsp:cNvSpPr/>
+      </dsp:nvSpPr>
+      <dsp:spPr>
+        <a:xfrm rot="5400000">
+          <a:off x="6418972" y="-1417489"/>
+          <a:ext cx="940792" cy="6484112"/>
+        </a:xfrm>
+        <a:prstGeom prst="round2SameRect">
+          <a:avLst/>
+        </a:prstGeom>
+        <a:solidFill>
+          <a:schemeClr val="accent1">
+            <a:alpha val="90000"/>
+            <a:tint val="40000"/>
+            <a:hueOff val="0"/>
+            <a:satOff val="0"/>
+            <a:lumOff val="0"/>
+            <a:alphaOff val="0"/>
+          </a:schemeClr>
+        </a:solidFill>
+        <a:ln w="19050" cap="rnd" cmpd="sng" algn="ctr">
+          <a:solidFill>
+            <a:schemeClr val="accent1">
+              <a:alpha val="90000"/>
+              <a:tint val="40000"/>
+              <a:hueOff val="0"/>
+              <a:satOff val="0"/>
+              <a:lumOff val="0"/>
+              <a:alphaOff val="0"/>
+            </a:schemeClr>
+          </a:solidFill>
+          <a:prstDash val="solid"/>
+        </a:ln>
+        <a:effectLst/>
+      </dsp:spPr>
+      <dsp:style>
+        <a:lnRef idx="2">
+          <a:scrgbClr r="0" g="0" b="0"/>
+        </a:lnRef>
+        <a:fillRef idx="1">
+          <a:scrgbClr r="0" g="0" b="0"/>
+        </a:fillRef>
+        <a:effectRef idx="0">
+          <a:scrgbClr r="0" g="0" b="0"/>
+        </a:effectRef>
+        <a:fontRef idx="minor"/>
+      </dsp:style>
+      <dsp:txBody>
+        <a:bodyPr spcFirstLastPara="0" vert="horz" wrap="square" lIns="53340" tIns="26670" rIns="53340" bIns="26670" numCol="1" spcCol="1270" anchor="ctr" anchorCtr="0">
+          <a:noAutofit/>
+        </a:bodyPr>
+        <a:lstStyle/>
+        <a:p>
+          <a:pPr marL="114300" lvl="1" indent="-114300" algn="l" defTabSz="622300">
+            <a:lnSpc>
+              <a:spcPct val="90000"/>
+            </a:lnSpc>
+            <a:spcBef>
+              <a:spcPct val="0"/>
+            </a:spcBef>
+            <a:spcAft>
+              <a:spcPct val="15000"/>
+            </a:spcAft>
+            <a:buChar char="•"/>
+          </a:pPr>
+          <a:r>
+            <a:rPr lang="tr-TR" sz="1400" b="0" i="0" kern="1200" dirty="0"/>
+            <a:t>Elde taşınan görüntüleyici tiplerinin video, optik ve projektör görüntüleyiciler şeklinde üç türü bulunmaktadır. Bu tip görüntüleyicilerin son zamanlarda Artırılmış Gerçekliğin günlük yaşamda kullanımında oldukça büyük bir etkisi olmuştur.</a:t>
+          </a:r>
+          <a:endParaRPr lang="tr-TR" sz="1400" kern="1200" dirty="0"/>
+        </a:p>
+      </dsp:txBody>
+      <dsp:txXfrm rot="-5400000">
+        <a:off x="3647312" y="1400097"/>
+        <a:ext cx="6438186" cy="848940"/>
+      </dsp:txXfrm>
+    </dsp:sp>
+    <dsp:sp modelId="{9CABC217-3E03-45AF-BE5E-41563827003E}">
+      <dsp:nvSpPr>
+        <dsp:cNvPr id="0" name=""/>
+        <dsp:cNvSpPr/>
+      </dsp:nvSpPr>
+      <dsp:spPr>
+        <a:xfrm>
+          <a:off x="0" y="1236571"/>
+          <a:ext cx="3647313" cy="1175990"/>
+        </a:xfrm>
+        <a:prstGeom prst="roundRect">
+          <a:avLst/>
+        </a:prstGeom>
+        <a:solidFill>
+          <a:schemeClr val="accent1">
+            <a:hueOff val="0"/>
+            <a:satOff val="0"/>
+            <a:lumOff val="0"/>
+            <a:alphaOff val="0"/>
+          </a:schemeClr>
+        </a:solidFill>
+        <a:ln w="19050" cap="rnd" cmpd="sng" algn="ctr">
+          <a:solidFill>
+            <a:schemeClr val="lt1">
+              <a:hueOff val="0"/>
+              <a:satOff val="0"/>
+              <a:lumOff val="0"/>
+              <a:alphaOff val="0"/>
+            </a:schemeClr>
+          </a:solidFill>
+          <a:prstDash val="solid"/>
+        </a:ln>
+        <a:effectLst/>
+      </dsp:spPr>
+      <dsp:style>
+        <a:lnRef idx="2">
+          <a:scrgbClr r="0" g="0" b="0"/>
+        </a:lnRef>
+        <a:fillRef idx="1">
+          <a:scrgbClr r="0" g="0" b="0"/>
+        </a:fillRef>
+        <a:effectRef idx="0">
+          <a:scrgbClr r="0" g="0" b="0"/>
+        </a:effectRef>
+        <a:fontRef idx="minor">
+          <a:schemeClr val="lt1"/>
+        </a:fontRef>
+      </dsp:style>
+      <dsp:txBody>
+        <a:bodyPr spcFirstLastPara="0" vert="horz" wrap="square" lIns="125730" tIns="62865" rIns="125730" bIns="62865" numCol="1" spcCol="1270" anchor="ctr" anchorCtr="0">
+          <a:noAutofit/>
+        </a:bodyPr>
+        <a:lstStyle/>
+        <a:p>
+          <a:pPr marL="0" lvl="0" indent="0" algn="ctr" defTabSz="1466850">
+            <a:lnSpc>
+              <a:spcPct val="90000"/>
+            </a:lnSpc>
+            <a:spcBef>
+              <a:spcPct val="0"/>
+            </a:spcBef>
+            <a:spcAft>
+              <a:spcPct val="35000"/>
+            </a:spcAft>
+            <a:buNone/>
+          </a:pPr>
+          <a:r>
+            <a:rPr lang="tr-TR" sz="3300" b="0" i="0" kern="1200" dirty="0"/>
+            <a:t>El Tipi (Taşınabilir)</a:t>
+          </a:r>
+          <a:endParaRPr lang="tr-TR" sz="3300" kern="1200" dirty="0"/>
+        </a:p>
+      </dsp:txBody>
+      <dsp:txXfrm>
+        <a:off x="57407" y="1293978"/>
+        <a:ext cx="3532499" cy="1061176"/>
+      </dsp:txXfrm>
+    </dsp:sp>
+    <dsp:sp modelId="{C2D7ECA8-F34B-49F9-846C-65C645725903}">
+      <dsp:nvSpPr>
+        <dsp:cNvPr id="0" name=""/>
+        <dsp:cNvSpPr/>
+      </dsp:nvSpPr>
+      <dsp:spPr>
+        <a:xfrm rot="5400000">
+          <a:off x="6407009" y="-170736"/>
+          <a:ext cx="940792" cy="6460185"/>
+        </a:xfrm>
+        <a:prstGeom prst="round2SameRect">
+          <a:avLst/>
+        </a:prstGeom>
+        <a:solidFill>
+          <a:schemeClr val="accent1">
+            <a:alpha val="90000"/>
+            <a:tint val="40000"/>
+            <a:hueOff val="0"/>
+            <a:satOff val="0"/>
+            <a:lumOff val="0"/>
+            <a:alphaOff val="0"/>
+          </a:schemeClr>
+        </a:solidFill>
+        <a:ln w="19050" cap="rnd" cmpd="sng" algn="ctr">
+          <a:solidFill>
+            <a:schemeClr val="accent1">
+              <a:alpha val="90000"/>
+              <a:tint val="40000"/>
+              <a:hueOff val="0"/>
+              <a:satOff val="0"/>
+              <a:lumOff val="0"/>
+              <a:alphaOff val="0"/>
+            </a:schemeClr>
+          </a:solidFill>
+          <a:prstDash val="solid"/>
+        </a:ln>
+        <a:effectLst/>
+      </dsp:spPr>
+      <dsp:style>
+        <a:lnRef idx="2">
+          <a:scrgbClr r="0" g="0" b="0"/>
+        </a:lnRef>
+        <a:fillRef idx="1">
+          <a:scrgbClr r="0" g="0" b="0"/>
+        </a:fillRef>
+        <a:effectRef idx="0">
+          <a:scrgbClr r="0" g="0" b="0"/>
+        </a:effectRef>
+        <a:fontRef idx="minor"/>
+      </dsp:style>
+      <dsp:txBody>
+        <a:bodyPr spcFirstLastPara="0" vert="horz" wrap="square" lIns="53340" tIns="26670" rIns="53340" bIns="26670" numCol="1" spcCol="1270" anchor="ctr" anchorCtr="0">
+          <a:noAutofit/>
+        </a:bodyPr>
+        <a:lstStyle/>
+        <a:p>
+          <a:pPr marL="114300" lvl="1" indent="-114300" algn="l" defTabSz="622300">
+            <a:lnSpc>
+              <a:spcPct val="90000"/>
+            </a:lnSpc>
+            <a:spcBef>
+              <a:spcPct val="0"/>
+            </a:spcBef>
+            <a:spcAft>
+              <a:spcPct val="15000"/>
+            </a:spcAft>
+            <a:buChar char="•"/>
+          </a:pPr>
+          <a:r>
+            <a:rPr lang="tr-TR" sz="1400" kern="1200" dirty="0"/>
+            <a:t>Genellikle eğitimde kullanılan artırılmış gerçeklik türüdür. </a:t>
+          </a:r>
+        </a:p>
+      </dsp:txBody>
+      <dsp:txXfrm rot="-5400000">
+        <a:off x="3647313" y="2634886"/>
+        <a:ext cx="6414259" cy="848940"/>
+      </dsp:txXfrm>
+    </dsp:sp>
+    <dsp:sp modelId="{62FC8B3C-7838-4407-AE4A-CBC6EB0CEF15}">
+      <dsp:nvSpPr>
+        <dsp:cNvPr id="0" name=""/>
+        <dsp:cNvSpPr/>
+      </dsp:nvSpPr>
+      <dsp:spPr>
+        <a:xfrm>
+          <a:off x="0" y="2471361"/>
+          <a:ext cx="3647313" cy="1175990"/>
+        </a:xfrm>
+        <a:prstGeom prst="roundRect">
+          <a:avLst/>
+        </a:prstGeom>
+        <a:solidFill>
+          <a:schemeClr val="accent1">
+            <a:hueOff val="0"/>
+            <a:satOff val="0"/>
+            <a:lumOff val="0"/>
+            <a:alphaOff val="0"/>
+          </a:schemeClr>
+        </a:solidFill>
+        <a:ln w="19050" cap="rnd" cmpd="sng" algn="ctr">
+          <a:solidFill>
+            <a:schemeClr val="lt1">
+              <a:hueOff val="0"/>
+              <a:satOff val="0"/>
+              <a:lumOff val="0"/>
+              <a:alphaOff val="0"/>
+            </a:schemeClr>
+          </a:solidFill>
+          <a:prstDash val="solid"/>
+        </a:ln>
+        <a:effectLst/>
+      </dsp:spPr>
+      <dsp:style>
+        <a:lnRef idx="2">
+          <a:scrgbClr r="0" g="0" b="0"/>
+        </a:lnRef>
+        <a:fillRef idx="1">
+          <a:scrgbClr r="0" g="0" b="0"/>
+        </a:fillRef>
+        <a:effectRef idx="0">
+          <a:scrgbClr r="0" g="0" b="0"/>
+        </a:effectRef>
+        <a:fontRef idx="minor">
+          <a:schemeClr val="lt1"/>
+        </a:fontRef>
+      </dsp:style>
+      <dsp:txBody>
+        <a:bodyPr spcFirstLastPara="0" vert="horz" wrap="square" lIns="125730" tIns="62865" rIns="125730" bIns="62865" numCol="1" spcCol="1270" anchor="ctr" anchorCtr="0">
+          <a:noAutofit/>
+        </a:bodyPr>
+        <a:lstStyle/>
+        <a:p>
+          <a:pPr marL="0" lvl="0" indent="0" algn="ctr" defTabSz="1466850">
+            <a:lnSpc>
+              <a:spcPct val="90000"/>
+            </a:lnSpc>
+            <a:spcBef>
+              <a:spcPct val="0"/>
+            </a:spcBef>
+            <a:spcAft>
+              <a:spcPct val="35000"/>
+            </a:spcAft>
+            <a:buNone/>
+          </a:pPr>
+          <a:r>
+            <a:rPr lang="tr-TR" sz="3300" b="0" i="0" kern="1200" dirty="0"/>
+            <a:t>Uzamsal Tip</a:t>
+          </a:r>
+          <a:endParaRPr lang="tr-TR" sz="3300" kern="1200" dirty="0"/>
+        </a:p>
+      </dsp:txBody>
+      <dsp:txXfrm>
+        <a:off x="57407" y="2528768"/>
+        <a:ext cx="3532499" cy="1061176"/>
+      </dsp:txXfrm>
     </dsp:sp>
   </dsp:spTree>
 </dsp:drawing>
@@ -2347,6 +4160,239 @@
 </dgm:layoutDef>
 </file>
 
+<file path=ppt/diagrams/layout2.xml><?xml version="1.0" encoding="utf-8"?>
+<dgm:layoutDef xmlns:dgm="http://schemas.openxmlformats.org/drawingml/2006/diagram" xmlns:a="http://schemas.openxmlformats.org/drawingml/2006/main" uniqueId="urn:microsoft.com/office/officeart/2005/8/layout/vList5">
+  <dgm:title val=""/>
+  <dgm:desc val=""/>
+  <dgm:catLst>
+    <dgm:cat type="list" pri="15000"/>
+    <dgm:cat type="convert" pri="2000"/>
+  </dgm:catLst>
+  <dgm:sampData>
+    <dgm:dataModel>
+      <dgm:ptLst>
+        <dgm:pt modelId="0" type="doc"/>
+        <dgm:pt modelId="1">
+          <dgm:prSet phldr="1"/>
+        </dgm:pt>
+        <dgm:pt modelId="11">
+          <dgm:prSet phldr="1"/>
+        </dgm:pt>
+        <dgm:pt modelId="12">
+          <dgm:prSet phldr="1"/>
+        </dgm:pt>
+        <dgm:pt modelId="2">
+          <dgm:prSet phldr="1"/>
+        </dgm:pt>
+        <dgm:pt modelId="21">
+          <dgm:prSet phldr="1"/>
+        </dgm:pt>
+        <dgm:pt modelId="22">
+          <dgm:prSet phldr="1"/>
+        </dgm:pt>
+        <dgm:pt modelId="3">
+          <dgm:prSet phldr="1"/>
+        </dgm:pt>
+        <dgm:pt modelId="31">
+          <dgm:prSet phldr="1"/>
+        </dgm:pt>
+        <dgm:pt modelId="32">
+          <dgm:prSet phldr="1"/>
+        </dgm:pt>
+      </dgm:ptLst>
+      <dgm:cxnLst>
+        <dgm:cxn modelId="4" srcId="0" destId="1" srcOrd="0" destOrd="0"/>
+        <dgm:cxn modelId="5" srcId="0" destId="2" srcOrd="1" destOrd="0"/>
+        <dgm:cxn modelId="6" srcId="0" destId="3" srcOrd="2" destOrd="0"/>
+        <dgm:cxn modelId="13" srcId="1" destId="11" srcOrd="0" destOrd="0"/>
+        <dgm:cxn modelId="14" srcId="1" destId="12" srcOrd="1" destOrd="0"/>
+        <dgm:cxn modelId="23" srcId="2" destId="21" srcOrd="0" destOrd="0"/>
+        <dgm:cxn modelId="24" srcId="2" destId="22" srcOrd="1" destOrd="0"/>
+        <dgm:cxn modelId="33" srcId="3" destId="31" srcOrd="0" destOrd="0"/>
+        <dgm:cxn modelId="34" srcId="3" destId="32" srcOrd="1" destOrd="0"/>
+      </dgm:cxnLst>
+      <dgm:bg/>
+      <dgm:whole/>
+    </dgm:dataModel>
+  </dgm:sampData>
+  <dgm:styleData>
+    <dgm:dataModel>
+      <dgm:ptLst>
+        <dgm:pt modelId="0" type="doc"/>
+        <dgm:pt modelId="1"/>
+        <dgm:pt modelId="11"/>
+        <dgm:pt modelId="2"/>
+        <dgm:pt modelId="21"/>
+      </dgm:ptLst>
+      <dgm:cxnLst>
+        <dgm:cxn modelId="4" srcId="0" destId="1" srcOrd="0" destOrd="0"/>
+        <dgm:cxn modelId="5" srcId="0" destId="2" srcOrd="1" destOrd="0"/>
+        <dgm:cxn modelId="13" srcId="1" destId="11" srcOrd="0" destOrd="0"/>
+        <dgm:cxn modelId="23" srcId="2" destId="21" srcOrd="0" destOrd="0"/>
+      </dgm:cxnLst>
+      <dgm:bg/>
+      <dgm:whole/>
+    </dgm:dataModel>
+  </dgm:styleData>
+  <dgm:clrData>
+    <dgm:dataModel>
+      <dgm:ptLst>
+        <dgm:pt modelId="0" type="doc"/>
+        <dgm:pt modelId="1"/>
+        <dgm:pt modelId="11"/>
+        <dgm:pt modelId="2"/>
+        <dgm:pt modelId="21"/>
+        <dgm:pt modelId="3"/>
+        <dgm:pt modelId="31"/>
+        <dgm:pt modelId="4"/>
+        <dgm:pt modelId="41"/>
+      </dgm:ptLst>
+      <dgm:cxnLst>
+        <dgm:cxn modelId="5" srcId="0" destId="1" srcOrd="0" destOrd="0"/>
+        <dgm:cxn modelId="6" srcId="0" destId="2" srcOrd="1" destOrd="0"/>
+        <dgm:cxn modelId="7" srcId="0" destId="3" srcOrd="2" destOrd="0"/>
+        <dgm:cxn modelId="8" srcId="0" destId="4" srcOrd="3" destOrd="0"/>
+        <dgm:cxn modelId="13" srcId="1" destId="11" srcOrd="0" destOrd="0"/>
+        <dgm:cxn modelId="23" srcId="2" destId="21" srcOrd="0" destOrd="0"/>
+        <dgm:cxn modelId="33" srcId="3" destId="31" srcOrd="0" destOrd="0"/>
+        <dgm:cxn modelId="43" srcId="4" destId="41" srcOrd="0" destOrd="0"/>
+      </dgm:cxnLst>
+      <dgm:bg/>
+      <dgm:whole/>
+    </dgm:dataModel>
+  </dgm:clrData>
+  <dgm:layoutNode name="Name0">
+    <dgm:varLst>
+      <dgm:dir/>
+      <dgm:animLvl val="lvl"/>
+      <dgm:resizeHandles val="exact"/>
+    </dgm:varLst>
+    <dgm:choose name="Name1">
+      <dgm:if name="Name2" func="var" arg="dir" op="equ" val="norm">
+        <dgm:alg type="lin">
+          <dgm:param type="linDir" val="fromT"/>
+          <dgm:param type="nodeHorzAlign" val="l"/>
+        </dgm:alg>
+      </dgm:if>
+      <dgm:else name="Name3">
+        <dgm:alg type="lin">
+          <dgm:param type="linDir" val="fromT"/>
+          <dgm:param type="nodeHorzAlign" val="r"/>
+        </dgm:alg>
+      </dgm:else>
+    </dgm:choose>
+    <dgm:shape xmlns:r="http://schemas.openxmlformats.org/officeDocument/2006/relationships" r:blip="">
+      <dgm:adjLst/>
+    </dgm:shape>
+    <dgm:presOf/>
+    <dgm:constrLst>
+      <dgm:constr type="h" for="ch" forName="linNode" refType="h"/>
+      <dgm:constr type="w" for="ch" forName="linNode" refType="w"/>
+      <dgm:constr type="h" for="ch" forName="sp" refType="h" fact="0.05"/>
+      <dgm:constr type="primFontSz" for="des" forName="parentText" op="equ" val="65"/>
+      <dgm:constr type="secFontSz" for="des" forName="descendantText" op="equ"/>
+    </dgm:constrLst>
+    <dgm:ruleLst/>
+    <dgm:forEach name="Name4" axis="ch" ptType="node">
+      <dgm:layoutNode name="linNode">
+        <dgm:choose name="Name5">
+          <dgm:if name="Name6" func="var" arg="dir" op="equ" val="norm">
+            <dgm:alg type="lin">
+              <dgm:param type="linDir" val="fromL"/>
+            </dgm:alg>
+          </dgm:if>
+          <dgm:else name="Name7">
+            <dgm:alg type="lin">
+              <dgm:param type="linDir" val="fromR"/>
+            </dgm:alg>
+          </dgm:else>
+        </dgm:choose>
+        <dgm:shape xmlns:r="http://schemas.openxmlformats.org/officeDocument/2006/relationships" r:blip="">
+          <dgm:adjLst/>
+        </dgm:shape>
+        <dgm:presOf/>
+        <dgm:constrLst>
+          <dgm:constr type="w" for="ch" forName="parentText" refType="w" fact="0.36"/>
+          <dgm:constr type="w" for="ch" forName="descendantText" refType="w" fact="0.64"/>
+          <dgm:constr type="h" for="ch" forName="parentText" refType="h"/>
+          <dgm:constr type="h" for="ch" forName="descendantText" refType="h" refFor="ch" refForName="parentText" fact="0.8"/>
+        </dgm:constrLst>
+        <dgm:ruleLst/>
+        <dgm:layoutNode name="parentText">
+          <dgm:varLst>
+            <dgm:chMax val="1"/>
+            <dgm:bulletEnabled val="1"/>
+          </dgm:varLst>
+          <dgm:alg type="tx"/>
+          <dgm:shape xmlns:r="http://schemas.openxmlformats.org/officeDocument/2006/relationships" type="roundRect" r:blip="" zOrderOff="3">
+            <dgm:adjLst/>
+          </dgm:shape>
+          <dgm:presOf axis="self" ptType="node"/>
+          <dgm:constrLst>
+            <dgm:constr type="tMarg" refType="primFontSz" fact="0.15"/>
+            <dgm:constr type="bMarg" refType="primFontSz" fact="0.15"/>
+            <dgm:constr type="lMarg" refType="primFontSz" fact="0.3"/>
+            <dgm:constr type="rMarg" refType="primFontSz" fact="0.3"/>
+          </dgm:constrLst>
+          <dgm:ruleLst>
+            <dgm:rule type="primFontSz" val="5" fact="NaN" max="NaN"/>
+          </dgm:ruleLst>
+        </dgm:layoutNode>
+        <dgm:choose name="Name8">
+          <dgm:if name="Name9" axis="ch" ptType="node" func="cnt" op="gte" val="1">
+            <dgm:layoutNode name="descendantText" styleLbl="alignAccFollowNode1">
+              <dgm:varLst>
+                <dgm:bulletEnabled val="1"/>
+              </dgm:varLst>
+              <dgm:alg type="tx">
+                <dgm:param type="stBulletLvl" val="1"/>
+                <dgm:param type="txAnchorVertCh" val="mid"/>
+              </dgm:alg>
+              <dgm:choose name="Name10">
+                <dgm:if name="Name11" func="var" arg="dir" op="equ" val="norm">
+                  <dgm:shape xmlns:r="http://schemas.openxmlformats.org/officeDocument/2006/relationships" rot="90" type="round2SameRect" r:blip="">
+                    <dgm:adjLst/>
+                  </dgm:shape>
+                </dgm:if>
+                <dgm:else name="Name12">
+                  <dgm:shape xmlns:r="http://schemas.openxmlformats.org/officeDocument/2006/relationships" rot="-90" type="round2SameRect" r:blip="">
+                    <dgm:adjLst/>
+                  </dgm:shape>
+                </dgm:else>
+              </dgm:choose>
+              <dgm:presOf axis="des" ptType="node"/>
+              <dgm:constrLst>
+                <dgm:constr type="secFontSz" val="65"/>
+                <dgm:constr type="primFontSz" refType="secFontSz"/>
+                <dgm:constr type="lMarg" refType="secFontSz" fact="0.3"/>
+                <dgm:constr type="rMarg" refType="secFontSz" fact="0.3"/>
+                <dgm:constr type="tMarg" refType="secFontSz" fact="0.15"/>
+                <dgm:constr type="bMarg" refType="secFontSz" fact="0.15"/>
+              </dgm:constrLst>
+              <dgm:ruleLst>
+                <dgm:rule type="secFontSz" val="5" fact="NaN" max="NaN"/>
+              </dgm:ruleLst>
+            </dgm:layoutNode>
+          </dgm:if>
+          <dgm:else name="Name13"/>
+        </dgm:choose>
+      </dgm:layoutNode>
+      <dgm:forEach name="Name14" axis="followSib" ptType="sibTrans" cnt="1">
+        <dgm:layoutNode name="sp">
+          <dgm:alg type="sp"/>
+          <dgm:shape xmlns:r="http://schemas.openxmlformats.org/officeDocument/2006/relationships" r:blip="">
+            <dgm:adjLst/>
+          </dgm:shape>
+          <dgm:presOf/>
+          <dgm:constrLst/>
+          <dgm:ruleLst/>
+        </dgm:layoutNode>
+      </dgm:forEach>
+    </dgm:forEach>
+  </dgm:layoutNode>
+</dgm:layoutDef>
+</file>
+
 <file path=ppt/diagrams/quickStyle1.xml><?xml version="1.0" encoding="utf-8"?>
 <dgm:styleDef xmlns:dgm="http://schemas.openxmlformats.org/drawingml/2006/diagram" xmlns:a="http://schemas.openxmlformats.org/drawingml/2006/main" uniqueId="urn:microsoft.com/office/officeart/2005/8/quickstyle/3d4">
   <dgm:title val=""/>
@@ -3424,6 +5470,1040 @@
     <dgm:txPr/>
     <dgm:style>
       <a:lnRef idx="0">
+        <a:scrgbClr r="0" g="0" b="0"/>
+      </a:lnRef>
+      <a:fillRef idx="1">
+        <a:scrgbClr r="0" g="0" b="0"/>
+      </a:fillRef>
+      <a:effectRef idx="0">
+        <a:scrgbClr r="0" g="0" b="0"/>
+      </a:effectRef>
+      <a:fontRef idx="minor"/>
+    </dgm:style>
+  </dgm:styleLbl>
+  <dgm:styleLbl name="revTx">
+    <dgm:scene3d>
+      <a:camera prst="orthographicFront"/>
+      <a:lightRig rig="threePt" dir="t"/>
+    </dgm:scene3d>
+    <dgm:sp3d/>
+    <dgm:txPr/>
+    <dgm:style>
+      <a:lnRef idx="0">
+        <a:scrgbClr r="0" g="0" b="0"/>
+      </a:lnRef>
+      <a:fillRef idx="0">
+        <a:scrgbClr r="0" g="0" b="0"/>
+      </a:fillRef>
+      <a:effectRef idx="0">
+        <a:scrgbClr r="0" g="0" b="0"/>
+      </a:effectRef>
+      <a:fontRef idx="minor"/>
+    </dgm:style>
+  </dgm:styleLbl>
+</dgm:styleDef>
+</file>
+
+<file path=ppt/diagrams/quickStyle2.xml><?xml version="1.0" encoding="utf-8"?>
+<dgm:styleDef xmlns:dgm="http://schemas.openxmlformats.org/drawingml/2006/diagram" xmlns:a="http://schemas.openxmlformats.org/drawingml/2006/main" uniqueId="urn:microsoft.com/office/officeart/2005/8/quickstyle/simple1">
+  <dgm:title val=""/>
+  <dgm:desc val=""/>
+  <dgm:catLst>
+    <dgm:cat type="simple" pri="10100"/>
+  </dgm:catLst>
+  <dgm:scene3d>
+    <a:camera prst="orthographicFront"/>
+    <a:lightRig rig="threePt" dir="t"/>
+  </dgm:scene3d>
+  <dgm:styleLbl name="node0">
+    <dgm:scene3d>
+      <a:camera prst="orthographicFront"/>
+      <a:lightRig rig="threePt" dir="t"/>
+    </dgm:scene3d>
+    <dgm:sp3d/>
+    <dgm:txPr/>
+    <dgm:style>
+      <a:lnRef idx="2">
+        <a:scrgbClr r="0" g="0" b="0"/>
+      </a:lnRef>
+      <a:fillRef idx="1">
+        <a:scrgbClr r="0" g="0" b="0"/>
+      </a:fillRef>
+      <a:effectRef idx="0">
+        <a:scrgbClr r="0" g="0" b="0"/>
+      </a:effectRef>
+      <a:fontRef idx="minor">
+        <a:schemeClr val="lt1"/>
+      </a:fontRef>
+    </dgm:style>
+  </dgm:styleLbl>
+  <dgm:styleLbl name="lnNode1">
+    <dgm:scene3d>
+      <a:camera prst="orthographicFront"/>
+      <a:lightRig rig="threePt" dir="t"/>
+    </dgm:scene3d>
+    <dgm:sp3d/>
+    <dgm:txPr/>
+    <dgm:style>
+      <a:lnRef idx="2">
+        <a:scrgbClr r="0" g="0" b="0"/>
+      </a:lnRef>
+      <a:fillRef idx="1">
+        <a:scrgbClr r="0" g="0" b="0"/>
+      </a:fillRef>
+      <a:effectRef idx="0">
+        <a:scrgbClr r="0" g="0" b="0"/>
+      </a:effectRef>
+      <a:fontRef idx="minor">
+        <a:schemeClr val="lt1"/>
+      </a:fontRef>
+    </dgm:style>
+  </dgm:styleLbl>
+  <dgm:styleLbl name="vennNode1">
+    <dgm:scene3d>
+      <a:camera prst="orthographicFront"/>
+      <a:lightRig rig="threePt" dir="t"/>
+    </dgm:scene3d>
+    <dgm:sp3d/>
+    <dgm:txPr/>
+    <dgm:style>
+      <a:lnRef idx="2">
+        <a:scrgbClr r="0" g="0" b="0"/>
+      </a:lnRef>
+      <a:fillRef idx="1">
+        <a:scrgbClr r="0" g="0" b="0"/>
+      </a:fillRef>
+      <a:effectRef idx="0">
+        <a:scrgbClr r="0" g="0" b="0"/>
+      </a:effectRef>
+      <a:fontRef idx="minor">
+        <a:schemeClr val="tx1"/>
+      </a:fontRef>
+    </dgm:style>
+  </dgm:styleLbl>
+  <dgm:styleLbl name="alignNode1">
+    <dgm:scene3d>
+      <a:camera prst="orthographicFront"/>
+      <a:lightRig rig="threePt" dir="t"/>
+    </dgm:scene3d>
+    <dgm:sp3d/>
+    <dgm:txPr/>
+    <dgm:style>
+      <a:lnRef idx="2">
+        <a:scrgbClr r="0" g="0" b="0"/>
+      </a:lnRef>
+      <a:fillRef idx="1">
+        <a:scrgbClr r="0" g="0" b="0"/>
+      </a:fillRef>
+      <a:effectRef idx="0">
+        <a:scrgbClr r="0" g="0" b="0"/>
+      </a:effectRef>
+      <a:fontRef idx="minor">
+        <a:schemeClr val="lt1"/>
+      </a:fontRef>
+    </dgm:style>
+  </dgm:styleLbl>
+  <dgm:styleLbl name="node1">
+    <dgm:scene3d>
+      <a:camera prst="orthographicFront"/>
+      <a:lightRig rig="threePt" dir="t"/>
+    </dgm:scene3d>
+    <dgm:sp3d/>
+    <dgm:txPr/>
+    <dgm:style>
+      <a:lnRef idx="2">
+        <a:scrgbClr r="0" g="0" b="0"/>
+      </a:lnRef>
+      <a:fillRef idx="1">
+        <a:scrgbClr r="0" g="0" b="0"/>
+      </a:fillRef>
+      <a:effectRef idx="0">
+        <a:scrgbClr r="0" g="0" b="0"/>
+      </a:effectRef>
+      <a:fontRef idx="minor">
+        <a:schemeClr val="lt1"/>
+      </a:fontRef>
+    </dgm:style>
+  </dgm:styleLbl>
+  <dgm:styleLbl name="node2">
+    <dgm:scene3d>
+      <a:camera prst="orthographicFront"/>
+      <a:lightRig rig="threePt" dir="t"/>
+    </dgm:scene3d>
+    <dgm:sp3d/>
+    <dgm:txPr/>
+    <dgm:style>
+      <a:lnRef idx="2">
+        <a:scrgbClr r="0" g="0" b="0"/>
+      </a:lnRef>
+      <a:fillRef idx="1">
+        <a:scrgbClr r="0" g="0" b="0"/>
+      </a:fillRef>
+      <a:effectRef idx="0">
+        <a:scrgbClr r="0" g="0" b="0"/>
+      </a:effectRef>
+      <a:fontRef idx="minor">
+        <a:schemeClr val="lt1"/>
+      </a:fontRef>
+    </dgm:style>
+  </dgm:styleLbl>
+  <dgm:styleLbl name="node3">
+    <dgm:scene3d>
+      <a:camera prst="orthographicFront"/>
+      <a:lightRig rig="threePt" dir="t"/>
+    </dgm:scene3d>
+    <dgm:sp3d/>
+    <dgm:txPr/>
+    <dgm:style>
+      <a:lnRef idx="2">
+        <a:scrgbClr r="0" g="0" b="0"/>
+      </a:lnRef>
+      <a:fillRef idx="1">
+        <a:scrgbClr r="0" g="0" b="0"/>
+      </a:fillRef>
+      <a:effectRef idx="0">
+        <a:scrgbClr r="0" g="0" b="0"/>
+      </a:effectRef>
+      <a:fontRef idx="minor">
+        <a:schemeClr val="lt1"/>
+      </a:fontRef>
+    </dgm:style>
+  </dgm:styleLbl>
+  <dgm:styleLbl name="node4">
+    <dgm:scene3d>
+      <a:camera prst="orthographicFront"/>
+      <a:lightRig rig="threePt" dir="t"/>
+    </dgm:scene3d>
+    <dgm:sp3d/>
+    <dgm:txPr/>
+    <dgm:style>
+      <a:lnRef idx="2">
+        <a:scrgbClr r="0" g="0" b="0"/>
+      </a:lnRef>
+      <a:fillRef idx="1">
+        <a:scrgbClr r="0" g="0" b="0"/>
+      </a:fillRef>
+      <a:effectRef idx="0">
+        <a:scrgbClr r="0" g="0" b="0"/>
+      </a:effectRef>
+      <a:fontRef idx="minor">
+        <a:schemeClr val="lt1"/>
+      </a:fontRef>
+    </dgm:style>
+  </dgm:styleLbl>
+  <dgm:styleLbl name="fgImgPlace1">
+    <dgm:scene3d>
+      <a:camera prst="orthographicFront"/>
+      <a:lightRig rig="threePt" dir="t"/>
+    </dgm:scene3d>
+    <dgm:sp3d/>
+    <dgm:txPr/>
+    <dgm:style>
+      <a:lnRef idx="2">
+        <a:scrgbClr r="0" g="0" b="0"/>
+      </a:lnRef>
+      <a:fillRef idx="1">
+        <a:scrgbClr r="0" g="0" b="0"/>
+      </a:fillRef>
+      <a:effectRef idx="0">
+        <a:scrgbClr r="0" g="0" b="0"/>
+      </a:effectRef>
+      <a:fontRef idx="minor"/>
+    </dgm:style>
+  </dgm:styleLbl>
+  <dgm:styleLbl name="alignImgPlace1">
+    <dgm:scene3d>
+      <a:camera prst="orthographicFront"/>
+      <a:lightRig rig="threePt" dir="t"/>
+    </dgm:scene3d>
+    <dgm:sp3d/>
+    <dgm:txPr/>
+    <dgm:style>
+      <a:lnRef idx="2">
+        <a:scrgbClr r="0" g="0" b="0"/>
+      </a:lnRef>
+      <a:fillRef idx="1">
+        <a:scrgbClr r="0" g="0" b="0"/>
+      </a:fillRef>
+      <a:effectRef idx="0">
+        <a:scrgbClr r="0" g="0" b="0"/>
+      </a:effectRef>
+      <a:fontRef idx="minor"/>
+    </dgm:style>
+  </dgm:styleLbl>
+  <dgm:styleLbl name="bgImgPlace1">
+    <dgm:scene3d>
+      <a:camera prst="orthographicFront"/>
+      <a:lightRig rig="threePt" dir="t"/>
+    </dgm:scene3d>
+    <dgm:sp3d/>
+    <dgm:txPr/>
+    <dgm:style>
+      <a:lnRef idx="2">
+        <a:scrgbClr r="0" g="0" b="0"/>
+      </a:lnRef>
+      <a:fillRef idx="1">
+        <a:scrgbClr r="0" g="0" b="0"/>
+      </a:fillRef>
+      <a:effectRef idx="0">
+        <a:scrgbClr r="0" g="0" b="0"/>
+      </a:effectRef>
+      <a:fontRef idx="minor"/>
+    </dgm:style>
+  </dgm:styleLbl>
+  <dgm:styleLbl name="sibTrans2D1">
+    <dgm:scene3d>
+      <a:camera prst="orthographicFront"/>
+      <a:lightRig rig="threePt" dir="t"/>
+    </dgm:scene3d>
+    <dgm:sp3d/>
+    <dgm:txPr/>
+    <dgm:style>
+      <a:lnRef idx="0">
+        <a:scrgbClr r="0" g="0" b="0"/>
+      </a:lnRef>
+      <a:fillRef idx="1">
+        <a:scrgbClr r="0" g="0" b="0"/>
+      </a:fillRef>
+      <a:effectRef idx="0">
+        <a:scrgbClr r="0" g="0" b="0"/>
+      </a:effectRef>
+      <a:fontRef idx="minor">
+        <a:schemeClr val="lt1"/>
+      </a:fontRef>
+    </dgm:style>
+  </dgm:styleLbl>
+  <dgm:styleLbl name="fgSibTrans2D1">
+    <dgm:scene3d>
+      <a:camera prst="orthographicFront"/>
+      <a:lightRig rig="threePt" dir="t"/>
+    </dgm:scene3d>
+    <dgm:sp3d/>
+    <dgm:txPr/>
+    <dgm:style>
+      <a:lnRef idx="0">
+        <a:scrgbClr r="0" g="0" b="0"/>
+      </a:lnRef>
+      <a:fillRef idx="1">
+        <a:scrgbClr r="0" g="0" b="0"/>
+      </a:fillRef>
+      <a:effectRef idx="0">
+        <a:scrgbClr r="0" g="0" b="0"/>
+      </a:effectRef>
+      <a:fontRef idx="minor">
+        <a:schemeClr val="lt1"/>
+      </a:fontRef>
+    </dgm:style>
+  </dgm:styleLbl>
+  <dgm:styleLbl name="bgSibTrans2D1">
+    <dgm:scene3d>
+      <a:camera prst="orthographicFront"/>
+      <a:lightRig rig="threePt" dir="t"/>
+    </dgm:scene3d>
+    <dgm:sp3d/>
+    <dgm:txPr/>
+    <dgm:style>
+      <a:lnRef idx="0">
+        <a:scrgbClr r="0" g="0" b="0"/>
+      </a:lnRef>
+      <a:fillRef idx="1">
+        <a:scrgbClr r="0" g="0" b="0"/>
+      </a:fillRef>
+      <a:effectRef idx="0">
+        <a:scrgbClr r="0" g="0" b="0"/>
+      </a:effectRef>
+      <a:fontRef idx="minor">
+        <a:schemeClr val="lt1"/>
+      </a:fontRef>
+    </dgm:style>
+  </dgm:styleLbl>
+  <dgm:styleLbl name="sibTrans1D1">
+    <dgm:scene3d>
+      <a:camera prst="orthographicFront"/>
+      <a:lightRig rig="threePt" dir="t"/>
+    </dgm:scene3d>
+    <dgm:sp3d/>
+    <dgm:txPr/>
+    <dgm:style>
+      <a:lnRef idx="1">
+        <a:scrgbClr r="0" g="0" b="0"/>
+      </a:lnRef>
+      <a:fillRef idx="0">
+        <a:scrgbClr r="0" g="0" b="0"/>
+      </a:fillRef>
+      <a:effectRef idx="0">
+        <a:scrgbClr r="0" g="0" b="0"/>
+      </a:effectRef>
+      <a:fontRef idx="minor"/>
+    </dgm:style>
+  </dgm:styleLbl>
+  <dgm:styleLbl name="callout">
+    <dgm:scene3d>
+      <a:camera prst="orthographicFront"/>
+      <a:lightRig rig="threePt" dir="t"/>
+    </dgm:scene3d>
+    <dgm:sp3d/>
+    <dgm:txPr/>
+    <dgm:style>
+      <a:lnRef idx="2">
+        <a:scrgbClr r="0" g="0" b="0"/>
+      </a:lnRef>
+      <a:fillRef idx="1">
+        <a:scrgbClr r="0" g="0" b="0"/>
+      </a:fillRef>
+      <a:effectRef idx="0">
+        <a:scrgbClr r="0" g="0" b="0"/>
+      </a:effectRef>
+      <a:fontRef idx="minor"/>
+    </dgm:style>
+  </dgm:styleLbl>
+  <dgm:styleLbl name="asst0">
+    <dgm:scene3d>
+      <a:camera prst="orthographicFront"/>
+      <a:lightRig rig="threePt" dir="t"/>
+    </dgm:scene3d>
+    <dgm:sp3d/>
+    <dgm:txPr/>
+    <dgm:style>
+      <a:lnRef idx="2">
+        <a:scrgbClr r="0" g="0" b="0"/>
+      </a:lnRef>
+      <a:fillRef idx="1">
+        <a:scrgbClr r="0" g="0" b="0"/>
+      </a:fillRef>
+      <a:effectRef idx="0">
+        <a:scrgbClr r="0" g="0" b="0"/>
+      </a:effectRef>
+      <a:fontRef idx="minor">
+        <a:schemeClr val="lt1"/>
+      </a:fontRef>
+    </dgm:style>
+  </dgm:styleLbl>
+  <dgm:styleLbl name="asst1">
+    <dgm:scene3d>
+      <a:camera prst="orthographicFront"/>
+      <a:lightRig rig="threePt" dir="t"/>
+    </dgm:scene3d>
+    <dgm:sp3d/>
+    <dgm:txPr/>
+    <dgm:style>
+      <a:lnRef idx="2">
+        <a:scrgbClr r="0" g="0" b="0"/>
+      </a:lnRef>
+      <a:fillRef idx="1">
+        <a:scrgbClr r="0" g="0" b="0"/>
+      </a:fillRef>
+      <a:effectRef idx="0">
+        <a:scrgbClr r="0" g="0" b="0"/>
+      </a:effectRef>
+      <a:fontRef idx="minor">
+        <a:schemeClr val="lt1"/>
+      </a:fontRef>
+    </dgm:style>
+  </dgm:styleLbl>
+  <dgm:styleLbl name="asst2">
+    <dgm:scene3d>
+      <a:camera prst="orthographicFront"/>
+      <a:lightRig rig="threePt" dir="t"/>
+    </dgm:scene3d>
+    <dgm:sp3d/>
+    <dgm:txPr/>
+    <dgm:style>
+      <a:lnRef idx="2">
+        <a:scrgbClr r="0" g="0" b="0"/>
+      </a:lnRef>
+      <a:fillRef idx="1">
+        <a:scrgbClr r="0" g="0" b="0"/>
+      </a:fillRef>
+      <a:effectRef idx="0">
+        <a:scrgbClr r="0" g="0" b="0"/>
+      </a:effectRef>
+      <a:fontRef idx="minor">
+        <a:schemeClr val="lt1"/>
+      </a:fontRef>
+    </dgm:style>
+  </dgm:styleLbl>
+  <dgm:styleLbl name="asst3">
+    <dgm:scene3d>
+      <a:camera prst="orthographicFront"/>
+      <a:lightRig rig="threePt" dir="t"/>
+    </dgm:scene3d>
+    <dgm:sp3d/>
+    <dgm:txPr/>
+    <dgm:style>
+      <a:lnRef idx="2">
+        <a:scrgbClr r="0" g="0" b="0"/>
+      </a:lnRef>
+      <a:fillRef idx="1">
+        <a:scrgbClr r="0" g="0" b="0"/>
+      </a:fillRef>
+      <a:effectRef idx="0">
+        <a:scrgbClr r="0" g="0" b="0"/>
+      </a:effectRef>
+      <a:fontRef idx="minor">
+        <a:schemeClr val="lt1"/>
+      </a:fontRef>
+    </dgm:style>
+  </dgm:styleLbl>
+  <dgm:styleLbl name="asst4">
+    <dgm:scene3d>
+      <a:camera prst="orthographicFront"/>
+      <a:lightRig rig="threePt" dir="t"/>
+    </dgm:scene3d>
+    <dgm:sp3d/>
+    <dgm:txPr/>
+    <dgm:style>
+      <a:lnRef idx="2">
+        <a:scrgbClr r="0" g="0" b="0"/>
+      </a:lnRef>
+      <a:fillRef idx="1">
+        <a:scrgbClr r="0" g="0" b="0"/>
+      </a:fillRef>
+      <a:effectRef idx="0">
+        <a:scrgbClr r="0" g="0" b="0"/>
+      </a:effectRef>
+      <a:fontRef idx="minor">
+        <a:schemeClr val="lt1"/>
+      </a:fontRef>
+    </dgm:style>
+  </dgm:styleLbl>
+  <dgm:styleLbl name="parChTrans2D1">
+    <dgm:scene3d>
+      <a:camera prst="orthographicFront"/>
+      <a:lightRig rig="threePt" dir="t"/>
+    </dgm:scene3d>
+    <dgm:sp3d/>
+    <dgm:txPr/>
+    <dgm:style>
+      <a:lnRef idx="2">
+        <a:scrgbClr r="0" g="0" b="0"/>
+      </a:lnRef>
+      <a:fillRef idx="1">
+        <a:scrgbClr r="0" g="0" b="0"/>
+      </a:fillRef>
+      <a:effectRef idx="0">
+        <a:scrgbClr r="0" g="0" b="0"/>
+      </a:effectRef>
+      <a:fontRef idx="minor">
+        <a:schemeClr val="lt1"/>
+      </a:fontRef>
+    </dgm:style>
+  </dgm:styleLbl>
+  <dgm:styleLbl name="parChTrans2D2">
+    <dgm:scene3d>
+      <a:camera prst="orthographicFront"/>
+      <a:lightRig rig="threePt" dir="t"/>
+    </dgm:scene3d>
+    <dgm:sp3d/>
+    <dgm:txPr/>
+    <dgm:style>
+      <a:lnRef idx="2">
+        <a:scrgbClr r="0" g="0" b="0"/>
+      </a:lnRef>
+      <a:fillRef idx="1">
+        <a:scrgbClr r="0" g="0" b="0"/>
+      </a:fillRef>
+      <a:effectRef idx="0">
+        <a:scrgbClr r="0" g="0" b="0"/>
+      </a:effectRef>
+      <a:fontRef idx="minor">
+        <a:schemeClr val="lt1"/>
+      </a:fontRef>
+    </dgm:style>
+  </dgm:styleLbl>
+  <dgm:styleLbl name="parChTrans2D3">
+    <dgm:scene3d>
+      <a:camera prst="orthographicFront"/>
+      <a:lightRig rig="threePt" dir="t"/>
+    </dgm:scene3d>
+    <dgm:sp3d/>
+    <dgm:txPr/>
+    <dgm:style>
+      <a:lnRef idx="2">
+        <a:scrgbClr r="0" g="0" b="0"/>
+      </a:lnRef>
+      <a:fillRef idx="1">
+        <a:scrgbClr r="0" g="0" b="0"/>
+      </a:fillRef>
+      <a:effectRef idx="0">
+        <a:scrgbClr r="0" g="0" b="0"/>
+      </a:effectRef>
+      <a:fontRef idx="minor">
+        <a:schemeClr val="lt1"/>
+      </a:fontRef>
+    </dgm:style>
+  </dgm:styleLbl>
+  <dgm:styleLbl name="parChTrans2D4">
+    <dgm:scene3d>
+      <a:camera prst="orthographicFront"/>
+      <a:lightRig rig="threePt" dir="t"/>
+    </dgm:scene3d>
+    <dgm:sp3d/>
+    <dgm:txPr/>
+    <dgm:style>
+      <a:lnRef idx="2">
+        <a:scrgbClr r="0" g="0" b="0"/>
+      </a:lnRef>
+      <a:fillRef idx="1">
+        <a:scrgbClr r="0" g="0" b="0"/>
+      </a:fillRef>
+      <a:effectRef idx="0">
+        <a:scrgbClr r="0" g="0" b="0"/>
+      </a:effectRef>
+      <a:fontRef idx="minor">
+        <a:schemeClr val="lt1"/>
+      </a:fontRef>
+    </dgm:style>
+  </dgm:styleLbl>
+  <dgm:styleLbl name="parChTrans1D1">
+    <dgm:scene3d>
+      <a:camera prst="orthographicFront"/>
+      <a:lightRig rig="threePt" dir="t"/>
+    </dgm:scene3d>
+    <dgm:sp3d/>
+    <dgm:txPr/>
+    <dgm:style>
+      <a:lnRef idx="2">
+        <a:scrgbClr r="0" g="0" b="0"/>
+      </a:lnRef>
+      <a:fillRef idx="0">
+        <a:scrgbClr r="0" g="0" b="0"/>
+      </a:fillRef>
+      <a:effectRef idx="0">
+        <a:scrgbClr r="0" g="0" b="0"/>
+      </a:effectRef>
+      <a:fontRef idx="minor"/>
+    </dgm:style>
+  </dgm:styleLbl>
+  <dgm:styleLbl name="parChTrans1D2">
+    <dgm:scene3d>
+      <a:camera prst="orthographicFront"/>
+      <a:lightRig rig="threePt" dir="t"/>
+    </dgm:scene3d>
+    <dgm:sp3d/>
+    <dgm:txPr/>
+    <dgm:style>
+      <a:lnRef idx="2">
+        <a:scrgbClr r="0" g="0" b="0"/>
+      </a:lnRef>
+      <a:fillRef idx="0">
+        <a:scrgbClr r="0" g="0" b="0"/>
+      </a:fillRef>
+      <a:effectRef idx="0">
+        <a:scrgbClr r="0" g="0" b="0"/>
+      </a:effectRef>
+      <a:fontRef idx="minor"/>
+    </dgm:style>
+  </dgm:styleLbl>
+  <dgm:styleLbl name="parChTrans1D3">
+    <dgm:scene3d>
+      <a:camera prst="orthographicFront"/>
+      <a:lightRig rig="threePt" dir="t"/>
+    </dgm:scene3d>
+    <dgm:sp3d/>
+    <dgm:txPr/>
+    <dgm:style>
+      <a:lnRef idx="2">
+        <a:scrgbClr r="0" g="0" b="0"/>
+      </a:lnRef>
+      <a:fillRef idx="0">
+        <a:scrgbClr r="0" g="0" b="0"/>
+      </a:fillRef>
+      <a:effectRef idx="0">
+        <a:scrgbClr r="0" g="0" b="0"/>
+      </a:effectRef>
+      <a:fontRef idx="minor"/>
+    </dgm:style>
+  </dgm:styleLbl>
+  <dgm:styleLbl name="parChTrans1D4">
+    <dgm:scene3d>
+      <a:camera prst="orthographicFront"/>
+      <a:lightRig rig="threePt" dir="t"/>
+    </dgm:scene3d>
+    <dgm:sp3d/>
+    <dgm:txPr/>
+    <dgm:style>
+      <a:lnRef idx="2">
+        <a:scrgbClr r="0" g="0" b="0"/>
+      </a:lnRef>
+      <a:fillRef idx="0">
+        <a:scrgbClr r="0" g="0" b="0"/>
+      </a:fillRef>
+      <a:effectRef idx="0">
+        <a:scrgbClr r="0" g="0" b="0"/>
+      </a:effectRef>
+      <a:fontRef idx="minor"/>
+    </dgm:style>
+  </dgm:styleLbl>
+  <dgm:styleLbl name="fgAcc1">
+    <dgm:scene3d>
+      <a:camera prst="orthographicFront"/>
+      <a:lightRig rig="threePt" dir="t"/>
+    </dgm:scene3d>
+    <dgm:sp3d/>
+    <dgm:txPr/>
+    <dgm:style>
+      <a:lnRef idx="2">
+        <a:scrgbClr r="0" g="0" b="0"/>
+      </a:lnRef>
+      <a:fillRef idx="1">
+        <a:scrgbClr r="0" g="0" b="0"/>
+      </a:fillRef>
+      <a:effectRef idx="0">
+        <a:scrgbClr r="0" g="0" b="0"/>
+      </a:effectRef>
+      <a:fontRef idx="minor"/>
+    </dgm:style>
+  </dgm:styleLbl>
+  <dgm:styleLbl name="conFgAcc1">
+    <dgm:scene3d>
+      <a:camera prst="orthographicFront"/>
+      <a:lightRig rig="threePt" dir="t"/>
+    </dgm:scene3d>
+    <dgm:sp3d/>
+    <dgm:txPr/>
+    <dgm:style>
+      <a:lnRef idx="2">
+        <a:scrgbClr r="0" g="0" b="0"/>
+      </a:lnRef>
+      <a:fillRef idx="1">
+        <a:scrgbClr r="0" g="0" b="0"/>
+      </a:fillRef>
+      <a:effectRef idx="0">
+        <a:scrgbClr r="0" g="0" b="0"/>
+      </a:effectRef>
+      <a:fontRef idx="minor"/>
+    </dgm:style>
+  </dgm:styleLbl>
+  <dgm:styleLbl name="alignAcc1">
+    <dgm:scene3d>
+      <a:camera prst="orthographicFront"/>
+      <a:lightRig rig="threePt" dir="t"/>
+    </dgm:scene3d>
+    <dgm:sp3d/>
+    <dgm:txPr/>
+    <dgm:style>
+      <a:lnRef idx="2">
+        <a:scrgbClr r="0" g="0" b="0"/>
+      </a:lnRef>
+      <a:fillRef idx="1">
+        <a:scrgbClr r="0" g="0" b="0"/>
+      </a:fillRef>
+      <a:effectRef idx="0">
+        <a:scrgbClr r="0" g="0" b="0"/>
+      </a:effectRef>
+      <a:fontRef idx="minor"/>
+    </dgm:style>
+  </dgm:styleLbl>
+  <dgm:styleLbl name="trAlignAcc1">
+    <dgm:scene3d>
+      <a:camera prst="orthographicFront"/>
+      <a:lightRig rig="threePt" dir="t"/>
+    </dgm:scene3d>
+    <dgm:sp3d/>
+    <dgm:txPr/>
+    <dgm:style>
+      <a:lnRef idx="1">
+        <a:scrgbClr r="0" g="0" b="0"/>
+      </a:lnRef>
+      <a:fillRef idx="1">
+        <a:scrgbClr r="0" g="0" b="0"/>
+      </a:fillRef>
+      <a:effectRef idx="0">
+        <a:scrgbClr r="0" g="0" b="0"/>
+      </a:effectRef>
+      <a:fontRef idx="minor"/>
+    </dgm:style>
+  </dgm:styleLbl>
+  <dgm:styleLbl name="bgAcc1">
+    <dgm:scene3d>
+      <a:camera prst="orthographicFront"/>
+      <a:lightRig rig="threePt" dir="t"/>
+    </dgm:scene3d>
+    <dgm:sp3d/>
+    <dgm:txPr/>
+    <dgm:style>
+      <a:lnRef idx="2">
+        <a:scrgbClr r="0" g="0" b="0"/>
+      </a:lnRef>
+      <a:fillRef idx="1">
+        <a:scrgbClr r="0" g="0" b="0"/>
+      </a:fillRef>
+      <a:effectRef idx="0">
+        <a:scrgbClr r="0" g="0" b="0"/>
+      </a:effectRef>
+      <a:fontRef idx="minor"/>
+    </dgm:style>
+  </dgm:styleLbl>
+  <dgm:styleLbl name="solidFgAcc1">
+    <dgm:scene3d>
+      <a:camera prst="orthographicFront"/>
+      <a:lightRig rig="threePt" dir="t"/>
+    </dgm:scene3d>
+    <dgm:sp3d/>
+    <dgm:txPr/>
+    <dgm:style>
+      <a:lnRef idx="2">
+        <a:scrgbClr r="0" g="0" b="0"/>
+      </a:lnRef>
+      <a:fillRef idx="1">
+        <a:scrgbClr r="0" g="0" b="0"/>
+      </a:fillRef>
+      <a:effectRef idx="0">
+        <a:scrgbClr r="0" g="0" b="0"/>
+      </a:effectRef>
+      <a:fontRef idx="minor"/>
+    </dgm:style>
+  </dgm:styleLbl>
+  <dgm:styleLbl name="solidAlignAcc1">
+    <dgm:scene3d>
+      <a:camera prst="orthographicFront"/>
+      <a:lightRig rig="threePt" dir="t"/>
+    </dgm:scene3d>
+    <dgm:sp3d/>
+    <dgm:txPr/>
+    <dgm:style>
+      <a:lnRef idx="2">
+        <a:scrgbClr r="0" g="0" b="0"/>
+      </a:lnRef>
+      <a:fillRef idx="1">
+        <a:scrgbClr r="0" g="0" b="0"/>
+      </a:fillRef>
+      <a:effectRef idx="0">
+        <a:scrgbClr r="0" g="0" b="0"/>
+      </a:effectRef>
+      <a:fontRef idx="minor"/>
+    </dgm:style>
+  </dgm:styleLbl>
+  <dgm:styleLbl name="solidBgAcc1">
+    <dgm:scene3d>
+      <a:camera prst="orthographicFront"/>
+      <a:lightRig rig="threePt" dir="t"/>
+    </dgm:scene3d>
+    <dgm:sp3d/>
+    <dgm:txPr/>
+    <dgm:style>
+      <a:lnRef idx="2">
+        <a:scrgbClr r="0" g="0" b="0"/>
+      </a:lnRef>
+      <a:fillRef idx="1">
+        <a:scrgbClr r="0" g="0" b="0"/>
+      </a:fillRef>
+      <a:effectRef idx="0">
+        <a:scrgbClr r="0" g="0" b="0"/>
+      </a:effectRef>
+      <a:fontRef idx="minor"/>
+    </dgm:style>
+  </dgm:styleLbl>
+  <dgm:styleLbl name="fgAccFollowNode1">
+    <dgm:scene3d>
+      <a:camera prst="orthographicFront"/>
+      <a:lightRig rig="threePt" dir="t"/>
+    </dgm:scene3d>
+    <dgm:sp3d/>
+    <dgm:txPr/>
+    <dgm:style>
+      <a:lnRef idx="2">
+        <a:scrgbClr r="0" g="0" b="0"/>
+      </a:lnRef>
+      <a:fillRef idx="1">
+        <a:scrgbClr r="0" g="0" b="0"/>
+      </a:fillRef>
+      <a:effectRef idx="0">
+        <a:scrgbClr r="0" g="0" b="0"/>
+      </a:effectRef>
+      <a:fontRef idx="minor"/>
+    </dgm:style>
+  </dgm:styleLbl>
+  <dgm:styleLbl name="alignAccFollowNode1">
+    <dgm:scene3d>
+      <a:camera prst="orthographicFront"/>
+      <a:lightRig rig="threePt" dir="t"/>
+    </dgm:scene3d>
+    <dgm:sp3d/>
+    <dgm:txPr/>
+    <dgm:style>
+      <a:lnRef idx="2">
+        <a:scrgbClr r="0" g="0" b="0"/>
+      </a:lnRef>
+      <a:fillRef idx="1">
+        <a:scrgbClr r="0" g="0" b="0"/>
+      </a:fillRef>
+      <a:effectRef idx="0">
+        <a:scrgbClr r="0" g="0" b="0"/>
+      </a:effectRef>
+      <a:fontRef idx="minor"/>
+    </dgm:style>
+  </dgm:styleLbl>
+  <dgm:styleLbl name="bgAccFollowNode1">
+    <dgm:scene3d>
+      <a:camera prst="orthographicFront"/>
+      <a:lightRig rig="threePt" dir="t"/>
+    </dgm:scene3d>
+    <dgm:sp3d/>
+    <dgm:txPr/>
+    <dgm:style>
+      <a:lnRef idx="2">
+        <a:scrgbClr r="0" g="0" b="0"/>
+      </a:lnRef>
+      <a:fillRef idx="1">
+        <a:scrgbClr r="0" g="0" b="0"/>
+      </a:fillRef>
+      <a:effectRef idx="0">
+        <a:scrgbClr r="0" g="0" b="0"/>
+      </a:effectRef>
+      <a:fontRef idx="minor"/>
+    </dgm:style>
+  </dgm:styleLbl>
+  <dgm:styleLbl name="fgAcc0">
+    <dgm:scene3d>
+      <a:camera prst="orthographicFront"/>
+      <a:lightRig rig="threePt" dir="t"/>
+    </dgm:scene3d>
+    <dgm:sp3d/>
+    <dgm:txPr/>
+    <dgm:style>
+      <a:lnRef idx="2">
+        <a:scrgbClr r="0" g="0" b="0"/>
+      </a:lnRef>
+      <a:fillRef idx="1">
+        <a:scrgbClr r="0" g="0" b="0"/>
+      </a:fillRef>
+      <a:effectRef idx="0">
+        <a:scrgbClr r="0" g="0" b="0"/>
+      </a:effectRef>
+      <a:fontRef idx="minor"/>
+    </dgm:style>
+  </dgm:styleLbl>
+  <dgm:styleLbl name="fgAcc2">
+    <dgm:scene3d>
+      <a:camera prst="orthographicFront"/>
+      <a:lightRig rig="threePt" dir="t"/>
+    </dgm:scene3d>
+    <dgm:sp3d/>
+    <dgm:txPr/>
+    <dgm:style>
+      <a:lnRef idx="2">
+        <a:scrgbClr r="0" g="0" b="0"/>
+      </a:lnRef>
+      <a:fillRef idx="1">
+        <a:scrgbClr r="0" g="0" b="0"/>
+      </a:fillRef>
+      <a:effectRef idx="0">
+        <a:scrgbClr r="0" g="0" b="0"/>
+      </a:effectRef>
+      <a:fontRef idx="minor"/>
+    </dgm:style>
+  </dgm:styleLbl>
+  <dgm:styleLbl name="fgAcc3">
+    <dgm:scene3d>
+      <a:camera prst="orthographicFront"/>
+      <a:lightRig rig="threePt" dir="t"/>
+    </dgm:scene3d>
+    <dgm:sp3d/>
+    <dgm:txPr/>
+    <dgm:style>
+      <a:lnRef idx="2">
+        <a:scrgbClr r="0" g="0" b="0"/>
+      </a:lnRef>
+      <a:fillRef idx="1">
+        <a:scrgbClr r="0" g="0" b="0"/>
+      </a:fillRef>
+      <a:effectRef idx="0">
+        <a:scrgbClr r="0" g="0" b="0"/>
+      </a:effectRef>
+      <a:fontRef idx="minor"/>
+    </dgm:style>
+  </dgm:styleLbl>
+  <dgm:styleLbl name="fgAcc4">
+    <dgm:scene3d>
+      <a:camera prst="orthographicFront"/>
+      <a:lightRig rig="threePt" dir="t"/>
+    </dgm:scene3d>
+    <dgm:sp3d/>
+    <dgm:txPr/>
+    <dgm:style>
+      <a:lnRef idx="2">
+        <a:scrgbClr r="0" g="0" b="0"/>
+      </a:lnRef>
+      <a:fillRef idx="1">
+        <a:scrgbClr r="0" g="0" b="0"/>
+      </a:fillRef>
+      <a:effectRef idx="0">
+        <a:scrgbClr r="0" g="0" b="0"/>
+      </a:effectRef>
+      <a:fontRef idx="minor"/>
+    </dgm:style>
+  </dgm:styleLbl>
+  <dgm:styleLbl name="bgShp">
+    <dgm:scene3d>
+      <a:camera prst="orthographicFront"/>
+      <a:lightRig rig="threePt" dir="t"/>
+    </dgm:scene3d>
+    <dgm:sp3d/>
+    <dgm:txPr/>
+    <dgm:style>
+      <a:lnRef idx="0">
+        <a:scrgbClr r="0" g="0" b="0"/>
+      </a:lnRef>
+      <a:fillRef idx="1">
+        <a:scrgbClr r="0" g="0" b="0"/>
+      </a:fillRef>
+      <a:effectRef idx="0">
+        <a:scrgbClr r="0" g="0" b="0"/>
+      </a:effectRef>
+      <a:fontRef idx="minor"/>
+    </dgm:style>
+  </dgm:styleLbl>
+  <dgm:styleLbl name="dkBgShp">
+    <dgm:scene3d>
+      <a:camera prst="orthographicFront"/>
+      <a:lightRig rig="threePt" dir="t"/>
+    </dgm:scene3d>
+    <dgm:sp3d/>
+    <dgm:txPr/>
+    <dgm:style>
+      <a:lnRef idx="0">
+        <a:scrgbClr r="0" g="0" b="0"/>
+      </a:lnRef>
+      <a:fillRef idx="1">
+        <a:scrgbClr r="0" g="0" b="0"/>
+      </a:fillRef>
+      <a:effectRef idx="0">
+        <a:scrgbClr r="0" g="0" b="0"/>
+      </a:effectRef>
+      <a:fontRef idx="minor"/>
+    </dgm:style>
+  </dgm:styleLbl>
+  <dgm:styleLbl name="trBgShp">
+    <dgm:scene3d>
+      <a:camera prst="orthographicFront"/>
+      <a:lightRig rig="threePt" dir="t"/>
+    </dgm:scene3d>
+    <dgm:sp3d/>
+    <dgm:txPr/>
+    <dgm:style>
+      <a:lnRef idx="0">
+        <a:scrgbClr r="0" g="0" b="0"/>
+      </a:lnRef>
+      <a:fillRef idx="1">
+        <a:scrgbClr r="0" g="0" b="0"/>
+      </a:fillRef>
+      <a:effectRef idx="0">
+        <a:scrgbClr r="0" g="0" b="0"/>
+      </a:effectRef>
+      <a:fontRef idx="minor"/>
+    </dgm:style>
+  </dgm:styleLbl>
+  <dgm:styleLbl name="fgShp">
+    <dgm:scene3d>
+      <a:camera prst="orthographicFront"/>
+      <a:lightRig rig="threePt" dir="t"/>
+    </dgm:scene3d>
+    <dgm:sp3d/>
+    <dgm:txPr/>
+    <dgm:style>
+      <a:lnRef idx="2">
         <a:scrgbClr r="0" g="0" b="0"/>
       </a:lnRef>
       <a:fillRef idx="1">
@@ -3688,7 +6768,7 @@
             <a:fld id="{B61BEF0D-F0BB-DE4B-95CE-6DB70DBA9567}" type="datetimeFigureOut">
               <a:rPr lang="en-US" dirty="0"/>
               <a:pPr/>
-              <a:t>4/18/2022</a:t>
+              <a:t>4/25/2022</a:t>
             </a:fld>
             <a:endParaRPr lang="en-US" dirty="0"/>
           </a:p>
@@ -4019,7 +7099,7 @@
             <a:fld id="{B61BEF0D-F0BB-DE4B-95CE-6DB70DBA9567}" type="datetimeFigureOut">
               <a:rPr lang="en-US" dirty="0"/>
               <a:pPr/>
-              <a:t>4/18/2022</a:t>
+              <a:t>4/25/2022</a:t>
             </a:fld>
             <a:endParaRPr lang="en-US" dirty="0"/>
           </a:p>
@@ -4294,7 +7374,7 @@
             <a:fld id="{B61BEF0D-F0BB-DE4B-95CE-6DB70DBA9567}" type="datetimeFigureOut">
               <a:rPr lang="en-US" dirty="0"/>
               <a:pPr/>
-              <a:t>4/18/2022</a:t>
+              <a:t>4/25/2022</a:t>
             </a:fld>
             <a:endParaRPr lang="en-US" dirty="0"/>
           </a:p>
@@ -4859,7 +7939,7 @@
             <a:fld id="{B61BEF0D-F0BB-DE4B-95CE-6DB70DBA9567}" type="datetimeFigureOut">
               <a:rPr lang="en-US" dirty="0"/>
               <a:pPr/>
-              <a:t>4/18/2022</a:t>
+              <a:t>4/25/2022</a:t>
             </a:fld>
             <a:endParaRPr lang="en-US" dirty="0"/>
           </a:p>
@@ -5134,7 +8214,7 @@
             <a:fld id="{B61BEF0D-F0BB-DE4B-95CE-6DB70DBA9567}" type="datetimeFigureOut">
               <a:rPr lang="en-US" dirty="0"/>
               <a:pPr/>
-              <a:t>4/18/2022</a:t>
+              <a:t>4/25/2022</a:t>
             </a:fld>
             <a:endParaRPr lang="en-US" dirty="0"/>
           </a:p>
@@ -5693,7 +8773,7 @@
             <a:fld id="{B61BEF0D-F0BB-DE4B-95CE-6DB70DBA9567}" type="datetimeFigureOut">
               <a:rPr lang="en-US" dirty="0"/>
               <a:pPr/>
-              <a:t>4/18/2022</a:t>
+              <a:t>4/25/2022</a:t>
             </a:fld>
             <a:endParaRPr lang="en-US" dirty="0"/>
           </a:p>
@@ -6017,7 +9097,7 @@
             <a:fld id="{B61BEF0D-F0BB-DE4B-95CE-6DB70DBA9567}" type="datetimeFigureOut">
               <a:rPr lang="en-US" dirty="0"/>
               <a:pPr/>
-              <a:t>4/18/2022</a:t>
+              <a:t>4/25/2022</a:t>
             </a:fld>
             <a:endParaRPr lang="en-US" dirty="0"/>
           </a:p>
@@ -6191,7 +9271,7 @@
             <a:fld id="{B61BEF0D-F0BB-DE4B-95CE-6DB70DBA9567}" type="datetimeFigureOut">
               <a:rPr lang="en-US" dirty="0"/>
               <a:pPr/>
-              <a:t>4/18/2022</a:t>
+              <a:t>4/25/2022</a:t>
             </a:fld>
             <a:endParaRPr lang="en-US" dirty="0"/>
           </a:p>
@@ -6426,7 +9506,7 @@
             <a:fld id="{B61BEF0D-F0BB-DE4B-95CE-6DB70DBA9567}" type="datetimeFigureOut">
               <a:rPr lang="en-US" dirty="0"/>
               <a:pPr/>
-              <a:t>4/18/2022</a:t>
+              <a:t>4/25/2022</a:t>
             </a:fld>
             <a:endParaRPr lang="en-US" dirty="0"/>
           </a:p>
@@ -6623,7 +9703,7 @@
             <a:fld id="{B61BEF0D-F0BB-DE4B-95CE-6DB70DBA9567}" type="datetimeFigureOut">
               <a:rPr lang="en-US" dirty="0"/>
               <a:pPr/>
-              <a:t>4/18/2022</a:t>
+              <a:t>4/25/2022</a:t>
             </a:fld>
             <a:endParaRPr lang="en-US" dirty="0"/>
           </a:p>
@@ -6896,7 +9976,7 @@
             <a:fld id="{B61BEF0D-F0BB-DE4B-95CE-6DB70DBA9567}" type="datetimeFigureOut">
               <a:rPr lang="en-US" dirty="0"/>
               <a:pPr/>
-              <a:t>4/18/2022</a:t>
+              <a:t>4/25/2022</a:t>
             </a:fld>
             <a:endParaRPr lang="en-US" dirty="0"/>
           </a:p>
@@ -7159,7 +10239,7 @@
             <a:fld id="{B61BEF0D-F0BB-DE4B-95CE-6DB70DBA9567}" type="datetimeFigureOut">
               <a:rPr lang="en-US" dirty="0"/>
               <a:pPr/>
-              <a:t>4/18/2022</a:t>
+              <a:t>4/25/2022</a:t>
             </a:fld>
             <a:endParaRPr lang="en-US" dirty="0"/>
           </a:p>
@@ -7530,7 +10610,7 @@
             <a:fld id="{B61BEF0D-F0BB-DE4B-95CE-6DB70DBA9567}" type="datetimeFigureOut">
               <a:rPr lang="en-US" dirty="0"/>
               <a:pPr/>
-              <a:t>4/18/2022</a:t>
+              <a:t>4/25/2022</a:t>
             </a:fld>
             <a:endParaRPr lang="en-US" dirty="0"/>
           </a:p>
@@ -7675,7 +10755,7 @@
             <a:fld id="{B61BEF0D-F0BB-DE4B-95CE-6DB70DBA9567}" type="datetimeFigureOut">
               <a:rPr lang="en-US" dirty="0"/>
               <a:pPr/>
-              <a:t>4/18/2022</a:t>
+              <a:t>4/25/2022</a:t>
             </a:fld>
             <a:endParaRPr lang="en-US" dirty="0"/>
           </a:p>
@@ -7797,7 +10877,7 @@
             <a:fld id="{B61BEF0D-F0BB-DE4B-95CE-6DB70DBA9567}" type="datetimeFigureOut">
               <a:rPr lang="en-US" dirty="0"/>
               <a:pPr/>
-              <a:t>4/18/2022</a:t>
+              <a:t>4/25/2022</a:t>
             </a:fld>
             <a:endParaRPr lang="en-US" dirty="0"/>
           </a:p>
@@ -8079,7 +11159,7 @@
             <a:fld id="{B61BEF0D-F0BB-DE4B-95CE-6DB70DBA9567}" type="datetimeFigureOut">
               <a:rPr lang="en-US" dirty="0"/>
               <a:pPr/>
-              <a:t>4/18/2022</a:t>
+              <a:t>4/25/2022</a:t>
             </a:fld>
             <a:endParaRPr lang="en-US" dirty="0"/>
           </a:p>
@@ -8400,7 +11480,7 @@
             <a:fld id="{B61BEF0D-F0BB-DE4B-95CE-6DB70DBA9567}" type="datetimeFigureOut">
               <a:rPr lang="en-US" dirty="0"/>
               <a:pPr/>
-              <a:t>4/18/2022</a:t>
+              <a:t>4/25/2022</a:t>
             </a:fld>
             <a:endParaRPr lang="en-US" dirty="0"/>
           </a:p>
@@ -8611,7 +11691,7 @@
             <a:fld id="{B61BEF0D-F0BB-DE4B-95CE-6DB70DBA9567}" type="datetimeFigureOut">
               <a:rPr lang="en-US" dirty="0"/>
               <a:pPr/>
-              <a:t>4/18/2022</a:t>
+              <a:t>4/25/2022</a:t>
             </a:fld>
             <a:endParaRPr lang="en-US" dirty="0"/>
           </a:p>
@@ -9252,6 +12332,973 @@
           <p:cNvPr id="2" name="Başlık 1">
             <a:extLst>
               <a:ext uri="{FF2B5EF4-FFF2-40B4-BE49-F238E27FC236}">
+                <a16:creationId xmlns:a16="http://schemas.microsoft.com/office/drawing/2014/main" id="{81836BCE-B629-42BE-AF25-BBE6ECC85295}"/>
+              </a:ext>
+            </a:extLst>
+          </p:cNvPr>
+          <p:cNvSpPr>
+            <a:spLocks noGrp="1"/>
+          </p:cNvSpPr>
+          <p:nvPr>
+            <p:ph type="title"/>
+          </p:nvPr>
+        </p:nvSpPr>
+        <p:spPr/>
+        <p:txBody>
+          <a:bodyPr/>
+          <a:lstStyle/>
+          <a:p>
+            <a:r>
+              <a:rPr lang="tr-TR" b="1" dirty="0"/>
+              <a:t>2 – video temelli gerçeklik</a:t>
+            </a:r>
+          </a:p>
+        </p:txBody>
+      </p:sp>
+      <p:sp>
+        <p:nvSpPr>
+          <p:cNvPr id="3" name="İçerik Yer Tutucusu 2">
+            <a:extLst>
+              <a:ext uri="{FF2B5EF4-FFF2-40B4-BE49-F238E27FC236}">
+                <a16:creationId xmlns:a16="http://schemas.microsoft.com/office/drawing/2014/main" id="{074D928B-3466-43D4-A6DD-EC14A6007D18}"/>
+              </a:ext>
+            </a:extLst>
+          </p:cNvPr>
+          <p:cNvSpPr>
+            <a:spLocks noGrp="1"/>
+          </p:cNvSpPr>
+          <p:nvPr>
+            <p:ph sz="half" idx="1"/>
+          </p:nvPr>
+        </p:nvSpPr>
+        <p:spPr/>
+        <p:txBody>
+          <a:bodyPr anchor="t"/>
+          <a:lstStyle/>
+          <a:p>
+            <a:r>
+              <a:rPr lang="tr-TR" dirty="0"/>
+              <a:t>Video temelli sistemler, sanal ortamın bilgisayar ya da mobil cihazlar ile aktarıldığı sistemlerdir.</a:t>
+            </a:r>
+          </a:p>
+          <a:p>
+            <a:r>
+              <a:rPr lang="tr-TR" dirty="0"/>
+              <a:t>Video tabanlı Artırılmış Gerçeklik sistemlerinde geliştirilen dijital veriler ayrı bir cihaz üzerinde görüntülenmektedir.</a:t>
+            </a:r>
+          </a:p>
+          <a:p>
+            <a:r>
+              <a:rPr lang="tr-TR" dirty="0"/>
+              <a:t>Bu gerçeklik sistemlerinin kullanıldığı alanlara şunlar örnek olarak gösterilebilir:</a:t>
+            </a:r>
+          </a:p>
+          <a:p>
+            <a:pPr marL="0" indent="0">
+              <a:buNone/>
+            </a:pPr>
+            <a:r>
+              <a:rPr lang="tr-TR" dirty="0"/>
+              <a:t>Bakım ve Montaj İşlemleri</a:t>
+            </a:r>
+          </a:p>
+          <a:p>
+            <a:pPr marL="0" indent="0">
+              <a:buNone/>
+            </a:pPr>
+            <a:r>
+              <a:rPr lang="tr-TR" dirty="0"/>
+              <a:t>Lojistik Uygulamaları</a:t>
+            </a:r>
+          </a:p>
+          <a:p>
+            <a:pPr marL="0" indent="0">
+              <a:buNone/>
+            </a:pPr>
+            <a:r>
+              <a:rPr lang="tr-TR" dirty="0"/>
+              <a:t>Etkileşim ve Eğitim</a:t>
+            </a:r>
+          </a:p>
+          <a:p>
+            <a:pPr marL="0" indent="0">
+              <a:buNone/>
+            </a:pPr>
+            <a:endParaRPr lang="tr-TR" dirty="0"/>
+          </a:p>
+          <a:p>
+            <a:endParaRPr lang="tr-TR" dirty="0"/>
+          </a:p>
+        </p:txBody>
+      </p:sp>
+      <p:pic>
+        <p:nvPicPr>
+          <p:cNvPr id="2050" name="Picture 2">
+            <a:extLst>
+              <a:ext uri="{FF2B5EF4-FFF2-40B4-BE49-F238E27FC236}">
+                <a16:creationId xmlns:a16="http://schemas.microsoft.com/office/drawing/2014/main" id="{08004D7C-3462-4571-80F4-007908C476E3}"/>
+              </a:ext>
+            </a:extLst>
+          </p:cNvPr>
+          <p:cNvPicPr>
+            <a:picLocks noGrp="1" noChangeAspect="1" noChangeArrowheads="1"/>
+          </p:cNvPicPr>
+          <p:nvPr>
+            <p:ph sz="half" idx="2"/>
+          </p:nvPr>
+        </p:nvPicPr>
+        <p:blipFill>
+          <a:blip r:embed="rId2">
+            <a:extLst>
+              <a:ext uri="{28A0092B-C50C-407E-A947-70E740481C1C}">
+                <a14:useLocalDpi xmlns:a14="http://schemas.microsoft.com/office/drawing/2010/main" val="0"/>
+              </a:ext>
+            </a:extLst>
+          </a:blip>
+          <a:srcRect/>
+          <a:stretch>
+            <a:fillRect/>
+          </a:stretch>
+        </p:blipFill>
+        <p:spPr bwMode="auto">
+          <a:xfrm>
+            <a:off x="5718635" y="2435354"/>
+            <a:ext cx="5787563" cy="3062559"/>
+          </a:xfrm>
+          <a:prstGeom prst="round2DiagRect">
+            <a:avLst>
+              <a:gd name="adj1" fmla="val 16667"/>
+              <a:gd name="adj2" fmla="val 0"/>
+            </a:avLst>
+          </a:prstGeom>
+          <a:ln w="88900" cap="sq">
+            <a:solidFill>
+              <a:srgbClr val="FFFFFF"/>
+            </a:solidFill>
+            <a:miter lim="800000"/>
+          </a:ln>
+          <a:effectLst>
+            <a:outerShdw blurRad="254000" algn="tl" rotWithShape="0">
+              <a:srgbClr val="000000">
+                <a:alpha val="43000"/>
+              </a:srgbClr>
+            </a:outerShdw>
+          </a:effectLst>
+          <a:extLst>
+            <a:ext uri="{909E8E84-426E-40DD-AFC4-6F175D3DCCD1}">
+              <a14:hiddenFill xmlns:a14="http://schemas.microsoft.com/office/drawing/2010/main">
+                <a:solidFill>
+                  <a:srgbClr val="FFFFFF"/>
+                </a:solidFill>
+              </a14:hiddenFill>
+            </a:ext>
+          </a:extLst>
+        </p:spPr>
+      </p:pic>
+    </p:spTree>
+    <p:extLst>
+      <p:ext uri="{BB962C8B-B14F-4D97-AF65-F5344CB8AC3E}">
+        <p14:creationId xmlns:p14="http://schemas.microsoft.com/office/powerpoint/2010/main" val="2697392795"/>
+      </p:ext>
+    </p:extLst>
+  </p:cSld>
+  <p:clrMapOvr>
+    <a:masterClrMapping/>
+  </p:clrMapOvr>
+  <mc:AlternateContent xmlns:mc="http://schemas.openxmlformats.org/markup-compatibility/2006" xmlns:p14="http://schemas.microsoft.com/office/powerpoint/2010/main">
+    <mc:Choice Requires="p14">
+      <p:transition spd="slow" p14:dur="1600">
+        <p14:gallery dir="l"/>
+      </p:transition>
+    </mc:Choice>
+    <mc:Fallback xmlns="">
+      <p:transition spd="slow">
+        <p:fade/>
+      </p:transition>
+    </mc:Fallback>
+  </mc:AlternateContent>
+</p:sld>
+</file>
+
+<file path=ppt/slides/slide11.xml><?xml version="1.0" encoding="utf-8"?>
+<p:sld xmlns:a="http://schemas.openxmlformats.org/drawingml/2006/main" xmlns:r="http://schemas.openxmlformats.org/officeDocument/2006/relationships" xmlns:p="http://schemas.openxmlformats.org/presentationml/2006/main">
+  <p:cSld>
+    <p:spTree>
+      <p:nvGrpSpPr>
+        <p:cNvPr id="1" name=""/>
+        <p:cNvGrpSpPr/>
+        <p:nvPr/>
+      </p:nvGrpSpPr>
+      <p:grpSpPr>
+        <a:xfrm>
+          <a:off x="0" y="0"/>
+          <a:ext cx="0" cy="0"/>
+          <a:chOff x="0" y="0"/>
+          <a:chExt cx="0" cy="0"/>
+        </a:xfrm>
+      </p:grpSpPr>
+      <p:sp>
+        <p:nvSpPr>
+          <p:cNvPr id="2" name="Başlık 1">
+            <a:extLst>
+              <a:ext uri="{FF2B5EF4-FFF2-40B4-BE49-F238E27FC236}">
+                <a16:creationId xmlns:a16="http://schemas.microsoft.com/office/drawing/2014/main" id="{867F77A2-25D7-4CC1-A195-76040E8EF9B0}"/>
+              </a:ext>
+            </a:extLst>
+          </p:cNvPr>
+          <p:cNvSpPr>
+            <a:spLocks noGrp="1"/>
+          </p:cNvSpPr>
+          <p:nvPr>
+            <p:ph type="title"/>
+          </p:nvPr>
+        </p:nvSpPr>
+        <p:spPr/>
+        <p:txBody>
+          <a:bodyPr/>
+          <a:lstStyle/>
+          <a:p>
+            <a:r>
+              <a:rPr lang="tr-TR" b="1" dirty="0"/>
+              <a:t>Sanal gerçeklik [</a:t>
+            </a:r>
+            <a:r>
+              <a:rPr lang="tr-TR" b="1" dirty="0" err="1"/>
+              <a:t>vr</a:t>
+            </a:r>
+            <a:r>
+              <a:rPr lang="tr-TR" b="1" dirty="0"/>
+              <a:t>]</a:t>
+            </a:r>
+          </a:p>
+        </p:txBody>
+      </p:sp>
+      <p:sp>
+        <p:nvSpPr>
+          <p:cNvPr id="4" name="İçerik Yer Tutucusu 3">
+            <a:extLst>
+              <a:ext uri="{FF2B5EF4-FFF2-40B4-BE49-F238E27FC236}">
+                <a16:creationId xmlns:a16="http://schemas.microsoft.com/office/drawing/2014/main" id="{5E884862-EBE6-4041-B4F0-FD4CDAF4E66C}"/>
+              </a:ext>
+            </a:extLst>
+          </p:cNvPr>
+          <p:cNvSpPr>
+            <a:spLocks noGrp="1"/>
+          </p:cNvSpPr>
+          <p:nvPr>
+            <p:ph sz="half" idx="2"/>
+          </p:nvPr>
+        </p:nvSpPr>
+        <p:spPr>
+          <a:xfrm>
+            <a:off x="5821894" y="2349102"/>
+            <a:ext cx="4995332" cy="3235062"/>
+          </a:xfrm>
+        </p:spPr>
+        <p:txBody>
+          <a:bodyPr anchor="t"/>
+          <a:lstStyle/>
+          <a:p>
+            <a:r>
+              <a:rPr lang="tr-TR" dirty="0"/>
+              <a:t>Sanal gerçeklik «Virtual </a:t>
+            </a:r>
+            <a:r>
+              <a:rPr lang="tr-TR" dirty="0" err="1"/>
+              <a:t>Reality</a:t>
+            </a:r>
+            <a:r>
+              <a:rPr lang="tr-TR" dirty="0"/>
+              <a:t>» kişiye bilgisayar ortamında yaşanan olayların günlük hayatta, olayın adeta içindeymiş gibi yaşaması imkânını sağlayan ortamdır.</a:t>
+            </a:r>
+          </a:p>
+          <a:p>
+            <a:r>
+              <a:rPr lang="tr-TR" dirty="0"/>
+              <a:t>Sanal gerçeklik gözlüklerine şunlar örnek olarak gösterilebilir:</a:t>
+            </a:r>
+          </a:p>
+          <a:p>
+            <a:pPr marL="0" indent="0">
+              <a:buNone/>
+            </a:pPr>
+            <a:r>
+              <a:rPr lang="tr-TR" dirty="0" err="1"/>
+              <a:t>Oculus</a:t>
+            </a:r>
+            <a:endParaRPr lang="tr-TR" dirty="0"/>
+          </a:p>
+          <a:p>
+            <a:pPr marL="0" indent="0">
+              <a:buNone/>
+            </a:pPr>
+            <a:r>
+              <a:rPr lang="tr-TR" dirty="0"/>
+              <a:t>HTC </a:t>
+            </a:r>
+            <a:r>
+              <a:rPr lang="tr-TR" dirty="0" err="1"/>
+              <a:t>Vive</a:t>
+            </a:r>
+            <a:endParaRPr lang="tr-TR" dirty="0"/>
+          </a:p>
+          <a:p>
+            <a:pPr marL="0" indent="0">
+              <a:buNone/>
+            </a:pPr>
+            <a:r>
+              <a:rPr lang="tr-TR" dirty="0" err="1"/>
+              <a:t>PlayStationVR</a:t>
+            </a:r>
+            <a:endParaRPr lang="tr-TR" dirty="0"/>
+          </a:p>
+        </p:txBody>
+      </p:sp>
+      <p:pic>
+        <p:nvPicPr>
+          <p:cNvPr id="3076" name="Picture 4" descr="Sanal gerçeklik gözlüğü hayatına mal oldu - Teknoloji Haberleri">
+            <a:extLst>
+              <a:ext uri="{FF2B5EF4-FFF2-40B4-BE49-F238E27FC236}">
+                <a16:creationId xmlns:a16="http://schemas.microsoft.com/office/drawing/2014/main" id="{0BFB1CC2-2B0B-452D-AAFB-F3C36392545C}"/>
+              </a:ext>
+            </a:extLst>
+          </p:cNvPr>
+          <p:cNvPicPr>
+            <a:picLocks noGrp="1" noChangeAspect="1" noChangeArrowheads="1"/>
+          </p:cNvPicPr>
+          <p:nvPr>
+            <p:ph sz="half" idx="1"/>
+          </p:nvPr>
+        </p:nvPicPr>
+        <p:blipFill>
+          <a:blip r:embed="rId2">
+            <a:extLst>
+              <a:ext uri="{28A0092B-C50C-407E-A947-70E740481C1C}">
+                <a14:useLocalDpi xmlns:a14="http://schemas.microsoft.com/office/drawing/2010/main" val="0"/>
+              </a:ext>
+            </a:extLst>
+          </a:blip>
+          <a:srcRect/>
+          <a:stretch>
+            <a:fillRect/>
+          </a:stretch>
+        </p:blipFill>
+        <p:spPr bwMode="auto">
+          <a:xfrm>
+            <a:off x="421149" y="2556137"/>
+            <a:ext cx="5330364" cy="2820992"/>
+          </a:xfrm>
+          <a:prstGeom prst="round2DiagRect">
+            <a:avLst>
+              <a:gd name="adj1" fmla="val 16667"/>
+              <a:gd name="adj2" fmla="val 0"/>
+            </a:avLst>
+          </a:prstGeom>
+          <a:ln w="88900" cap="sq">
+            <a:solidFill>
+              <a:srgbClr val="FFFFFF"/>
+            </a:solidFill>
+            <a:miter lim="800000"/>
+          </a:ln>
+          <a:effectLst>
+            <a:outerShdw blurRad="254000" algn="tl" rotWithShape="0">
+              <a:srgbClr val="000000">
+                <a:alpha val="43000"/>
+              </a:srgbClr>
+            </a:outerShdw>
+          </a:effectLst>
+          <a:extLst>
+            <a:ext uri="{909E8E84-426E-40DD-AFC4-6F175D3DCCD1}">
+              <a14:hiddenFill xmlns:a14="http://schemas.microsoft.com/office/drawing/2010/main">
+                <a:solidFill>
+                  <a:srgbClr val="FFFFFF"/>
+                </a:solidFill>
+              </a14:hiddenFill>
+            </a:ext>
+          </a:extLst>
+        </p:spPr>
+      </p:pic>
+    </p:spTree>
+    <p:extLst>
+      <p:ext uri="{BB962C8B-B14F-4D97-AF65-F5344CB8AC3E}">
+        <p14:creationId xmlns:p14="http://schemas.microsoft.com/office/powerpoint/2010/main" val="2285271864"/>
+      </p:ext>
+    </p:extLst>
+  </p:cSld>
+  <p:clrMapOvr>
+    <a:masterClrMapping/>
+  </p:clrMapOvr>
+  <mc:AlternateContent xmlns:mc="http://schemas.openxmlformats.org/markup-compatibility/2006" xmlns:p14="http://schemas.microsoft.com/office/powerpoint/2010/main">
+    <mc:Choice Requires="p14">
+      <p:transition spd="slow" p14:dur="1500">
+        <p14:window dir="vert"/>
+      </p:transition>
+    </mc:Choice>
+    <mc:Fallback xmlns="">
+      <p:transition spd="slow">
+        <p:fade/>
+      </p:transition>
+    </mc:Fallback>
+  </mc:AlternateContent>
+</p:sld>
+</file>
+
+<file path=ppt/slides/slide12.xml><?xml version="1.0" encoding="utf-8"?>
+<p:sld xmlns:a="http://schemas.openxmlformats.org/drawingml/2006/main" xmlns:r="http://schemas.openxmlformats.org/officeDocument/2006/relationships" xmlns:p="http://schemas.openxmlformats.org/presentationml/2006/main">
+  <p:cSld>
+    <p:spTree>
+      <p:nvGrpSpPr>
+        <p:cNvPr id="1" name=""/>
+        <p:cNvGrpSpPr/>
+        <p:nvPr/>
+      </p:nvGrpSpPr>
+      <p:grpSpPr>
+        <a:xfrm>
+          <a:off x="0" y="0"/>
+          <a:ext cx="0" cy="0"/>
+          <a:chOff x="0" y="0"/>
+          <a:chExt cx="0" cy="0"/>
+        </a:xfrm>
+      </p:grpSpPr>
+      <p:sp>
+        <p:nvSpPr>
+          <p:cNvPr id="2" name="Başlık 1">
+            <a:extLst>
+              <a:ext uri="{FF2B5EF4-FFF2-40B4-BE49-F238E27FC236}">
+                <a16:creationId xmlns:a16="http://schemas.microsoft.com/office/drawing/2014/main" id="{472BBC82-476F-4CC1-AADA-7CC0DF363DF6}"/>
+              </a:ext>
+            </a:extLst>
+          </p:cNvPr>
+          <p:cNvSpPr>
+            <a:spLocks noGrp="1"/>
+          </p:cNvSpPr>
+          <p:nvPr>
+            <p:ph type="title"/>
+          </p:nvPr>
+        </p:nvSpPr>
+        <p:spPr/>
+        <p:txBody>
+          <a:bodyPr/>
+          <a:lstStyle/>
+          <a:p>
+            <a:r>
+              <a:rPr lang="tr-TR" b="1" dirty="0" err="1"/>
+              <a:t>Metaverse</a:t>
+            </a:r>
+            <a:r>
+              <a:rPr lang="tr-TR" b="1" dirty="0"/>
+              <a:t> kavramı</a:t>
+            </a:r>
+          </a:p>
+        </p:txBody>
+      </p:sp>
+      <p:sp>
+        <p:nvSpPr>
+          <p:cNvPr id="3" name="İçerik Yer Tutucusu 2">
+            <a:extLst>
+              <a:ext uri="{FF2B5EF4-FFF2-40B4-BE49-F238E27FC236}">
+                <a16:creationId xmlns:a16="http://schemas.microsoft.com/office/drawing/2014/main" id="{5B77EF6F-7C15-4DD6-B61F-D0717AE00E80}"/>
+              </a:ext>
+            </a:extLst>
+          </p:cNvPr>
+          <p:cNvSpPr>
+            <a:spLocks noGrp="1"/>
+          </p:cNvSpPr>
+          <p:nvPr>
+            <p:ph sz="half" idx="1"/>
+          </p:nvPr>
+        </p:nvSpPr>
+        <p:spPr/>
+        <p:txBody>
+          <a:bodyPr>
+            <a:normAutofit/>
+          </a:bodyPr>
+          <a:lstStyle/>
+          <a:p>
+            <a:r>
+              <a:rPr lang="tr-TR" dirty="0" err="1"/>
+              <a:t>Metaverse</a:t>
+            </a:r>
+            <a:r>
+              <a:rPr lang="tr-TR" dirty="0"/>
+              <a:t> ya da sanal evren, insanların hiçbir fiziksel çaba harcamaksızın artırılmış sanal gerçeklik cihazları sayesinde tamamen zihinsel olarak kendilerini hissettikleri algısal evrene denir.</a:t>
+            </a:r>
+          </a:p>
+          <a:p>
+            <a:r>
+              <a:rPr lang="tr-TR" dirty="0"/>
+              <a:t>Bu evren bilgisayarlar, </a:t>
+            </a:r>
+            <a:r>
+              <a:rPr lang="tr-TR" dirty="0" err="1"/>
+              <a:t>android</a:t>
+            </a:r>
+            <a:r>
+              <a:rPr lang="tr-TR" dirty="0"/>
+              <a:t> cihazlar ve 3D cihazlar sayesinde insan bilişinin yapay bir fiziksel ortama dâhil olmasını sağlamaktadır.</a:t>
+            </a:r>
+          </a:p>
+          <a:p>
+            <a:r>
+              <a:rPr lang="tr-TR" dirty="0"/>
+              <a:t>Bugün dünyadaki en önemli </a:t>
+            </a:r>
+            <a:r>
+              <a:rPr lang="tr-TR" dirty="0" err="1"/>
+              <a:t>Metaverse</a:t>
+            </a:r>
+            <a:r>
+              <a:rPr lang="tr-TR" dirty="0"/>
+              <a:t> yatırımcılarının başında sanal gerçeklik cihazları üzerine çalışan </a:t>
+            </a:r>
+            <a:r>
+              <a:rPr lang="tr-TR" dirty="0" err="1"/>
+              <a:t>Oculus</a:t>
+            </a:r>
+            <a:r>
+              <a:rPr lang="tr-TR" dirty="0"/>
+              <a:t> şirketini 2 milyar dolara alan Facebook gelmektedir.</a:t>
+            </a:r>
+          </a:p>
+        </p:txBody>
+      </p:sp>
+      <p:pic>
+        <p:nvPicPr>
+          <p:cNvPr id="1026" name="Picture 2" descr="Metaverse nedir, anlamı ne? Metaverse arsa nasıl alınır? Metaverse coin...">
+            <a:extLst>
+              <a:ext uri="{FF2B5EF4-FFF2-40B4-BE49-F238E27FC236}">
+                <a16:creationId xmlns:a16="http://schemas.microsoft.com/office/drawing/2014/main" id="{F0DC217E-BCCB-45F6-B1EB-2376889F7F02}"/>
+              </a:ext>
+            </a:extLst>
+          </p:cNvPr>
+          <p:cNvPicPr>
+            <a:picLocks noGrp="1" noChangeAspect="1" noChangeArrowheads="1"/>
+          </p:cNvPicPr>
+          <p:nvPr>
+            <p:ph sz="half" idx="2"/>
+          </p:nvPr>
+        </p:nvPicPr>
+        <p:blipFill>
+          <a:blip r:embed="rId2">
+            <a:extLst>
+              <a:ext uri="{28A0092B-C50C-407E-A947-70E740481C1C}">
+                <a14:useLocalDpi xmlns:a14="http://schemas.microsoft.com/office/drawing/2010/main" val="0"/>
+              </a:ext>
+            </a:extLst>
+          </a:blip>
+          <a:srcRect/>
+          <a:stretch>
+            <a:fillRect/>
+          </a:stretch>
+        </p:blipFill>
+        <p:spPr bwMode="auto">
+          <a:xfrm>
+            <a:off x="5751513" y="2299268"/>
+            <a:ext cx="5897670" cy="3334731"/>
+          </a:xfrm>
+          <a:prstGeom prst="round2DiagRect">
+            <a:avLst>
+              <a:gd name="adj1" fmla="val 16667"/>
+              <a:gd name="adj2" fmla="val 0"/>
+            </a:avLst>
+          </a:prstGeom>
+          <a:ln w="88900" cap="sq">
+            <a:solidFill>
+              <a:srgbClr val="FFFFFF"/>
+            </a:solidFill>
+            <a:miter lim="800000"/>
+          </a:ln>
+          <a:effectLst>
+            <a:outerShdw blurRad="254000" algn="tl" rotWithShape="0">
+              <a:srgbClr val="000000">
+                <a:alpha val="43000"/>
+              </a:srgbClr>
+            </a:outerShdw>
+          </a:effectLst>
+          <a:extLst>
+            <a:ext uri="{909E8E84-426E-40DD-AFC4-6F175D3DCCD1}">
+              <a14:hiddenFill xmlns:a14="http://schemas.microsoft.com/office/drawing/2010/main">
+                <a:solidFill>
+                  <a:srgbClr val="FFFFFF"/>
+                </a:solidFill>
+              </a14:hiddenFill>
+            </a:ext>
+          </a:extLst>
+        </p:spPr>
+      </p:pic>
+    </p:spTree>
+    <p:extLst>
+      <p:ext uri="{BB962C8B-B14F-4D97-AF65-F5344CB8AC3E}">
+        <p14:creationId xmlns:p14="http://schemas.microsoft.com/office/powerpoint/2010/main" val="4027522884"/>
+      </p:ext>
+    </p:extLst>
+  </p:cSld>
+  <p:clrMapOvr>
+    <a:masterClrMapping/>
+  </p:clrMapOvr>
+</p:sld>
+</file>
+
+<file path=ppt/slides/slide13.xml><?xml version="1.0" encoding="utf-8"?>
+<p:sld xmlns:a="http://schemas.openxmlformats.org/drawingml/2006/main" xmlns:r="http://schemas.openxmlformats.org/officeDocument/2006/relationships" xmlns:p="http://schemas.openxmlformats.org/presentationml/2006/main">
+  <p:cSld>
+    <p:spTree>
+      <p:nvGrpSpPr>
+        <p:cNvPr id="1" name=""/>
+        <p:cNvGrpSpPr/>
+        <p:nvPr/>
+      </p:nvGrpSpPr>
+      <p:grpSpPr>
+        <a:xfrm>
+          <a:off x="0" y="0"/>
+          <a:ext cx="0" cy="0"/>
+          <a:chOff x="0" y="0"/>
+          <a:chExt cx="0" cy="0"/>
+        </a:xfrm>
+      </p:grpSpPr>
+      <p:sp>
+        <p:nvSpPr>
+          <p:cNvPr id="2" name="Başlık 1">
+            <a:extLst>
+              <a:ext uri="{FF2B5EF4-FFF2-40B4-BE49-F238E27FC236}">
+                <a16:creationId xmlns:a16="http://schemas.microsoft.com/office/drawing/2014/main" id="{7EF43768-F69A-4850-BADA-6FDAA55EDB64}"/>
+              </a:ext>
+            </a:extLst>
+          </p:cNvPr>
+          <p:cNvSpPr>
+            <a:spLocks noGrp="1"/>
+          </p:cNvSpPr>
+          <p:nvPr>
+            <p:ph type="title"/>
+          </p:nvPr>
+        </p:nvSpPr>
+        <p:spPr/>
+        <p:txBody>
+          <a:bodyPr/>
+          <a:lstStyle/>
+          <a:p>
+            <a:pPr algn="ctr"/>
+            <a:r>
+              <a:rPr lang="tr-TR" b="1" dirty="0"/>
+              <a:t>Artırılmış ve sanal gerçeklik </a:t>
+            </a:r>
+            <a:r>
+              <a:rPr lang="tr-TR" b="1" dirty="0" err="1"/>
+              <a:t>kARŞILAŞTIRMASI</a:t>
+            </a:r>
+            <a:endParaRPr lang="tr-TR" b="1" dirty="0"/>
+          </a:p>
+        </p:txBody>
+      </p:sp>
+      <p:sp>
+        <p:nvSpPr>
+          <p:cNvPr id="3" name="İçerik Yer Tutucusu 2">
+            <a:extLst>
+              <a:ext uri="{FF2B5EF4-FFF2-40B4-BE49-F238E27FC236}">
+                <a16:creationId xmlns:a16="http://schemas.microsoft.com/office/drawing/2014/main" id="{63465760-D430-4E93-BBA3-3715A28C879F}"/>
+              </a:ext>
+            </a:extLst>
+          </p:cNvPr>
+          <p:cNvSpPr>
+            <a:spLocks noGrp="1"/>
+          </p:cNvSpPr>
+          <p:nvPr>
+            <p:ph sz="half" idx="1"/>
+          </p:nvPr>
+        </p:nvSpPr>
+        <p:spPr/>
+        <p:txBody>
+          <a:bodyPr anchor="ctr">
+            <a:normAutofit/>
+          </a:bodyPr>
+          <a:lstStyle/>
+          <a:p>
+            <a:pPr marL="0" indent="0" algn="ctr">
+              <a:buNone/>
+            </a:pPr>
+            <a:r>
+              <a:rPr lang="tr-TR" b="1" dirty="0"/>
+              <a:t>ARTIRILMIŞ GERÇEKLİK</a:t>
+            </a:r>
+          </a:p>
+          <a:p>
+            <a:pPr algn="ctr"/>
+            <a:r>
+              <a:rPr lang="tr-TR" dirty="0"/>
+              <a:t>AR, halihazırda gördüklerinizin üzerine bilgi yansıtarak gerçeğe katkıda bulunur. </a:t>
+            </a:r>
+          </a:p>
+          <a:p>
+            <a:pPr algn="ctr"/>
+            <a:r>
+              <a:rPr lang="tr-TR" dirty="0"/>
+              <a:t>Açıklamak gerekirse, Artırılmış Gerçeklik var olan dünyanın üzerine bilgiler yansıtarak bunları geliştirme amacı güder.</a:t>
+            </a:r>
+          </a:p>
+          <a:p>
+            <a:pPr algn="ctr"/>
+            <a:r>
+              <a:rPr lang="tr-TR" dirty="0"/>
+              <a:t>Artırılmış gerçeklik kullanım alanları:</a:t>
+            </a:r>
+          </a:p>
+          <a:p>
+            <a:pPr marL="0" indent="0" algn="ctr">
+              <a:buNone/>
+            </a:pPr>
+            <a:r>
+              <a:rPr lang="tr-TR" dirty="0"/>
+              <a:t>Pazarlama, Sinema, Sanat ve Müzeler, Alışveriş, Turizm, Sağlık, Oyun ve video, Emlak</a:t>
+            </a:r>
+          </a:p>
+        </p:txBody>
+      </p:sp>
+      <p:sp>
+        <p:nvSpPr>
+          <p:cNvPr id="4" name="İçerik Yer Tutucusu 3">
+            <a:extLst>
+              <a:ext uri="{FF2B5EF4-FFF2-40B4-BE49-F238E27FC236}">
+                <a16:creationId xmlns:a16="http://schemas.microsoft.com/office/drawing/2014/main" id="{0820907A-0CAA-4760-B6F2-84C075A135AA}"/>
+              </a:ext>
+            </a:extLst>
+          </p:cNvPr>
+          <p:cNvSpPr>
+            <a:spLocks noGrp="1"/>
+          </p:cNvSpPr>
+          <p:nvPr>
+            <p:ph sz="half" idx="2"/>
+          </p:nvPr>
+        </p:nvSpPr>
+        <p:spPr/>
+        <p:txBody>
+          <a:bodyPr anchor="ctr">
+            <a:normAutofit/>
+          </a:bodyPr>
+          <a:lstStyle/>
+          <a:p>
+            <a:pPr marL="0" indent="0" algn="ctr">
+              <a:buNone/>
+            </a:pPr>
+            <a:r>
+              <a:rPr lang="tr-TR" b="1" dirty="0"/>
+              <a:t>SANAL GERÇEKLİK</a:t>
+            </a:r>
+          </a:p>
+          <a:p>
+            <a:pPr algn="ctr"/>
+            <a:r>
+              <a:rPr lang="tr-TR" dirty="0"/>
+              <a:t>VR, gerçekliğin yerini alır ve sizi başka bir yere götürür.</a:t>
+            </a:r>
+          </a:p>
+          <a:p>
+            <a:pPr algn="ctr"/>
+            <a:r>
+              <a:rPr lang="tr-TR" dirty="0"/>
+              <a:t>Sanal gerçeklik var olan dünyanın dışına çıkarak kendi dünyasını oluşturur ve sizi bambaşka bir yerdeymişsiniz hissiyatının içine sokar.</a:t>
+            </a:r>
+          </a:p>
+          <a:p>
+            <a:pPr algn="ctr"/>
+            <a:r>
+              <a:rPr lang="tr-TR" dirty="0"/>
+              <a:t>Sanal gerçeklik kullanım alanları:</a:t>
+            </a:r>
+          </a:p>
+          <a:p>
+            <a:pPr marL="0" indent="0" algn="ctr">
+              <a:buNone/>
+            </a:pPr>
+            <a:r>
+              <a:rPr lang="tr-TR" dirty="0"/>
+              <a:t>Eğitim, Endüstri, Sağlık, Seyahat, Oyun, Savunma, Sanayii, Kültür ve Turizm, Eğlence</a:t>
+            </a:r>
+          </a:p>
+        </p:txBody>
+      </p:sp>
+    </p:spTree>
+    <p:extLst>
+      <p:ext uri="{BB962C8B-B14F-4D97-AF65-F5344CB8AC3E}">
+        <p14:creationId xmlns:p14="http://schemas.microsoft.com/office/powerpoint/2010/main" val="3967903628"/>
+      </p:ext>
+    </p:extLst>
+  </p:cSld>
+  <p:clrMapOvr>
+    <a:masterClrMapping/>
+  </p:clrMapOvr>
+  <mc:AlternateContent xmlns:mc="http://schemas.openxmlformats.org/markup-compatibility/2006" xmlns:p14="http://schemas.microsoft.com/office/powerpoint/2010/main">
+    <mc:Choice Requires="p14">
+      <p:transition spd="slow" p14:dur="900">
+        <p14:warp dir="in"/>
+      </p:transition>
+    </mc:Choice>
+    <mc:Fallback xmlns="">
+      <p:transition spd="slow">
+        <p:fade/>
+      </p:transition>
+    </mc:Fallback>
+  </mc:AlternateContent>
+</p:sld>
+</file>
+
+<file path=ppt/slides/slide14.xml><?xml version="1.0" encoding="utf-8"?>
+<p:sld xmlns:a="http://schemas.openxmlformats.org/drawingml/2006/main" xmlns:r="http://schemas.openxmlformats.org/officeDocument/2006/relationships" xmlns:p="http://schemas.openxmlformats.org/presentationml/2006/main">
+  <p:cSld>
+    <p:spTree>
+      <p:nvGrpSpPr>
+        <p:cNvPr id="1" name=""/>
+        <p:cNvGrpSpPr/>
+        <p:nvPr/>
+      </p:nvGrpSpPr>
+      <p:grpSpPr>
+        <a:xfrm>
+          <a:off x="0" y="0"/>
+          <a:ext cx="0" cy="0"/>
+          <a:chOff x="0" y="0"/>
+          <a:chExt cx="0" cy="0"/>
+        </a:xfrm>
+      </p:grpSpPr>
+      <p:sp>
+        <p:nvSpPr>
+          <p:cNvPr id="5" name="Başlık 4">
+            <a:extLst>
+              <a:ext uri="{FF2B5EF4-FFF2-40B4-BE49-F238E27FC236}">
+                <a16:creationId xmlns:a16="http://schemas.microsoft.com/office/drawing/2014/main" id="{B9DE66D8-DA80-43DE-898A-1EC1FBF28986}"/>
+              </a:ext>
+            </a:extLst>
+          </p:cNvPr>
+          <p:cNvSpPr>
+            <a:spLocks noGrp="1"/>
+          </p:cNvSpPr>
+          <p:nvPr>
+            <p:ph type="title"/>
+          </p:nvPr>
+        </p:nvSpPr>
+        <p:spPr>
+          <a:xfrm>
+            <a:off x="685801" y="609600"/>
+            <a:ext cx="11012213" cy="1456267"/>
+          </a:xfrm>
+        </p:spPr>
+        <p:txBody>
+          <a:bodyPr/>
+          <a:lstStyle/>
+          <a:p>
+            <a:r>
+              <a:rPr lang="tr-TR" b="1" dirty="0"/>
+              <a:t>Artırılmış gerçeklik ve sanal gerçekliği anlayalım</a:t>
+            </a:r>
+          </a:p>
+        </p:txBody>
+      </p:sp>
+      <p:pic>
+        <p:nvPicPr>
+          <p:cNvPr id="3076" name="Picture 4">
+            <a:extLst>
+              <a:ext uri="{FF2B5EF4-FFF2-40B4-BE49-F238E27FC236}">
+                <a16:creationId xmlns:a16="http://schemas.microsoft.com/office/drawing/2014/main" id="{BDC032A8-13B6-407F-8AA9-E8DB7C675E65}"/>
+              </a:ext>
+            </a:extLst>
+          </p:cNvPr>
+          <p:cNvPicPr>
+            <a:picLocks noGrp="1" noChangeAspect="1" noChangeArrowheads="1"/>
+          </p:cNvPicPr>
+          <p:nvPr>
+            <p:ph idx="1"/>
+          </p:nvPr>
+        </p:nvPicPr>
+        <p:blipFill>
+          <a:blip r:embed="rId2">
+            <a:extLst>
+              <a:ext uri="{28A0092B-C50C-407E-A947-70E740481C1C}">
+                <a14:useLocalDpi xmlns:a14="http://schemas.microsoft.com/office/drawing/2010/main" val="0"/>
+              </a:ext>
+            </a:extLst>
+          </a:blip>
+          <a:srcRect/>
+          <a:stretch>
+            <a:fillRect/>
+          </a:stretch>
+        </p:blipFill>
+        <p:spPr bwMode="auto">
+          <a:xfrm>
+            <a:off x="1870246" y="2065867"/>
+            <a:ext cx="8451508" cy="3358215"/>
+          </a:xfrm>
+          <a:prstGeom prst="roundRect">
+            <a:avLst>
+              <a:gd name="adj" fmla="val 8594"/>
+            </a:avLst>
+          </a:prstGeom>
+          <a:solidFill>
+            <a:srgbClr val="FFFFFF">
+              <a:shade val="85000"/>
+            </a:srgbClr>
+          </a:solidFill>
+          <a:ln>
+            <a:noFill/>
+          </a:ln>
+          <a:effectLst>
+            <a:reflection blurRad="12700" stA="38000" endPos="28000" dist="5000" dir="5400000" sy="-100000" algn="bl" rotWithShape="0"/>
+          </a:effectLst>
+          <a:extLst>
+            <a:ext uri="{909E8E84-426E-40DD-AFC4-6F175D3DCCD1}">
+              <a14:hiddenFill xmlns:a14="http://schemas.microsoft.com/office/drawing/2010/main">
+                <a:solidFill>
+                  <a:srgbClr val="FFFFFF"/>
+                </a:solidFill>
+              </a14:hiddenFill>
+            </a:ext>
+          </a:extLst>
+        </p:spPr>
+      </p:pic>
+    </p:spTree>
+    <p:extLst>
+      <p:ext uri="{BB962C8B-B14F-4D97-AF65-F5344CB8AC3E}">
+        <p14:creationId xmlns:p14="http://schemas.microsoft.com/office/powerpoint/2010/main" val="3364302640"/>
+      </p:ext>
+    </p:extLst>
+  </p:cSld>
+  <p:clrMapOvr>
+    <a:masterClrMapping/>
+  </p:clrMapOvr>
+  <mc:AlternateContent xmlns:mc="http://schemas.openxmlformats.org/markup-compatibility/2006">
+    <mc:Choice xmlns:p14="http://schemas.microsoft.com/office/powerpoint/2010/main" Requires="p14">
+      <p:transition spd="slow" p14:dur="800">
+        <p14:flythrough/>
+      </p:transition>
+    </mc:Choice>
+    <mc:Fallback>
+      <p:transition spd="slow">
+        <p:fade/>
+      </p:transition>
+    </mc:Fallback>
+  </mc:AlternateContent>
+</p:sld>
+</file>
+
+<file path=ppt/slides/slide15.xml><?xml version="1.0" encoding="utf-8"?>
+<p:sld xmlns:a="http://schemas.openxmlformats.org/drawingml/2006/main" xmlns:r="http://schemas.openxmlformats.org/officeDocument/2006/relationships" xmlns:p="http://schemas.openxmlformats.org/presentationml/2006/main">
+  <p:cSld>
+    <p:spTree>
+      <p:nvGrpSpPr>
+        <p:cNvPr id="1" name=""/>
+        <p:cNvGrpSpPr/>
+        <p:nvPr/>
+      </p:nvGrpSpPr>
+      <p:grpSpPr>
+        <a:xfrm>
+          <a:off x="0" y="0"/>
+          <a:ext cx="0" cy="0"/>
+          <a:chOff x="0" y="0"/>
+          <a:chExt cx="0" cy="0"/>
+        </a:xfrm>
+      </p:grpSpPr>
+      <p:sp>
+        <p:nvSpPr>
+          <p:cNvPr id="2" name="Başlık 1">
+            <a:extLst>
+              <a:ext uri="{FF2B5EF4-FFF2-40B4-BE49-F238E27FC236}">
                 <a16:creationId xmlns:a16="http://schemas.microsoft.com/office/drawing/2014/main" id="{E4968A5F-D277-4036-9C94-0A6DFF4BE849}"/>
               </a:ext>
             </a:extLst>
@@ -9299,7 +13346,7 @@
         </p:spPr>
         <p:txBody>
           <a:bodyPr>
-            <a:normAutofit lnSpcReduction="10000"/>
+            <a:normAutofit fontScale="85000" lnSpcReduction="20000"/>
           </a:bodyPr>
           <a:lstStyle/>
           <a:p>
@@ -9366,6 +13413,18 @@
             <a:r>
               <a:rPr lang="tr-TR" dirty="0"/>
               <a:t>https://codemodeon.com/tr/blog/sanal-gerceklik-nedir/</a:t>
+            </a:r>
+          </a:p>
+          <a:p>
+            <a:r>
+              <a:rPr lang="tr-TR" dirty="0"/>
+              <a:t>https://www.bilgile.com/teknoloji/488-metaverse-nedir/</a:t>
+            </a:r>
+          </a:p>
+          <a:p>
+            <a:r>
+              <a:rPr lang="tr-TR" dirty="0"/>
+              <a:t>https://www.bilalozcakir.com.tr/ar-app/matar-uzamsal-ar-artirilmis-gerceklik-yazilimi/</a:t>
             </a:r>
           </a:p>
         </p:txBody>
@@ -9395,7 +13454,7 @@
 </p:sld>
 </file>
 
-<file path=ppt/slides/slide11.xml><?xml version="1.0" encoding="utf-8"?>
+<file path=ppt/slides/slide16.xml><?xml version="1.0" encoding="utf-8"?>
 <p:sld xmlns:a="http://schemas.openxmlformats.org/drawingml/2006/main" xmlns:r="http://schemas.openxmlformats.org/officeDocument/2006/relationships" xmlns:p="http://schemas.openxmlformats.org/presentationml/2006/main">
   <p:cSld>
     <p:spTree>
@@ -9557,10 +13616,10 @@
       </p:grpSpPr>
       <p:pic>
         <p:nvPicPr>
-          <p:cNvPr id="5" name="İçerik Yer Tutucusu 4">
+          <p:cNvPr id="6" name="İçerik Yer Tutucusu 5">
             <a:extLst>
               <a:ext uri="{FF2B5EF4-FFF2-40B4-BE49-F238E27FC236}">
-                <a16:creationId xmlns:a16="http://schemas.microsoft.com/office/drawing/2014/main" id="{E8856166-2A48-4DA2-AFC4-FD506CFE6F9F}"/>
+                <a16:creationId xmlns:a16="http://schemas.microsoft.com/office/drawing/2014/main" id="{B0EDA063-6944-49DD-88D0-308A009E6E14}"/>
               </a:ext>
             </a:extLst>
           </p:cNvPr>
@@ -9579,9 +13638,25 @@
         </p:blipFill>
         <p:spPr>
           <a:xfrm>
-            <a:off x="924725" y="0"/>
-            <a:ext cx="10342549" cy="6858000"/>
+            <a:off x="1572306" y="429402"/>
+            <a:ext cx="9047388" cy="5999196"/>
           </a:xfrm>
+          <a:prstGeom prst="roundRect">
+            <a:avLst>
+              <a:gd name="adj" fmla="val 8594"/>
+            </a:avLst>
+          </a:prstGeom>
+          <a:solidFill>
+            <a:srgbClr val="FFFFFF">
+              <a:shade val="85000"/>
+            </a:srgbClr>
+          </a:solidFill>
+          <a:ln>
+            <a:noFill/>
+          </a:ln>
+          <a:effectLst>
+            <a:reflection blurRad="12700" stA="38000" endPos="28000" dist="5000" dir="5400000" sy="-100000" algn="bl" rotWithShape="0"/>
+          </a:effectLst>
         </p:spPr>
       </p:pic>
     </p:spTree>
@@ -9670,14 +13745,14 @@
             <p:ph idx="1"/>
             <p:extLst>
               <p:ext uri="{D42A27DB-BD31-4B8C-83A1-F6EECF244321}">
-                <p14:modId xmlns:p14="http://schemas.microsoft.com/office/powerpoint/2010/main" val="239481767"/>
+                <p14:modId xmlns:p14="http://schemas.microsoft.com/office/powerpoint/2010/main" val="3261675977"/>
               </p:ext>
             </p:extLst>
           </p:nvPr>
         </p:nvGraphicFramePr>
         <p:xfrm>
           <a:off x="685801" y="2142067"/>
-          <a:ext cx="10131425" cy="3649133"/>
+          <a:ext cx="10812516" cy="3974954"/>
         </p:xfrm>
         <a:graphic>
           <a:graphicData uri="http://schemas.openxmlformats.org/drawingml/2006/diagram">
@@ -9773,6 +13848,25 @@
             <a:off x="685801" y="2340270"/>
             <a:ext cx="5410199" cy="2574734"/>
           </a:xfrm>
+          <a:prstGeom prst="round2DiagRect">
+            <a:avLst>
+              <a:gd name="adj1" fmla="val 16667"/>
+              <a:gd name="adj2" fmla="val 0"/>
+            </a:avLst>
+          </a:prstGeom>
+          <a:ln w="88900" cap="sq">
+            <a:solidFill>
+              <a:srgbClr val="FFFFFF"/>
+            </a:solidFill>
+            <a:miter lim="800000"/>
+          </a:ln>
+          <a:effectLst>
+            <a:outerShdw blurRad="254000" algn="tl" rotWithShape="0">
+              <a:srgbClr val="000000">
+                <a:alpha val="43000"/>
+              </a:srgbClr>
+            </a:outerShdw>
+          </a:effectLst>
         </p:spPr>
       </p:pic>
       <p:sp>
@@ -10000,10 +14094,25 @@
             <a:off x="5877086" y="2266839"/>
             <a:ext cx="5629112" cy="3162079"/>
           </a:xfrm>
-          <a:prstGeom prst="rect">
-            <a:avLst/>
+          <a:prstGeom prst="round2DiagRect">
+            <a:avLst>
+              <a:gd name="adj1" fmla="val 16667"/>
+              <a:gd name="adj2" fmla="val 0"/>
+            </a:avLst>
           </a:prstGeom>
-          <a:noFill/>
+          <a:ln w="88900" cap="sq">
+            <a:solidFill>
+              <a:srgbClr val="FFFFFF"/>
+            </a:solidFill>
+            <a:miter lim="800000"/>
+          </a:ln>
+          <a:effectLst>
+            <a:outerShdw blurRad="254000" algn="tl" rotWithShape="0">
+              <a:srgbClr val="000000">
+                <a:alpha val="43000"/>
+              </a:srgbClr>
+            </a:outerShdw>
+          </a:effectLst>
           <a:extLst>
             <a:ext uri="{909E8E84-426E-40DD-AFC4-6F175D3DCCD1}">
               <a14:hiddenFill xmlns:a14="http://schemas.microsoft.com/office/drawing/2010/main">
@@ -10053,6 +14162,428 @@
           <p:cNvPr id="2" name="Başlık 1">
             <a:extLst>
               <a:ext uri="{FF2B5EF4-FFF2-40B4-BE49-F238E27FC236}">
+                <a16:creationId xmlns:a16="http://schemas.microsoft.com/office/drawing/2014/main" id="{ADD3EABC-3AB3-409A-BC7E-F726077C15F9}"/>
+              </a:ext>
+            </a:extLst>
+          </p:cNvPr>
+          <p:cNvSpPr>
+            <a:spLocks noGrp="1"/>
+          </p:cNvSpPr>
+          <p:nvPr>
+            <p:ph type="title"/>
+          </p:nvPr>
+        </p:nvSpPr>
+        <p:spPr/>
+        <p:txBody>
+          <a:bodyPr/>
+          <a:lstStyle/>
+          <a:p>
+            <a:r>
+              <a:rPr lang="tr-TR" b="1" dirty="0"/>
+              <a:t>ARTIRILMIŞ GERÇEKLİK İÇERİĞİ</a:t>
+            </a:r>
+          </a:p>
+        </p:txBody>
+      </p:sp>
+      <p:pic>
+        <p:nvPicPr>
+          <p:cNvPr id="6146" name="Picture 2">
+            <a:extLst>
+              <a:ext uri="{FF2B5EF4-FFF2-40B4-BE49-F238E27FC236}">
+                <a16:creationId xmlns:a16="http://schemas.microsoft.com/office/drawing/2014/main" id="{E1B79312-2120-4503-9CD6-7FEB75F4F306}"/>
+              </a:ext>
+            </a:extLst>
+          </p:cNvPr>
+          <p:cNvPicPr>
+            <a:picLocks noGrp="1" noChangeAspect="1" noChangeArrowheads="1"/>
+          </p:cNvPicPr>
+          <p:nvPr>
+            <p:ph idx="1"/>
+          </p:nvPr>
+        </p:nvPicPr>
+        <p:blipFill>
+          <a:blip r:embed="rId2">
+            <a:extLst>
+              <a:ext uri="{28A0092B-C50C-407E-A947-70E740481C1C}">
+                <a14:useLocalDpi xmlns:a14="http://schemas.microsoft.com/office/drawing/2010/main" val="0"/>
+              </a:ext>
+            </a:extLst>
+          </a:blip>
+          <a:srcRect/>
+          <a:stretch>
+            <a:fillRect/>
+          </a:stretch>
+        </p:blipFill>
+        <p:spPr bwMode="auto">
+          <a:xfrm>
+            <a:off x="1633122" y="2265563"/>
+            <a:ext cx="8925756" cy="3546658"/>
+          </a:xfrm>
+          <a:prstGeom prst="roundRect">
+            <a:avLst>
+              <a:gd name="adj" fmla="val 8594"/>
+            </a:avLst>
+          </a:prstGeom>
+          <a:solidFill>
+            <a:srgbClr val="FFFFFF">
+              <a:shade val="85000"/>
+            </a:srgbClr>
+          </a:solidFill>
+          <a:ln>
+            <a:noFill/>
+          </a:ln>
+          <a:effectLst>
+            <a:reflection blurRad="12700" stA="38000" endPos="28000" dist="5000" dir="5400000" sy="-100000" algn="bl" rotWithShape="0"/>
+          </a:effectLst>
+          <a:extLst>
+            <a:ext uri="{909E8E84-426E-40DD-AFC4-6F175D3DCCD1}">
+              <a14:hiddenFill xmlns:a14="http://schemas.microsoft.com/office/drawing/2010/main">
+                <a:solidFill>
+                  <a:srgbClr val="FFFFFF"/>
+                </a:solidFill>
+              </a14:hiddenFill>
+            </a:ext>
+          </a:extLst>
+        </p:spPr>
+      </p:pic>
+    </p:spTree>
+    <p:extLst>
+      <p:ext uri="{BB962C8B-B14F-4D97-AF65-F5344CB8AC3E}">
+        <p14:creationId xmlns:p14="http://schemas.microsoft.com/office/powerpoint/2010/main" val="3426219673"/>
+      </p:ext>
+    </p:extLst>
+  </p:cSld>
+  <p:clrMapOvr>
+    <a:masterClrMapping/>
+  </p:clrMapOvr>
+  <mc:AlternateContent xmlns:mc="http://schemas.openxmlformats.org/markup-compatibility/2006">
+    <mc:Choice xmlns:p14="http://schemas.microsoft.com/office/powerpoint/2010/main" Requires="p14">
+      <p:transition spd="slow" p14:dur="2500">
+        <p:checker/>
+      </p:transition>
+    </mc:Choice>
+    <mc:Fallback>
+      <p:transition spd="slow">
+        <p:checker/>
+      </p:transition>
+    </mc:Fallback>
+  </mc:AlternateContent>
+</p:sld>
+</file>
+
+<file path=ppt/slides/slide7.xml><?xml version="1.0" encoding="utf-8"?>
+<p:sld xmlns:a="http://schemas.openxmlformats.org/drawingml/2006/main" xmlns:r="http://schemas.openxmlformats.org/officeDocument/2006/relationships" xmlns:p="http://schemas.openxmlformats.org/presentationml/2006/main">
+  <p:cSld>
+    <p:spTree>
+      <p:nvGrpSpPr>
+        <p:cNvPr id="1" name=""/>
+        <p:cNvGrpSpPr/>
+        <p:nvPr/>
+      </p:nvGrpSpPr>
+      <p:grpSpPr>
+        <a:xfrm>
+          <a:off x="0" y="0"/>
+          <a:ext cx="0" cy="0"/>
+          <a:chOff x="0" y="0"/>
+          <a:chExt cx="0" cy="0"/>
+        </a:xfrm>
+      </p:grpSpPr>
+      <p:sp>
+        <p:nvSpPr>
+          <p:cNvPr id="8" name="Başlık 7">
+            <a:extLst>
+              <a:ext uri="{FF2B5EF4-FFF2-40B4-BE49-F238E27FC236}">
+                <a16:creationId xmlns:a16="http://schemas.microsoft.com/office/drawing/2014/main" id="{8292E88A-BAD3-4699-96C0-791C7CAC42AC}"/>
+              </a:ext>
+            </a:extLst>
+          </p:cNvPr>
+          <p:cNvSpPr>
+            <a:spLocks noGrp="1"/>
+          </p:cNvSpPr>
+          <p:nvPr>
+            <p:ph type="title"/>
+          </p:nvPr>
+        </p:nvSpPr>
+        <p:spPr/>
+        <p:txBody>
+          <a:bodyPr/>
+          <a:lstStyle/>
+          <a:p>
+            <a:r>
+              <a:rPr lang="tr-TR" b="1" dirty="0"/>
+              <a:t>Artırılmış gerçeklik sistemleri</a:t>
+            </a:r>
+          </a:p>
+        </p:txBody>
+      </p:sp>
+      <p:graphicFrame>
+        <p:nvGraphicFramePr>
+          <p:cNvPr id="10" name="İçerik Yer Tutucusu 9">
+            <a:extLst>
+              <a:ext uri="{FF2B5EF4-FFF2-40B4-BE49-F238E27FC236}">
+                <a16:creationId xmlns:a16="http://schemas.microsoft.com/office/drawing/2014/main" id="{3A5D48FE-F7F2-4363-BCB4-DC6142327C1D}"/>
+              </a:ext>
+            </a:extLst>
+          </p:cNvPr>
+          <p:cNvGraphicFramePr>
+            <a:graphicFrameLocks noGrp="1"/>
+          </p:cNvGraphicFramePr>
+          <p:nvPr>
+            <p:ph idx="1"/>
+            <p:extLst>
+              <p:ext uri="{D42A27DB-BD31-4B8C-83A1-F6EECF244321}">
+                <p14:modId xmlns:p14="http://schemas.microsoft.com/office/powerpoint/2010/main" val="420533197"/>
+              </p:ext>
+            </p:extLst>
+          </p:nvPr>
+        </p:nvGraphicFramePr>
+        <p:xfrm>
+          <a:off x="685801" y="2152578"/>
+          <a:ext cx="10131425" cy="3649133"/>
+        </p:xfrm>
+        <a:graphic>
+          <a:graphicData uri="http://schemas.openxmlformats.org/drawingml/2006/diagram">
+            <dgm:relIds xmlns:dgm="http://schemas.openxmlformats.org/drawingml/2006/diagram" xmlns:r="http://schemas.openxmlformats.org/officeDocument/2006/relationships" r:dm="rId2" r:lo="rId3" r:qs="rId4" r:cs="rId5"/>
+          </a:graphicData>
+        </a:graphic>
+      </p:graphicFrame>
+    </p:spTree>
+    <p:extLst>
+      <p:ext uri="{BB962C8B-B14F-4D97-AF65-F5344CB8AC3E}">
+        <p14:creationId xmlns:p14="http://schemas.microsoft.com/office/powerpoint/2010/main" val="2295930197"/>
+      </p:ext>
+    </p:extLst>
+  </p:cSld>
+  <p:clrMapOvr>
+    <a:masterClrMapping/>
+  </p:clrMapOvr>
+  <mc:AlternateContent xmlns:mc="http://schemas.openxmlformats.org/markup-compatibility/2006">
+    <mc:Choice xmlns:p15="http://schemas.microsoft.com/office/powerpoint/2012/main" Requires="p15">
+      <p:transition xmlns:p14="http://schemas.microsoft.com/office/powerpoint/2010/main" spd="slow" p14:dur="1250">
+        <p15:prstTrans prst="peelOff"/>
+      </p:transition>
+    </mc:Choice>
+    <mc:Fallback>
+      <p:transition spd="slow">
+        <p:fade/>
+      </p:transition>
+    </mc:Fallback>
+  </mc:AlternateContent>
+</p:sld>
+</file>
+
+<file path=ppt/slides/slide8.xml><?xml version="1.0" encoding="utf-8"?>
+<p:sld xmlns:a="http://schemas.openxmlformats.org/drawingml/2006/main" xmlns:r="http://schemas.openxmlformats.org/officeDocument/2006/relationships" xmlns:p="http://schemas.openxmlformats.org/presentationml/2006/main">
+  <p:cSld>
+    <p:spTree>
+      <p:nvGrpSpPr>
+        <p:cNvPr id="1" name=""/>
+        <p:cNvGrpSpPr/>
+        <p:nvPr/>
+      </p:nvGrpSpPr>
+      <p:grpSpPr>
+        <a:xfrm>
+          <a:off x="0" y="0"/>
+          <a:ext cx="0" cy="0"/>
+          <a:chOff x="0" y="0"/>
+          <a:chExt cx="0" cy="0"/>
+        </a:xfrm>
+      </p:grpSpPr>
+      <p:sp>
+        <p:nvSpPr>
+          <p:cNvPr id="2" name="Başlık 1">
+            <a:extLst>
+              <a:ext uri="{FF2B5EF4-FFF2-40B4-BE49-F238E27FC236}">
+                <a16:creationId xmlns:a16="http://schemas.microsoft.com/office/drawing/2014/main" id="{3138D252-B30B-4803-AFCB-BDC35F67BF35}"/>
+              </a:ext>
+            </a:extLst>
+          </p:cNvPr>
+          <p:cNvSpPr>
+            <a:spLocks noGrp="1"/>
+          </p:cNvSpPr>
+          <p:nvPr>
+            <p:ph type="title"/>
+          </p:nvPr>
+        </p:nvSpPr>
+        <p:spPr/>
+        <p:txBody>
+          <a:bodyPr/>
+          <a:lstStyle/>
+          <a:p>
+            <a:r>
+              <a:rPr lang="tr-TR" b="1" dirty="0"/>
+              <a:t>Uzamsal tip örnekleri</a:t>
+            </a:r>
+          </a:p>
+        </p:txBody>
+      </p:sp>
+      <p:pic>
+        <p:nvPicPr>
+          <p:cNvPr id="5124" name="Picture 4">
+            <a:extLst>
+              <a:ext uri="{FF2B5EF4-FFF2-40B4-BE49-F238E27FC236}">
+                <a16:creationId xmlns:a16="http://schemas.microsoft.com/office/drawing/2014/main" id="{87D9841A-BA3E-48BD-AD5B-B4349BA3294E}"/>
+              </a:ext>
+            </a:extLst>
+          </p:cNvPr>
+          <p:cNvPicPr>
+            <a:picLocks noGrp="1" noChangeAspect="1" noChangeArrowheads="1"/>
+          </p:cNvPicPr>
+          <p:nvPr>
+            <p:ph idx="1"/>
+          </p:nvPr>
+        </p:nvPicPr>
+        <p:blipFill>
+          <a:blip r:embed="rId2">
+            <a:extLst>
+              <a:ext uri="{28A0092B-C50C-407E-A947-70E740481C1C}">
+                <a14:useLocalDpi xmlns:a14="http://schemas.microsoft.com/office/drawing/2010/main" val="0"/>
+              </a:ext>
+            </a:extLst>
+          </a:blip>
+          <a:srcRect/>
+          <a:stretch>
+            <a:fillRect/>
+          </a:stretch>
+        </p:blipFill>
+        <p:spPr bwMode="auto">
+          <a:xfrm>
+            <a:off x="310893" y="2065867"/>
+            <a:ext cx="5475596" cy="3083956"/>
+          </a:xfrm>
+          <a:prstGeom prst="roundRect">
+            <a:avLst>
+              <a:gd name="adj" fmla="val 8594"/>
+            </a:avLst>
+          </a:prstGeom>
+          <a:solidFill>
+            <a:srgbClr val="FFFFFF">
+              <a:shade val="85000"/>
+            </a:srgbClr>
+          </a:solidFill>
+          <a:ln>
+            <a:noFill/>
+          </a:ln>
+          <a:effectLst>
+            <a:reflection blurRad="12700" stA="38000" endPos="28000" dist="5000" dir="5400000" sy="-100000" algn="bl" rotWithShape="0"/>
+          </a:effectLst>
+          <a:extLst>
+            <a:ext uri="{909E8E84-426E-40DD-AFC4-6F175D3DCCD1}">
+              <a14:hiddenFill xmlns:a14="http://schemas.microsoft.com/office/drawing/2010/main">
+                <a:solidFill>
+                  <a:srgbClr val="FFFFFF"/>
+                </a:solidFill>
+              </a14:hiddenFill>
+            </a:ext>
+          </a:extLst>
+        </p:spPr>
+      </p:pic>
+      <p:pic>
+        <p:nvPicPr>
+          <p:cNvPr id="5126" name="Picture 6">
+            <a:extLst>
+              <a:ext uri="{FF2B5EF4-FFF2-40B4-BE49-F238E27FC236}">
+                <a16:creationId xmlns:a16="http://schemas.microsoft.com/office/drawing/2014/main" id="{5912D822-6592-441F-A666-9D99993A7D6E}"/>
+              </a:ext>
+            </a:extLst>
+          </p:cNvPr>
+          <p:cNvPicPr>
+            <a:picLocks noChangeAspect="1" noChangeArrowheads="1"/>
+          </p:cNvPicPr>
+          <p:nvPr/>
+        </p:nvPicPr>
+        <p:blipFill>
+          <a:blip r:embed="rId3">
+            <a:extLst>
+              <a:ext uri="{28A0092B-C50C-407E-A947-70E740481C1C}">
+                <a14:useLocalDpi xmlns:a14="http://schemas.microsoft.com/office/drawing/2010/main" val="0"/>
+              </a:ext>
+            </a:extLst>
+          </a:blip>
+          <a:srcRect/>
+          <a:stretch>
+            <a:fillRect/>
+          </a:stretch>
+        </p:blipFill>
+        <p:spPr bwMode="auto">
+          <a:xfrm>
+            <a:off x="6405511" y="2065867"/>
+            <a:ext cx="5475596" cy="3083956"/>
+          </a:xfrm>
+          <a:prstGeom prst="roundRect">
+            <a:avLst>
+              <a:gd name="adj" fmla="val 8594"/>
+            </a:avLst>
+          </a:prstGeom>
+          <a:solidFill>
+            <a:srgbClr val="FFFFFF">
+              <a:shade val="85000"/>
+            </a:srgbClr>
+          </a:solidFill>
+          <a:ln>
+            <a:noFill/>
+          </a:ln>
+          <a:effectLst>
+            <a:reflection blurRad="12700" stA="38000" endPos="28000" dist="5000" dir="5400000" sy="-100000" algn="bl" rotWithShape="0"/>
+          </a:effectLst>
+          <a:extLst>
+            <a:ext uri="{909E8E84-426E-40DD-AFC4-6F175D3DCCD1}">
+              <a14:hiddenFill xmlns:a14="http://schemas.microsoft.com/office/drawing/2010/main">
+                <a:solidFill>
+                  <a:srgbClr val="FFFFFF"/>
+                </a:solidFill>
+              </a14:hiddenFill>
+            </a:ext>
+          </a:extLst>
+        </p:spPr>
+      </p:pic>
+    </p:spTree>
+    <p:extLst>
+      <p:ext uri="{BB962C8B-B14F-4D97-AF65-F5344CB8AC3E}">
+        <p14:creationId xmlns:p14="http://schemas.microsoft.com/office/powerpoint/2010/main" val="1020572919"/>
+      </p:ext>
+    </p:extLst>
+  </p:cSld>
+  <p:clrMapOvr>
+    <a:masterClrMapping/>
+  </p:clrMapOvr>
+  <mc:AlternateContent xmlns:mc="http://schemas.openxmlformats.org/markup-compatibility/2006">
+    <mc:Choice xmlns:p14="http://schemas.microsoft.com/office/powerpoint/2010/main" Requires="p14">
+      <p:transition spd="slow" p14:dur="3400">
+        <p14:reveal/>
+      </p:transition>
+    </mc:Choice>
+    <mc:Fallback>
+      <p:transition spd="slow">
+        <p:fade/>
+      </p:transition>
+    </mc:Fallback>
+  </mc:AlternateContent>
+</p:sld>
+</file>
+
+<file path=ppt/slides/slide9.xml><?xml version="1.0" encoding="utf-8"?>
+<p:sld xmlns:a="http://schemas.openxmlformats.org/drawingml/2006/main" xmlns:r="http://schemas.openxmlformats.org/officeDocument/2006/relationships" xmlns:p="http://schemas.openxmlformats.org/presentationml/2006/main">
+  <p:cSld>
+    <p:spTree>
+      <p:nvGrpSpPr>
+        <p:cNvPr id="1" name=""/>
+        <p:cNvGrpSpPr/>
+        <p:nvPr/>
+      </p:nvGrpSpPr>
+      <p:grpSpPr>
+        <a:xfrm>
+          <a:off x="0" y="0"/>
+          <a:ext cx="0" cy="0"/>
+          <a:chOff x="0" y="0"/>
+          <a:chExt cx="0" cy="0"/>
+        </a:xfrm>
+      </p:grpSpPr>
+      <p:sp>
+        <p:nvSpPr>
+          <p:cNvPr id="2" name="Başlık 1">
+            <a:extLst>
+              <a:ext uri="{FF2B5EF4-FFF2-40B4-BE49-F238E27FC236}">
                 <a16:creationId xmlns:a16="http://schemas.microsoft.com/office/drawing/2014/main" id="{60E1C8D8-7E73-4B2D-A401-23A6E3DE7EA2}"/>
               </a:ext>
             </a:extLst>
@@ -10152,7 +14683,15 @@
             </a:r>
             <a:r>
               <a:rPr lang="tr-TR" sz="2400" dirty="0"/>
-              <a:t> örnek gösterilebilir.</a:t>
+              <a:t> </a:t>
+            </a:r>
+            <a:r>
+              <a:rPr lang="tr-TR" sz="2400"/>
+              <a:t>örnek olarak </a:t>
+            </a:r>
+            <a:r>
+              <a:rPr lang="tr-TR" sz="2400" dirty="0"/>
+              <a:t>gösterilebilir.</a:t>
             </a:r>
           </a:p>
         </p:txBody>
@@ -10191,10 +14730,25 @@
             <a:off x="685800" y="2561283"/>
             <a:ext cx="4995863" cy="2810172"/>
           </a:xfrm>
-          <a:prstGeom prst="rect">
-            <a:avLst/>
+          <a:prstGeom prst="round2DiagRect">
+            <a:avLst>
+              <a:gd name="adj1" fmla="val 16667"/>
+              <a:gd name="adj2" fmla="val 0"/>
+            </a:avLst>
           </a:prstGeom>
-          <a:noFill/>
+          <a:ln w="88900" cap="sq">
+            <a:solidFill>
+              <a:srgbClr val="FFFFFF"/>
+            </a:solidFill>
+            <a:miter lim="800000"/>
+          </a:ln>
+          <a:effectLst>
+            <a:outerShdw blurRad="254000" algn="tl" rotWithShape="0">
+              <a:srgbClr val="000000">
+                <a:alpha val="43000"/>
+              </a:srgbClr>
+            </a:outerShdw>
+          </a:effectLst>
           <a:extLst>
             <a:ext uri="{909E8E84-426E-40DD-AFC4-6F175D3DCCD1}">
               <a14:hiddenFill xmlns:a14="http://schemas.microsoft.com/office/drawing/2010/main">
@@ -10220,611 +14774,6 @@
     <mc:Choice Requires="p14">
       <p:transition spd="slow" p14:dur="1600">
         <p14:gallery dir="l"/>
-      </p:transition>
-    </mc:Choice>
-    <mc:Fallback xmlns="">
-      <p:transition spd="slow">
-        <p:fade/>
-      </p:transition>
-    </mc:Fallback>
-  </mc:AlternateContent>
-</p:sld>
-</file>
-
-<file path=ppt/slides/slide7.xml><?xml version="1.0" encoding="utf-8"?>
-<p:sld xmlns:a="http://schemas.openxmlformats.org/drawingml/2006/main" xmlns:r="http://schemas.openxmlformats.org/officeDocument/2006/relationships" xmlns:p="http://schemas.openxmlformats.org/presentationml/2006/main">
-  <p:cSld>
-    <p:spTree>
-      <p:nvGrpSpPr>
-        <p:cNvPr id="1" name=""/>
-        <p:cNvGrpSpPr/>
-        <p:nvPr/>
-      </p:nvGrpSpPr>
-      <p:grpSpPr>
-        <a:xfrm>
-          <a:off x="0" y="0"/>
-          <a:ext cx="0" cy="0"/>
-          <a:chOff x="0" y="0"/>
-          <a:chExt cx="0" cy="0"/>
-        </a:xfrm>
-      </p:grpSpPr>
-      <p:sp>
-        <p:nvSpPr>
-          <p:cNvPr id="2" name="Başlık 1">
-            <a:extLst>
-              <a:ext uri="{FF2B5EF4-FFF2-40B4-BE49-F238E27FC236}">
-                <a16:creationId xmlns:a16="http://schemas.microsoft.com/office/drawing/2014/main" id="{81836BCE-B629-42BE-AF25-BBE6ECC85295}"/>
-              </a:ext>
-            </a:extLst>
-          </p:cNvPr>
-          <p:cNvSpPr>
-            <a:spLocks noGrp="1"/>
-          </p:cNvSpPr>
-          <p:nvPr>
-            <p:ph type="title"/>
-          </p:nvPr>
-        </p:nvSpPr>
-        <p:spPr/>
-        <p:txBody>
-          <a:bodyPr/>
-          <a:lstStyle/>
-          <a:p>
-            <a:r>
-              <a:rPr lang="tr-TR" b="1" dirty="0"/>
-              <a:t>2 – video temelli gerçeklik</a:t>
-            </a:r>
-          </a:p>
-        </p:txBody>
-      </p:sp>
-      <p:sp>
-        <p:nvSpPr>
-          <p:cNvPr id="3" name="İçerik Yer Tutucusu 2">
-            <a:extLst>
-              <a:ext uri="{FF2B5EF4-FFF2-40B4-BE49-F238E27FC236}">
-                <a16:creationId xmlns:a16="http://schemas.microsoft.com/office/drawing/2014/main" id="{074D928B-3466-43D4-A6DD-EC14A6007D18}"/>
-              </a:ext>
-            </a:extLst>
-          </p:cNvPr>
-          <p:cNvSpPr>
-            <a:spLocks noGrp="1"/>
-          </p:cNvSpPr>
-          <p:nvPr>
-            <p:ph sz="half" idx="1"/>
-          </p:nvPr>
-        </p:nvSpPr>
-        <p:spPr/>
-        <p:txBody>
-          <a:bodyPr anchor="t"/>
-          <a:lstStyle/>
-          <a:p>
-            <a:r>
-              <a:rPr lang="tr-TR" dirty="0"/>
-              <a:t>Video temelli sistemler, sanal ortamın bilgisayar ya da mobil cihazlar ile aktarıldığı sistemlerdir.</a:t>
-            </a:r>
-          </a:p>
-          <a:p>
-            <a:r>
-              <a:rPr lang="tr-TR" dirty="0"/>
-              <a:t>Video tabanlı Artırılmış Gerçeklik sistemlerinde geliştirilen dijital veriler ayrı bir cihaz üzerinde görüntülenmektedir.</a:t>
-            </a:r>
-          </a:p>
-          <a:p>
-            <a:r>
-              <a:rPr lang="tr-TR" dirty="0"/>
-              <a:t>Bu gerçeklik sistemlerinin kullanıldığı alanlara şunlar örnek olarak gösterilebilir:</a:t>
-            </a:r>
-          </a:p>
-          <a:p>
-            <a:pPr marL="0" indent="0">
-              <a:buNone/>
-            </a:pPr>
-            <a:r>
-              <a:rPr lang="tr-TR" dirty="0"/>
-              <a:t>Bakım ve Montaj İşlemleri</a:t>
-            </a:r>
-          </a:p>
-          <a:p>
-            <a:pPr marL="0" indent="0">
-              <a:buNone/>
-            </a:pPr>
-            <a:r>
-              <a:rPr lang="tr-TR" dirty="0"/>
-              <a:t>Lojistik Uygulamaları</a:t>
-            </a:r>
-          </a:p>
-          <a:p>
-            <a:pPr marL="0" indent="0">
-              <a:buNone/>
-            </a:pPr>
-            <a:r>
-              <a:rPr lang="tr-TR" dirty="0"/>
-              <a:t>Etkileşim ve Eğitim</a:t>
-            </a:r>
-          </a:p>
-          <a:p>
-            <a:pPr marL="0" indent="0">
-              <a:buNone/>
-            </a:pPr>
-            <a:endParaRPr lang="tr-TR" dirty="0"/>
-          </a:p>
-          <a:p>
-            <a:endParaRPr lang="tr-TR" dirty="0"/>
-          </a:p>
-        </p:txBody>
-      </p:sp>
-      <p:pic>
-        <p:nvPicPr>
-          <p:cNvPr id="2050" name="Picture 2">
-            <a:extLst>
-              <a:ext uri="{FF2B5EF4-FFF2-40B4-BE49-F238E27FC236}">
-                <a16:creationId xmlns:a16="http://schemas.microsoft.com/office/drawing/2014/main" id="{08004D7C-3462-4571-80F4-007908C476E3}"/>
-              </a:ext>
-            </a:extLst>
-          </p:cNvPr>
-          <p:cNvPicPr>
-            <a:picLocks noGrp="1" noChangeAspect="1" noChangeArrowheads="1"/>
-          </p:cNvPicPr>
-          <p:nvPr>
-            <p:ph sz="half" idx="2"/>
-          </p:nvPr>
-        </p:nvPicPr>
-        <p:blipFill>
-          <a:blip r:embed="rId2">
-            <a:extLst>
-              <a:ext uri="{28A0092B-C50C-407E-A947-70E740481C1C}">
-                <a14:useLocalDpi xmlns:a14="http://schemas.microsoft.com/office/drawing/2010/main" val="0"/>
-              </a:ext>
-            </a:extLst>
-          </a:blip>
-          <a:srcRect/>
-          <a:stretch>
-            <a:fillRect/>
-          </a:stretch>
-        </p:blipFill>
-        <p:spPr bwMode="auto">
-          <a:xfrm>
-            <a:off x="5718635" y="2435354"/>
-            <a:ext cx="5787563" cy="3062559"/>
-          </a:xfrm>
-          <a:prstGeom prst="rect">
-            <a:avLst/>
-          </a:prstGeom>
-          <a:noFill/>
-          <a:extLst>
-            <a:ext uri="{909E8E84-426E-40DD-AFC4-6F175D3DCCD1}">
-              <a14:hiddenFill xmlns:a14="http://schemas.microsoft.com/office/drawing/2010/main">
-                <a:solidFill>
-                  <a:srgbClr val="FFFFFF"/>
-                </a:solidFill>
-              </a14:hiddenFill>
-            </a:ext>
-          </a:extLst>
-        </p:spPr>
-      </p:pic>
-    </p:spTree>
-    <p:extLst>
-      <p:ext uri="{BB962C8B-B14F-4D97-AF65-F5344CB8AC3E}">
-        <p14:creationId xmlns:p14="http://schemas.microsoft.com/office/powerpoint/2010/main" val="2697392795"/>
-      </p:ext>
-    </p:extLst>
-  </p:cSld>
-  <p:clrMapOvr>
-    <a:masterClrMapping/>
-  </p:clrMapOvr>
-  <mc:AlternateContent xmlns:mc="http://schemas.openxmlformats.org/markup-compatibility/2006" xmlns:p14="http://schemas.microsoft.com/office/powerpoint/2010/main">
-    <mc:Choice Requires="p14">
-      <p:transition spd="slow" p14:dur="1600">
-        <p14:gallery dir="l"/>
-      </p:transition>
-    </mc:Choice>
-    <mc:Fallback xmlns="">
-      <p:transition spd="slow">
-        <p:fade/>
-      </p:transition>
-    </mc:Fallback>
-  </mc:AlternateContent>
-</p:sld>
-</file>
-
-<file path=ppt/slides/slide8.xml><?xml version="1.0" encoding="utf-8"?>
-<p:sld xmlns:a="http://schemas.openxmlformats.org/drawingml/2006/main" xmlns:r="http://schemas.openxmlformats.org/officeDocument/2006/relationships" xmlns:p="http://schemas.openxmlformats.org/presentationml/2006/main">
-  <p:cSld>
-    <p:spTree>
-      <p:nvGrpSpPr>
-        <p:cNvPr id="1" name=""/>
-        <p:cNvGrpSpPr/>
-        <p:nvPr/>
-      </p:nvGrpSpPr>
-      <p:grpSpPr>
-        <a:xfrm>
-          <a:off x="0" y="0"/>
-          <a:ext cx="0" cy="0"/>
-          <a:chOff x="0" y="0"/>
-          <a:chExt cx="0" cy="0"/>
-        </a:xfrm>
-      </p:grpSpPr>
-      <p:sp>
-        <p:nvSpPr>
-          <p:cNvPr id="2" name="Başlık 1">
-            <a:extLst>
-              <a:ext uri="{FF2B5EF4-FFF2-40B4-BE49-F238E27FC236}">
-                <a16:creationId xmlns:a16="http://schemas.microsoft.com/office/drawing/2014/main" id="{867F77A2-25D7-4CC1-A195-76040E8EF9B0}"/>
-              </a:ext>
-            </a:extLst>
-          </p:cNvPr>
-          <p:cNvSpPr>
-            <a:spLocks noGrp="1"/>
-          </p:cNvSpPr>
-          <p:nvPr>
-            <p:ph type="title"/>
-          </p:nvPr>
-        </p:nvSpPr>
-        <p:spPr/>
-        <p:txBody>
-          <a:bodyPr/>
-          <a:lstStyle/>
-          <a:p>
-            <a:r>
-              <a:rPr lang="tr-TR" b="1" dirty="0"/>
-              <a:t>Sanal gerçeklik [</a:t>
-            </a:r>
-            <a:r>
-              <a:rPr lang="tr-TR" b="1" dirty="0" err="1"/>
-              <a:t>vr</a:t>
-            </a:r>
-            <a:r>
-              <a:rPr lang="tr-TR" b="1" dirty="0"/>
-              <a:t>]</a:t>
-            </a:r>
-          </a:p>
-        </p:txBody>
-      </p:sp>
-      <p:sp>
-        <p:nvSpPr>
-          <p:cNvPr id="4" name="İçerik Yer Tutucusu 3">
-            <a:extLst>
-              <a:ext uri="{FF2B5EF4-FFF2-40B4-BE49-F238E27FC236}">
-                <a16:creationId xmlns:a16="http://schemas.microsoft.com/office/drawing/2014/main" id="{5E884862-EBE6-4041-B4F0-FD4CDAF4E66C}"/>
-              </a:ext>
-            </a:extLst>
-          </p:cNvPr>
-          <p:cNvSpPr>
-            <a:spLocks noGrp="1"/>
-          </p:cNvSpPr>
-          <p:nvPr>
-            <p:ph sz="half" idx="2"/>
-          </p:nvPr>
-        </p:nvSpPr>
-        <p:spPr>
-          <a:xfrm>
-            <a:off x="5821894" y="2349102"/>
-            <a:ext cx="4995332" cy="3235062"/>
-          </a:xfrm>
-        </p:spPr>
-        <p:txBody>
-          <a:bodyPr anchor="t"/>
-          <a:lstStyle/>
-          <a:p>
-            <a:r>
-              <a:rPr lang="tr-TR" dirty="0"/>
-              <a:t>Sanal gerçeklik «Virtual </a:t>
-            </a:r>
-            <a:r>
-              <a:rPr lang="tr-TR" dirty="0" err="1"/>
-              <a:t>Reality</a:t>
-            </a:r>
-            <a:r>
-              <a:rPr lang="tr-TR" dirty="0"/>
-              <a:t>» kişiye bilgisayar ortamında yaşanan olayların günlük hayatta, olayın adeta içindeymiş gibi yaşaması imkânını sağlayan ortamdır.</a:t>
-            </a:r>
-          </a:p>
-          <a:p>
-            <a:r>
-              <a:rPr lang="tr-TR" dirty="0"/>
-              <a:t>Sanal gerçeklik gözlüklerine şunlar örnek olarak gösterilebilir:</a:t>
-            </a:r>
-          </a:p>
-          <a:p>
-            <a:pPr marL="0" indent="0">
-              <a:buNone/>
-            </a:pPr>
-            <a:r>
-              <a:rPr lang="tr-TR" dirty="0" err="1"/>
-              <a:t>Oculus</a:t>
-            </a:r>
-            <a:endParaRPr lang="tr-TR" dirty="0"/>
-          </a:p>
-          <a:p>
-            <a:pPr marL="0" indent="0">
-              <a:buNone/>
-            </a:pPr>
-            <a:r>
-              <a:rPr lang="tr-TR" dirty="0"/>
-              <a:t>HTC </a:t>
-            </a:r>
-            <a:r>
-              <a:rPr lang="tr-TR" dirty="0" err="1"/>
-              <a:t>Vive</a:t>
-            </a:r>
-            <a:endParaRPr lang="tr-TR" dirty="0"/>
-          </a:p>
-          <a:p>
-            <a:pPr marL="0" indent="0">
-              <a:buNone/>
-            </a:pPr>
-            <a:r>
-              <a:rPr lang="tr-TR" dirty="0" err="1"/>
-              <a:t>PlayStationVR</a:t>
-            </a:r>
-            <a:endParaRPr lang="tr-TR" dirty="0"/>
-          </a:p>
-        </p:txBody>
-      </p:sp>
-      <p:pic>
-        <p:nvPicPr>
-          <p:cNvPr id="3076" name="Picture 4" descr="Sanal gerçeklik gözlüğü hayatına mal oldu - Teknoloji Haberleri">
-            <a:extLst>
-              <a:ext uri="{FF2B5EF4-FFF2-40B4-BE49-F238E27FC236}">
-                <a16:creationId xmlns:a16="http://schemas.microsoft.com/office/drawing/2014/main" id="{0BFB1CC2-2B0B-452D-AAFB-F3C36392545C}"/>
-              </a:ext>
-            </a:extLst>
-          </p:cNvPr>
-          <p:cNvPicPr>
-            <a:picLocks noGrp="1" noChangeAspect="1" noChangeArrowheads="1"/>
-          </p:cNvPicPr>
-          <p:nvPr>
-            <p:ph sz="half" idx="1"/>
-          </p:nvPr>
-        </p:nvPicPr>
-        <p:blipFill>
-          <a:blip r:embed="rId2">
-            <a:extLst>
-              <a:ext uri="{28A0092B-C50C-407E-A947-70E740481C1C}">
-                <a14:useLocalDpi xmlns:a14="http://schemas.microsoft.com/office/drawing/2010/main" val="0"/>
-              </a:ext>
-            </a:extLst>
-          </a:blip>
-          <a:srcRect/>
-          <a:stretch>
-            <a:fillRect/>
-          </a:stretch>
-        </p:blipFill>
-        <p:spPr bwMode="auto">
-          <a:xfrm>
-            <a:off x="421149" y="2556137"/>
-            <a:ext cx="5330364" cy="2820992"/>
-          </a:xfrm>
-          <a:prstGeom prst="rect">
-            <a:avLst/>
-          </a:prstGeom>
-          <a:noFill/>
-          <a:extLst>
-            <a:ext uri="{909E8E84-426E-40DD-AFC4-6F175D3DCCD1}">
-              <a14:hiddenFill xmlns:a14="http://schemas.microsoft.com/office/drawing/2010/main">
-                <a:solidFill>
-                  <a:srgbClr val="FFFFFF"/>
-                </a:solidFill>
-              </a14:hiddenFill>
-            </a:ext>
-          </a:extLst>
-        </p:spPr>
-      </p:pic>
-    </p:spTree>
-    <p:extLst>
-      <p:ext uri="{BB962C8B-B14F-4D97-AF65-F5344CB8AC3E}">
-        <p14:creationId xmlns:p14="http://schemas.microsoft.com/office/powerpoint/2010/main" val="2285271864"/>
-      </p:ext>
-    </p:extLst>
-  </p:cSld>
-  <p:clrMapOvr>
-    <a:masterClrMapping/>
-  </p:clrMapOvr>
-  <mc:AlternateContent xmlns:mc="http://schemas.openxmlformats.org/markup-compatibility/2006" xmlns:p14="http://schemas.microsoft.com/office/powerpoint/2010/main">
-    <mc:Choice Requires="p14">
-      <p:transition spd="slow" p14:dur="1500">
-        <p14:window dir="vert"/>
-      </p:transition>
-    </mc:Choice>
-    <mc:Fallback xmlns="">
-      <p:transition spd="slow">
-        <p:fade/>
-      </p:transition>
-    </mc:Fallback>
-  </mc:AlternateContent>
-</p:sld>
-</file>
-
-<file path=ppt/slides/slide9.xml><?xml version="1.0" encoding="utf-8"?>
-<p:sld xmlns:a="http://schemas.openxmlformats.org/drawingml/2006/main" xmlns:r="http://schemas.openxmlformats.org/officeDocument/2006/relationships" xmlns:p="http://schemas.openxmlformats.org/presentationml/2006/main">
-  <p:cSld>
-    <p:spTree>
-      <p:nvGrpSpPr>
-        <p:cNvPr id="1" name=""/>
-        <p:cNvGrpSpPr/>
-        <p:nvPr/>
-      </p:nvGrpSpPr>
-      <p:grpSpPr>
-        <a:xfrm>
-          <a:off x="0" y="0"/>
-          <a:ext cx="0" cy="0"/>
-          <a:chOff x="0" y="0"/>
-          <a:chExt cx="0" cy="0"/>
-        </a:xfrm>
-      </p:grpSpPr>
-      <p:sp>
-        <p:nvSpPr>
-          <p:cNvPr id="2" name="Başlık 1">
-            <a:extLst>
-              <a:ext uri="{FF2B5EF4-FFF2-40B4-BE49-F238E27FC236}">
-                <a16:creationId xmlns:a16="http://schemas.microsoft.com/office/drawing/2014/main" id="{7EF43768-F69A-4850-BADA-6FDAA55EDB64}"/>
-              </a:ext>
-            </a:extLst>
-          </p:cNvPr>
-          <p:cNvSpPr>
-            <a:spLocks noGrp="1"/>
-          </p:cNvSpPr>
-          <p:nvPr>
-            <p:ph type="title"/>
-          </p:nvPr>
-        </p:nvSpPr>
-        <p:spPr/>
-        <p:txBody>
-          <a:bodyPr/>
-          <a:lstStyle/>
-          <a:p>
-            <a:pPr algn="ctr"/>
-            <a:r>
-              <a:rPr lang="tr-TR" b="1" dirty="0"/>
-              <a:t>Artırılmış ve sanal gerçeklik </a:t>
-            </a:r>
-            <a:r>
-              <a:rPr lang="tr-TR" b="1" dirty="0" err="1"/>
-              <a:t>kARŞILAŞTIRMASI</a:t>
-            </a:r>
-            <a:endParaRPr lang="tr-TR" b="1" dirty="0"/>
-          </a:p>
-        </p:txBody>
-      </p:sp>
-      <p:sp>
-        <p:nvSpPr>
-          <p:cNvPr id="3" name="İçerik Yer Tutucusu 2">
-            <a:extLst>
-              <a:ext uri="{FF2B5EF4-FFF2-40B4-BE49-F238E27FC236}">
-                <a16:creationId xmlns:a16="http://schemas.microsoft.com/office/drawing/2014/main" id="{63465760-D430-4E93-BBA3-3715A28C879F}"/>
-              </a:ext>
-            </a:extLst>
-          </p:cNvPr>
-          <p:cNvSpPr>
-            <a:spLocks noGrp="1"/>
-          </p:cNvSpPr>
-          <p:nvPr>
-            <p:ph sz="half" idx="1"/>
-          </p:nvPr>
-        </p:nvSpPr>
-        <p:spPr/>
-        <p:txBody>
-          <a:bodyPr anchor="ctr">
-            <a:normAutofit/>
-          </a:bodyPr>
-          <a:lstStyle/>
-          <a:p>
-            <a:pPr marL="0" indent="0" algn="ctr">
-              <a:buNone/>
-            </a:pPr>
-            <a:r>
-              <a:rPr lang="tr-TR" b="1" dirty="0"/>
-              <a:t>ARTIRILMIŞ GERÇEKLİK</a:t>
-            </a:r>
-          </a:p>
-          <a:p>
-            <a:pPr algn="ctr"/>
-            <a:r>
-              <a:rPr lang="tr-TR" dirty="0"/>
-              <a:t>AR, halihazırda gördüklerinizin üzerine bilgi yansıtarak gerçeğe katkıda bulunur. </a:t>
-            </a:r>
-          </a:p>
-          <a:p>
-            <a:pPr algn="ctr"/>
-            <a:r>
-              <a:rPr lang="tr-TR" dirty="0"/>
-              <a:t>Açıklamak gerekirse, Artırılmış Gerçeklik var olan dünyanın üzerine bilgiler yansıtarak bunları geliştirme amacı güder.</a:t>
-            </a:r>
-          </a:p>
-          <a:p>
-            <a:pPr algn="ctr"/>
-            <a:r>
-              <a:rPr lang="tr-TR" dirty="0"/>
-              <a:t>Artırılmış gerçeklik kullanım alanları:</a:t>
-            </a:r>
-          </a:p>
-          <a:p>
-            <a:pPr marL="0" indent="0" algn="ctr">
-              <a:buNone/>
-            </a:pPr>
-            <a:r>
-              <a:rPr lang="tr-TR" dirty="0"/>
-              <a:t>Pazarlama, Sinema, Sanat ve Müzeler, Alışveriş, Turizm, Sağlık, Oyun ve video, Emlak</a:t>
-            </a:r>
-          </a:p>
-        </p:txBody>
-      </p:sp>
-      <p:sp>
-        <p:nvSpPr>
-          <p:cNvPr id="4" name="İçerik Yer Tutucusu 3">
-            <a:extLst>
-              <a:ext uri="{FF2B5EF4-FFF2-40B4-BE49-F238E27FC236}">
-                <a16:creationId xmlns:a16="http://schemas.microsoft.com/office/drawing/2014/main" id="{0820907A-0CAA-4760-B6F2-84C075A135AA}"/>
-              </a:ext>
-            </a:extLst>
-          </p:cNvPr>
-          <p:cNvSpPr>
-            <a:spLocks noGrp="1"/>
-          </p:cNvSpPr>
-          <p:nvPr>
-            <p:ph sz="half" idx="2"/>
-          </p:nvPr>
-        </p:nvSpPr>
-        <p:spPr/>
-        <p:txBody>
-          <a:bodyPr anchor="ctr">
-            <a:normAutofit/>
-          </a:bodyPr>
-          <a:lstStyle/>
-          <a:p>
-            <a:pPr marL="0" indent="0" algn="ctr">
-              <a:buNone/>
-            </a:pPr>
-            <a:r>
-              <a:rPr lang="tr-TR" b="1" dirty="0"/>
-              <a:t>SANAL GERÇEKLİK</a:t>
-            </a:r>
-          </a:p>
-          <a:p>
-            <a:pPr algn="ctr"/>
-            <a:r>
-              <a:rPr lang="tr-TR" dirty="0"/>
-              <a:t>VR, gerçekliğin yerini alır ve sizi başka bir yere götürür.</a:t>
-            </a:r>
-          </a:p>
-          <a:p>
-            <a:pPr algn="ctr"/>
-            <a:r>
-              <a:rPr lang="tr-TR" dirty="0"/>
-              <a:t>Sanal gerçeklik var olan dünyanın dışına çıkarak kendi dünyasını oluşturur ve sizi bambaşka bir yerdeymişsiniz hissiyatının içine sokar.</a:t>
-            </a:r>
-          </a:p>
-          <a:p>
-            <a:pPr algn="ctr"/>
-            <a:r>
-              <a:rPr lang="tr-TR" dirty="0"/>
-              <a:t>Sanal gerçeklik kullanım alanları:</a:t>
-            </a:r>
-          </a:p>
-          <a:p>
-            <a:pPr marL="0" indent="0" algn="ctr">
-              <a:buNone/>
-            </a:pPr>
-            <a:r>
-              <a:rPr lang="tr-TR" dirty="0"/>
-              <a:t>Eğitim, Endüstri, Sağlık, Seyahat, Oyun, Savunma, Sanayii, Kültür ve Turizm, Eğlence</a:t>
-            </a:r>
-          </a:p>
-        </p:txBody>
-      </p:sp>
-    </p:spTree>
-    <p:extLst>
-      <p:ext uri="{BB962C8B-B14F-4D97-AF65-F5344CB8AC3E}">
-        <p14:creationId xmlns:p14="http://schemas.microsoft.com/office/powerpoint/2010/main" val="3967903628"/>
-      </p:ext>
-    </p:extLst>
-  </p:cSld>
-  <p:clrMapOvr>
-    <a:masterClrMapping/>
-  </p:clrMapOvr>
-  <mc:AlternateContent xmlns:mc="http://schemas.openxmlformats.org/markup-compatibility/2006" xmlns:p14="http://schemas.microsoft.com/office/powerpoint/2010/main">
-    <mc:Choice Requires="p14">
-      <p:transition spd="slow" p14:dur="900">
-        <p14:warp dir="in"/>
       </p:transition>
     </mc:Choice>
     <mc:Fallback xmlns="">
